--- a/Documentation/MuITE_RB_InitialPresentation.pptx
+++ b/Documentation/MuITE_RB_InitialPresentation.pptx
@@ -116,6 +116,819 @@
     </a:lvl9pPr>
   </p:defaultTextStyle>
 </p:presentation>
+</file>
+
+<file path=ppt/changesInfos/changesInfo1.xml><?xml version="1.0" encoding="utf-8"?>
+<pc:chgInfo xmlns:a="http://schemas.openxmlformats.org/drawingml/2006/main" xmlns:r="http://schemas.openxmlformats.org/officeDocument/2006/relationships" xmlns:ac="http://schemas.microsoft.com/office/drawing/2013/main/command" xmlns:pc="http://schemas.microsoft.com/office/powerpoint/2013/main/command">
+  <pc:docChgLst>
+    <pc:chgData name="Niels Röschmann" userId="9336b1f5a86c42c7" providerId="LiveId" clId="{077913B1-47B0-48AE-9CF2-44078E5DA37D}"/>
+    <pc:docChg chg="undo custSel modSld">
+      <pc:chgData name="Niels Röschmann" userId="9336b1f5a86c42c7" providerId="LiveId" clId="{077913B1-47B0-48AE-9CF2-44078E5DA37D}" dt="2019-04-28T16:45:21.689" v="1113" actId="1076"/>
+      <pc:docMkLst>
+        <pc:docMk/>
+      </pc:docMkLst>
+      <pc:sldChg chg="modSp">
+        <pc:chgData name="Niels Röschmann" userId="9336b1f5a86c42c7" providerId="LiveId" clId="{077913B1-47B0-48AE-9CF2-44078E5DA37D}" dt="2019-04-28T16:03:38.326" v="183" actId="1076"/>
+        <pc:sldMkLst>
+          <pc:docMk/>
+          <pc:sldMk cId="671693869" sldId="256"/>
+        </pc:sldMkLst>
+        <pc:spChg chg="mod">
+          <ac:chgData name="Niels Röschmann" userId="9336b1f5a86c42c7" providerId="LiveId" clId="{077913B1-47B0-48AE-9CF2-44078E5DA37D}" dt="2019-04-28T16:03:38.326" v="183" actId="1076"/>
+          <ac:spMkLst>
+            <pc:docMk/>
+            <pc:sldMk cId="671693869" sldId="256"/>
+            <ac:spMk id="5" creationId="{08712923-F9CD-4372-9D3D-7923AB409C23}"/>
+          </ac:spMkLst>
+        </pc:spChg>
+        <pc:spChg chg="mod">
+          <ac:chgData name="Niels Röschmann" userId="9336b1f5a86c42c7" providerId="LiveId" clId="{077913B1-47B0-48AE-9CF2-44078E5DA37D}" dt="2019-04-28T16:03:26.490" v="180" actId="1076"/>
+          <ac:spMkLst>
+            <pc:docMk/>
+            <pc:sldMk cId="671693869" sldId="256"/>
+            <ac:spMk id="9" creationId="{017ABD38-9F87-43A3-8761-BAC971AFA9C1}"/>
+          </ac:spMkLst>
+        </pc:spChg>
+        <pc:picChg chg="mod">
+          <ac:chgData name="Niels Röschmann" userId="9336b1f5a86c42c7" providerId="LiveId" clId="{077913B1-47B0-48AE-9CF2-44078E5DA37D}" dt="2019-04-28T16:03:34.971" v="182" actId="1076"/>
+          <ac:picMkLst>
+            <pc:docMk/>
+            <pc:sldMk cId="671693869" sldId="256"/>
+            <ac:picMk id="3074" creationId="{C9E6158B-1459-45BF-894B-2DD9476E1111}"/>
+          </ac:picMkLst>
+        </pc:picChg>
+        <pc:picChg chg="mod">
+          <ac:chgData name="Niels Röschmann" userId="9336b1f5a86c42c7" providerId="LiveId" clId="{077913B1-47B0-48AE-9CF2-44078E5DA37D}" dt="2019-04-28T16:03:26.490" v="180" actId="1076"/>
+          <ac:picMkLst>
+            <pc:docMk/>
+            <pc:sldMk cId="671693869" sldId="256"/>
+            <ac:picMk id="3076" creationId="{3B088412-48E9-4731-8971-AD7D9D11BFD8}"/>
+          </ac:picMkLst>
+        </pc:picChg>
+      </pc:sldChg>
+      <pc:sldChg chg="modSp">
+        <pc:chgData name="Niels Röschmann" userId="9336b1f5a86c42c7" providerId="LiveId" clId="{077913B1-47B0-48AE-9CF2-44078E5DA37D}" dt="2019-04-28T16:38:55.239" v="1079" actId="6549"/>
+        <pc:sldMkLst>
+          <pc:docMk/>
+          <pc:sldMk cId="1593377801" sldId="257"/>
+        </pc:sldMkLst>
+        <pc:spChg chg="mod">
+          <ac:chgData name="Niels Röschmann" userId="9336b1f5a86c42c7" providerId="LiveId" clId="{077913B1-47B0-48AE-9CF2-44078E5DA37D}" dt="2019-04-28T16:38:55.239" v="1079" actId="6549"/>
+          <ac:spMkLst>
+            <pc:docMk/>
+            <pc:sldMk cId="1593377801" sldId="257"/>
+            <ac:spMk id="6" creationId="{E3C03EC1-20B5-4EA1-8629-714C412DB29B}"/>
+          </ac:spMkLst>
+        </pc:spChg>
+      </pc:sldChg>
+      <pc:sldChg chg="addSp modSp">
+        <pc:chgData name="Niels Röschmann" userId="9336b1f5a86c42c7" providerId="LiveId" clId="{077913B1-47B0-48AE-9CF2-44078E5DA37D}" dt="2019-04-28T16:45:21.689" v="1113" actId="1076"/>
+        <pc:sldMkLst>
+          <pc:docMk/>
+          <pc:sldMk cId="1172475437" sldId="258"/>
+        </pc:sldMkLst>
+        <pc:spChg chg="mod">
+          <ac:chgData name="Niels Röschmann" userId="9336b1f5a86c42c7" providerId="LiveId" clId="{077913B1-47B0-48AE-9CF2-44078E5DA37D}" dt="2019-04-28T16:44:59.687" v="1101"/>
+          <ac:spMkLst>
+            <pc:docMk/>
+            <pc:sldMk cId="1172475437" sldId="258"/>
+            <ac:spMk id="6" creationId="{E3C03EC1-20B5-4EA1-8629-714C412DB29B}"/>
+          </ac:spMkLst>
+        </pc:spChg>
+        <pc:spChg chg="add mod">
+          <ac:chgData name="Niels Röschmann" userId="9336b1f5a86c42c7" providerId="LiveId" clId="{077913B1-47B0-48AE-9CF2-44078E5DA37D}" dt="2019-04-28T16:45:21.689" v="1113" actId="1076"/>
+          <ac:spMkLst>
+            <pc:docMk/>
+            <pc:sldMk cId="1172475437" sldId="258"/>
+            <ac:spMk id="10" creationId="{7BF972EC-CCE2-46A6-B3F2-47FB22306C2D}"/>
+          </ac:spMkLst>
+        </pc:spChg>
+      </pc:sldChg>
+      <pc:sldChg chg="addSp delSp modSp modAnim">
+        <pc:chgData name="Niels Röschmann" userId="9336b1f5a86c42c7" providerId="LiveId" clId="{077913B1-47B0-48AE-9CF2-44078E5DA37D}" dt="2019-04-28T16:44:26.972" v="1091" actId="408"/>
+        <pc:sldMkLst>
+          <pc:docMk/>
+          <pc:sldMk cId="216345981" sldId="259"/>
+        </pc:sldMkLst>
+        <pc:spChg chg="del">
+          <ac:chgData name="Niels Röschmann" userId="9336b1f5a86c42c7" providerId="LiveId" clId="{077913B1-47B0-48AE-9CF2-44078E5DA37D}" dt="2019-04-28T16:34:35.784" v="1026" actId="478"/>
+          <ac:spMkLst>
+            <pc:docMk/>
+            <pc:sldMk cId="216345981" sldId="259"/>
+            <ac:spMk id="7" creationId="{52B2FF8B-8FC9-4D44-9DCF-3EA66477ED31}"/>
+          </ac:spMkLst>
+        </pc:spChg>
+        <pc:spChg chg="add del mod">
+          <ac:chgData name="Niels Röschmann" userId="9336b1f5a86c42c7" providerId="LiveId" clId="{077913B1-47B0-48AE-9CF2-44078E5DA37D}" dt="2019-04-28T16:34:38.136" v="1028" actId="478"/>
+          <ac:spMkLst>
+            <pc:docMk/>
+            <pc:sldMk cId="216345981" sldId="259"/>
+            <ac:spMk id="9" creationId="{E2AF2926-A4AF-49D7-8F69-AC01FAD1F9B5}"/>
+          </ac:spMkLst>
+        </pc:spChg>
+        <pc:spChg chg="add mod">
+          <ac:chgData name="Niels Röschmann" userId="9336b1f5a86c42c7" providerId="LiveId" clId="{077913B1-47B0-48AE-9CF2-44078E5DA37D}" dt="2019-04-28T16:44:26.972" v="1091" actId="408"/>
+          <ac:spMkLst>
+            <pc:docMk/>
+            <pc:sldMk cId="216345981" sldId="259"/>
+            <ac:spMk id="10" creationId="{F02A00A6-68D8-4A55-AF6A-B42E3F543D34}"/>
+          </ac:spMkLst>
+        </pc:spChg>
+        <pc:spChg chg="add mod">
+          <ac:chgData name="Niels Röschmann" userId="9336b1f5a86c42c7" providerId="LiveId" clId="{077913B1-47B0-48AE-9CF2-44078E5DA37D}" dt="2019-04-28T16:44:26.972" v="1091" actId="408"/>
+          <ac:spMkLst>
+            <pc:docMk/>
+            <pc:sldMk cId="216345981" sldId="259"/>
+            <ac:spMk id="11" creationId="{E46F4D66-A24C-4815-82B4-69A8795D5360}"/>
+          </ac:spMkLst>
+        </pc:spChg>
+        <pc:spChg chg="add mod">
+          <ac:chgData name="Niels Röschmann" userId="9336b1f5a86c42c7" providerId="LiveId" clId="{077913B1-47B0-48AE-9CF2-44078E5DA37D}" dt="2019-04-28T16:44:26.972" v="1091" actId="408"/>
+          <ac:spMkLst>
+            <pc:docMk/>
+            <pc:sldMk cId="216345981" sldId="259"/>
+            <ac:spMk id="12" creationId="{B151DFFC-2104-4B68-8CF2-D3046F3217CE}"/>
+          </ac:spMkLst>
+        </pc:spChg>
+        <pc:picChg chg="add mod">
+          <ac:chgData name="Niels Röschmann" userId="9336b1f5a86c42c7" providerId="LiveId" clId="{077913B1-47B0-48AE-9CF2-44078E5DA37D}" dt="2019-04-28T16:41:30.225" v="1087" actId="1076"/>
+          <ac:picMkLst>
+            <pc:docMk/>
+            <pc:sldMk cId="216345981" sldId="259"/>
+            <ac:picMk id="6146" creationId="{C93DE192-2AF0-4862-87EF-9430CA7AB239}"/>
+          </ac:picMkLst>
+        </pc:picChg>
+      </pc:sldChg>
+      <pc:sldChg chg="addSp delSp modSp">
+        <pc:chgData name="Niels Röschmann" userId="9336b1f5a86c42c7" providerId="LiveId" clId="{077913B1-47B0-48AE-9CF2-44078E5DA37D}" dt="2019-04-28T16:37:12.500" v="1060" actId="1582"/>
+        <pc:sldMkLst>
+          <pc:docMk/>
+          <pc:sldMk cId="613897576" sldId="260"/>
+        </pc:sldMkLst>
+        <pc:spChg chg="del mod">
+          <ac:chgData name="Niels Röschmann" userId="9336b1f5a86c42c7" providerId="LiveId" clId="{077913B1-47B0-48AE-9CF2-44078E5DA37D}" dt="2019-04-28T16:34:32.032" v="1025"/>
+          <ac:spMkLst>
+            <pc:docMk/>
+            <pc:sldMk cId="613897576" sldId="260"/>
+            <ac:spMk id="7" creationId="{52B2FF8B-8FC9-4D44-9DCF-3EA66477ED31}"/>
+          </ac:spMkLst>
+        </pc:spChg>
+        <pc:spChg chg="add del mod">
+          <ac:chgData name="Niels Röschmann" userId="9336b1f5a86c42c7" providerId="LiveId" clId="{077913B1-47B0-48AE-9CF2-44078E5DA37D}" dt="2019-04-28T16:34:32.032" v="1025"/>
+          <ac:spMkLst>
+            <pc:docMk/>
+            <pc:sldMk cId="613897576" sldId="260"/>
+            <ac:spMk id="8" creationId="{D39EE250-F98A-4BD1-90CE-C7768BCD5A68}"/>
+          </ac:spMkLst>
+        </pc:spChg>
+        <pc:spChg chg="add del mod">
+          <ac:chgData name="Niels Röschmann" userId="9336b1f5a86c42c7" providerId="LiveId" clId="{077913B1-47B0-48AE-9CF2-44078E5DA37D}" dt="2019-04-28T16:34:32.032" v="1025"/>
+          <ac:spMkLst>
+            <pc:docMk/>
+            <pc:sldMk cId="613897576" sldId="260"/>
+            <ac:spMk id="9" creationId="{CEB44CA1-C05D-4772-A12B-E9E279C6CEF8}"/>
+          </ac:spMkLst>
+        </pc:spChg>
+        <pc:spChg chg="add mod">
+          <ac:chgData name="Niels Röschmann" userId="9336b1f5a86c42c7" providerId="LiveId" clId="{077913B1-47B0-48AE-9CF2-44078E5DA37D}" dt="2019-04-28T16:37:12.500" v="1060" actId="1582"/>
+          <ac:spMkLst>
+            <pc:docMk/>
+            <pc:sldMk cId="613897576" sldId="260"/>
+            <ac:spMk id="10" creationId="{C737AFBA-C68F-4857-80F2-C556B6E72069}"/>
+          </ac:spMkLst>
+        </pc:spChg>
+      </pc:sldChg>
+      <pc:sldChg chg="addSp delSp modSp delAnim modAnim">
+        <pc:chgData name="Niels Röschmann" userId="9336b1f5a86c42c7" providerId="LiveId" clId="{077913B1-47B0-48AE-9CF2-44078E5DA37D}" dt="2019-04-28T16:44:01.164" v="1088" actId="20577"/>
+        <pc:sldMkLst>
+          <pc:docMk/>
+          <pc:sldMk cId="2396574869" sldId="261"/>
+        </pc:sldMkLst>
+        <pc:spChg chg="del">
+          <ac:chgData name="Niels Röschmann" userId="9336b1f5a86c42c7" providerId="LiveId" clId="{077913B1-47B0-48AE-9CF2-44078E5DA37D}" dt="2019-04-28T16:24:15.058" v="576" actId="478"/>
+          <ac:spMkLst>
+            <pc:docMk/>
+            <pc:sldMk cId="2396574869" sldId="261"/>
+            <ac:spMk id="7" creationId="{D092ED50-6D1C-4339-9E68-F083B571E1B9}"/>
+          </ac:spMkLst>
+        </pc:spChg>
+        <pc:spChg chg="add mod">
+          <ac:chgData name="Niels Röschmann" userId="9336b1f5a86c42c7" providerId="LiveId" clId="{077913B1-47B0-48AE-9CF2-44078E5DA37D}" dt="2019-04-28T16:28:51.426" v="888" actId="113"/>
+          <ac:spMkLst>
+            <pc:docMk/>
+            <pc:sldMk cId="2396574869" sldId="261"/>
+            <ac:spMk id="8" creationId="{30173546-826E-4674-8C38-C9D473B45817}"/>
+          </ac:spMkLst>
+        </pc:spChg>
+        <pc:spChg chg="add mod">
+          <ac:chgData name="Niels Röschmann" userId="9336b1f5a86c42c7" providerId="LiveId" clId="{077913B1-47B0-48AE-9CF2-44078E5DA37D}" dt="2019-04-28T16:24:45.848" v="625" actId="20577"/>
+          <ac:spMkLst>
+            <pc:docMk/>
+            <pc:sldMk cId="2396574869" sldId="261"/>
+            <ac:spMk id="9" creationId="{933C7915-4E41-4B0F-A7A1-C77200F049FC}"/>
+          </ac:spMkLst>
+        </pc:spChg>
+        <pc:spChg chg="add mod">
+          <ac:chgData name="Niels Röschmann" userId="9336b1f5a86c42c7" providerId="LiveId" clId="{077913B1-47B0-48AE-9CF2-44078E5DA37D}" dt="2019-04-28T16:24:55.491" v="644" actId="20577"/>
+          <ac:spMkLst>
+            <pc:docMk/>
+            <pc:sldMk cId="2396574869" sldId="261"/>
+            <ac:spMk id="10" creationId="{0E121E36-A284-4865-B09D-2CE7B5EBAD35}"/>
+          </ac:spMkLst>
+        </pc:spChg>
+        <pc:spChg chg="add mod">
+          <ac:chgData name="Niels Röschmann" userId="9336b1f5a86c42c7" providerId="LiveId" clId="{077913B1-47B0-48AE-9CF2-44078E5DA37D}" dt="2019-04-28T16:27:40.873" v="822" actId="14100"/>
+          <ac:spMkLst>
+            <pc:docMk/>
+            <pc:sldMk cId="2396574869" sldId="261"/>
+            <ac:spMk id="11" creationId="{0209F996-9901-4872-A66D-8227F0C45EC2}"/>
+          </ac:spMkLst>
+        </pc:spChg>
+        <pc:spChg chg="add del">
+          <ac:chgData name="Niels Röschmann" userId="9336b1f5a86c42c7" providerId="LiveId" clId="{077913B1-47B0-48AE-9CF2-44078E5DA37D}" dt="2019-04-28T16:25:47.473" v="664" actId="478"/>
+          <ac:spMkLst>
+            <pc:docMk/>
+            <pc:sldMk cId="2396574869" sldId="261"/>
+            <ac:spMk id="12" creationId="{E9635325-06D0-421B-B4F2-7B4BFD0A59DB}"/>
+          </ac:spMkLst>
+        </pc:spChg>
+        <pc:spChg chg="add mod">
+          <ac:chgData name="Niels Röschmann" userId="9336b1f5a86c42c7" providerId="LiveId" clId="{077913B1-47B0-48AE-9CF2-44078E5DA37D}" dt="2019-04-28T16:27:43.106" v="823" actId="14100"/>
+          <ac:spMkLst>
+            <pc:docMk/>
+            <pc:sldMk cId="2396574869" sldId="261"/>
+            <ac:spMk id="13" creationId="{BF9C6D10-8339-4ABD-A9A2-7909B0E29557}"/>
+          </ac:spMkLst>
+        </pc:spChg>
+        <pc:spChg chg="add mod">
+          <ac:chgData name="Niels Röschmann" userId="9336b1f5a86c42c7" providerId="LiveId" clId="{077913B1-47B0-48AE-9CF2-44078E5DA37D}" dt="2019-04-28T16:44:01.164" v="1088" actId="20577"/>
+          <ac:spMkLst>
+            <pc:docMk/>
+            <pc:sldMk cId="2396574869" sldId="261"/>
+            <ac:spMk id="25" creationId="{BAD183B1-E15B-411F-9B28-A140008F83B0}"/>
+          </ac:spMkLst>
+        </pc:spChg>
+        <pc:spChg chg="add mod">
+          <ac:chgData name="Niels Röschmann" userId="9336b1f5a86c42c7" providerId="LiveId" clId="{077913B1-47B0-48AE-9CF2-44078E5DA37D}" dt="2019-04-28T16:29:33.542" v="922" actId="20577"/>
+          <ac:spMkLst>
+            <pc:docMk/>
+            <pc:sldMk cId="2396574869" sldId="261"/>
+            <ac:spMk id="30" creationId="{8E98BFBE-1552-4A07-9CBB-484DC321D9FA}"/>
+          </ac:spMkLst>
+        </pc:spChg>
+        <pc:spChg chg="add del">
+          <ac:chgData name="Niels Röschmann" userId="9336b1f5a86c42c7" providerId="LiveId" clId="{077913B1-47B0-48AE-9CF2-44078E5DA37D}" dt="2019-04-28T16:28:26.106" v="880" actId="478"/>
+          <ac:spMkLst>
+            <pc:docMk/>
+            <pc:sldMk cId="2396574869" sldId="261"/>
+            <ac:spMk id="31" creationId="{CA12B80F-E702-4862-B9F8-501ECD8D20BD}"/>
+          </ac:spMkLst>
+        </pc:spChg>
+        <pc:cxnChg chg="add del mod">
+          <ac:chgData name="Niels Röschmann" userId="9336b1f5a86c42c7" providerId="LiveId" clId="{077913B1-47B0-48AE-9CF2-44078E5DA37D}" dt="2019-04-28T16:25:59.391" v="668" actId="478"/>
+          <ac:cxnSpMkLst>
+            <pc:docMk/>
+            <pc:sldMk cId="2396574869" sldId="261"/>
+            <ac:cxnSpMk id="15" creationId="{5E079C01-B83D-4485-94E7-2776931CD4D0}"/>
+          </ac:cxnSpMkLst>
+        </pc:cxnChg>
+        <pc:cxnChg chg="add mod">
+          <ac:chgData name="Niels Röschmann" userId="9336b1f5a86c42c7" providerId="LiveId" clId="{077913B1-47B0-48AE-9CF2-44078E5DA37D}" dt="2019-04-28T16:28:48.688" v="887" actId="14100"/>
+          <ac:cxnSpMkLst>
+            <pc:docMk/>
+            <pc:sldMk cId="2396574869" sldId="261"/>
+            <ac:cxnSpMk id="16" creationId="{2C550244-D83A-49BF-9680-3855E85B4176}"/>
+          </ac:cxnSpMkLst>
+        </pc:cxnChg>
+        <pc:cxnChg chg="add mod">
+          <ac:chgData name="Niels Röschmann" userId="9336b1f5a86c42c7" providerId="LiveId" clId="{077913B1-47B0-48AE-9CF2-44078E5DA37D}" dt="2019-04-28T16:28:48.688" v="887" actId="14100"/>
+          <ac:cxnSpMkLst>
+            <pc:docMk/>
+            <pc:sldMk cId="2396574869" sldId="261"/>
+            <ac:cxnSpMk id="19" creationId="{7748FED6-C547-4803-BE7A-144FA849F255}"/>
+          </ac:cxnSpMkLst>
+        </pc:cxnChg>
+        <pc:cxnChg chg="add mod">
+          <ac:chgData name="Niels Röschmann" userId="9336b1f5a86c42c7" providerId="LiveId" clId="{077913B1-47B0-48AE-9CF2-44078E5DA37D}" dt="2019-04-28T16:28:10.706" v="855" actId="14100"/>
+          <ac:cxnSpMkLst>
+            <pc:docMk/>
+            <pc:sldMk cId="2396574869" sldId="261"/>
+            <ac:cxnSpMk id="22" creationId="{4F3C45E9-ACA8-48BC-83F5-790F12AA4FB8}"/>
+          </ac:cxnSpMkLst>
+        </pc:cxnChg>
+        <pc:cxnChg chg="add mod">
+          <ac:chgData name="Niels Röschmann" userId="9336b1f5a86c42c7" providerId="LiveId" clId="{077913B1-47B0-48AE-9CF2-44078E5DA37D}" dt="2019-04-28T16:28:15.461" v="858" actId="14100"/>
+          <ac:cxnSpMkLst>
+            <pc:docMk/>
+            <pc:sldMk cId="2396574869" sldId="261"/>
+            <ac:cxnSpMk id="27" creationId="{31D62F6F-3109-4CCB-A16A-655A7ED477CD}"/>
+          </ac:cxnSpMkLst>
+        </pc:cxnChg>
+        <pc:cxnChg chg="add del mod">
+          <ac:chgData name="Niels Röschmann" userId="9336b1f5a86c42c7" providerId="LiveId" clId="{077913B1-47B0-48AE-9CF2-44078E5DA37D}" dt="2019-04-28T16:28:35.743" v="884" actId="478"/>
+          <ac:cxnSpMkLst>
+            <pc:docMk/>
+            <pc:sldMk cId="2396574869" sldId="261"/>
+            <ac:cxnSpMk id="32" creationId="{716AC290-C85E-46B2-A5A3-1F4CC1F71E41}"/>
+          </ac:cxnSpMkLst>
+        </pc:cxnChg>
+        <pc:cxnChg chg="add mod">
+          <ac:chgData name="Niels Röschmann" userId="9336b1f5a86c42c7" providerId="LiveId" clId="{077913B1-47B0-48AE-9CF2-44078E5DA37D}" dt="2019-04-28T16:28:43.719" v="886" actId="108"/>
+          <ac:cxnSpMkLst>
+            <pc:docMk/>
+            <pc:sldMk cId="2396574869" sldId="261"/>
+            <ac:cxnSpMk id="36" creationId="{C6271A4A-80D5-4F33-84A3-2919D260BF09}"/>
+          </ac:cxnSpMkLst>
+        </pc:cxnChg>
+      </pc:sldChg>
+      <pc:sldChg chg="addSp delSp modSp">
+        <pc:chgData name="Niels Röschmann" userId="9336b1f5a86c42c7" providerId="LiveId" clId="{077913B1-47B0-48AE-9CF2-44078E5DA37D}" dt="2019-04-28T16:38:33.858" v="1074" actId="20577"/>
+        <pc:sldMkLst>
+          <pc:docMk/>
+          <pc:sldMk cId="1772128561" sldId="262"/>
+        </pc:sldMkLst>
+        <pc:spChg chg="del">
+          <ac:chgData name="Niels Röschmann" userId="9336b1f5a86c42c7" providerId="LiveId" clId="{077913B1-47B0-48AE-9CF2-44078E5DA37D}" dt="2019-04-28T16:14:22.112" v="329" actId="478"/>
+          <ac:spMkLst>
+            <pc:docMk/>
+            <pc:sldMk cId="1772128561" sldId="262"/>
+            <ac:spMk id="7" creationId="{D092ED50-6D1C-4339-9E68-F083B571E1B9}"/>
+          </ac:spMkLst>
+        </pc:spChg>
+        <pc:spChg chg="add mod topLvl">
+          <ac:chgData name="Niels Röschmann" userId="9336b1f5a86c42c7" providerId="LiveId" clId="{077913B1-47B0-48AE-9CF2-44078E5DA37D}" dt="2019-04-28T16:16:51.259" v="367" actId="207"/>
+          <ac:spMkLst>
+            <pc:docMk/>
+            <pc:sldMk cId="1772128561" sldId="262"/>
+            <ac:spMk id="8" creationId="{A198E91C-C181-4A8E-B976-416688292AAC}"/>
+          </ac:spMkLst>
+        </pc:spChg>
+        <pc:spChg chg="add mod ord">
+          <ac:chgData name="Niels Röschmann" userId="9336b1f5a86c42c7" providerId="LiveId" clId="{077913B1-47B0-48AE-9CF2-44078E5DA37D}" dt="2019-04-28T16:16:38.172" v="364" actId="164"/>
+          <ac:spMkLst>
+            <pc:docMk/>
+            <pc:sldMk cId="1772128561" sldId="262"/>
+            <ac:spMk id="9" creationId="{27D84A86-E108-4E88-A1A6-5BBB634B466D}"/>
+          </ac:spMkLst>
+        </pc:spChg>
+        <pc:spChg chg="add mod topLvl">
+          <ac:chgData name="Niels Röschmann" userId="9336b1f5a86c42c7" providerId="LiveId" clId="{077913B1-47B0-48AE-9CF2-44078E5DA37D}" dt="2019-04-28T16:16:38.172" v="364" actId="164"/>
+          <ac:spMkLst>
+            <pc:docMk/>
+            <pc:sldMk cId="1772128561" sldId="262"/>
+            <ac:spMk id="10" creationId="{49A03904-2D20-4A2C-918F-54DEF1F2C7B5}"/>
+          </ac:spMkLst>
+        </pc:spChg>
+        <pc:spChg chg="mod">
+          <ac:chgData name="Niels Röschmann" userId="9336b1f5a86c42c7" providerId="LiveId" clId="{077913B1-47B0-48AE-9CF2-44078E5DA37D}" dt="2019-04-28T16:18:23.409" v="432" actId="207"/>
+          <ac:spMkLst>
+            <pc:docMk/>
+            <pc:sldMk cId="1772128561" sldId="262"/>
+            <ac:spMk id="22" creationId="{9B2243E7-85F6-4FBB-89A0-669D5887E4A9}"/>
+          </ac:spMkLst>
+        </pc:spChg>
+        <pc:spChg chg="add mod">
+          <ac:chgData name="Niels Röschmann" userId="9336b1f5a86c42c7" providerId="LiveId" clId="{077913B1-47B0-48AE-9CF2-44078E5DA37D}" dt="2019-04-28T16:18:26.632" v="438" actId="20577"/>
+          <ac:spMkLst>
+            <pc:docMk/>
+            <pc:sldMk cId="1772128561" sldId="262"/>
+            <ac:spMk id="25" creationId="{A3A89A8F-592C-4B4A-96B4-B81BD3A411AD}"/>
+          </ac:spMkLst>
+        </pc:spChg>
+        <pc:spChg chg="mod">
+          <ac:chgData name="Niels Röschmann" userId="9336b1f5a86c42c7" providerId="LiveId" clId="{077913B1-47B0-48AE-9CF2-44078E5DA37D}" dt="2019-04-28T16:18:15.077" v="427" actId="1076"/>
+          <ac:spMkLst>
+            <pc:docMk/>
+            <pc:sldMk cId="1772128561" sldId="262"/>
+            <ac:spMk id="31" creationId="{B7B14240-93C6-45E8-90F9-3D0E8729932B}"/>
+          </ac:spMkLst>
+        </pc:spChg>
+        <pc:spChg chg="mod">
+          <ac:chgData name="Niels Röschmann" userId="9336b1f5a86c42c7" providerId="LiveId" clId="{077913B1-47B0-48AE-9CF2-44078E5DA37D}" dt="2019-04-28T16:18:01.391" v="415" actId="207"/>
+          <ac:spMkLst>
+            <pc:docMk/>
+            <pc:sldMk cId="1772128561" sldId="262"/>
+            <ac:spMk id="32" creationId="{92406A82-271A-4CBB-A7C5-30F438CE7B22}"/>
+          </ac:spMkLst>
+        </pc:spChg>
+        <pc:spChg chg="add mod">
+          <ac:chgData name="Niels Röschmann" userId="9336b1f5a86c42c7" providerId="LiveId" clId="{077913B1-47B0-48AE-9CF2-44078E5DA37D}" dt="2019-04-28T16:22:29.741" v="489" actId="164"/>
+          <ac:spMkLst>
+            <pc:docMk/>
+            <pc:sldMk cId="1772128561" sldId="262"/>
+            <ac:spMk id="41" creationId="{28BC826F-E862-4625-91DB-3DE7458A75D8}"/>
+          </ac:spMkLst>
+        </pc:spChg>
+        <pc:spChg chg="add mod">
+          <ac:chgData name="Niels Röschmann" userId="9336b1f5a86c42c7" providerId="LiveId" clId="{077913B1-47B0-48AE-9CF2-44078E5DA37D}" dt="2019-04-28T16:38:31.308" v="1072" actId="20577"/>
+          <ac:spMkLst>
+            <pc:docMk/>
+            <pc:sldMk cId="1772128561" sldId="262"/>
+            <ac:spMk id="42" creationId="{B53D7637-CE29-44E0-8DCB-0DCA2D3C2C0F}"/>
+          </ac:spMkLst>
+        </pc:spChg>
+        <pc:spChg chg="add mod">
+          <ac:chgData name="Niels Röschmann" userId="9336b1f5a86c42c7" providerId="LiveId" clId="{077913B1-47B0-48AE-9CF2-44078E5DA37D}" dt="2019-04-28T16:22:29.741" v="489" actId="164"/>
+          <ac:spMkLst>
+            <pc:docMk/>
+            <pc:sldMk cId="1772128561" sldId="262"/>
+            <ac:spMk id="43" creationId="{CC8550F2-B626-438D-BA04-D23FDDFEFAB9}"/>
+          </ac:spMkLst>
+        </pc:spChg>
+        <pc:spChg chg="add mod">
+          <ac:chgData name="Niels Röschmann" userId="9336b1f5a86c42c7" providerId="LiveId" clId="{077913B1-47B0-48AE-9CF2-44078E5DA37D}" dt="2019-04-28T16:23:16.537" v="517" actId="20577"/>
+          <ac:spMkLst>
+            <pc:docMk/>
+            <pc:sldMk cId="1772128561" sldId="262"/>
+            <ac:spMk id="47" creationId="{7800083A-B111-403F-A3A2-AE987A0BBB15}"/>
+          </ac:spMkLst>
+        </pc:spChg>
+        <pc:spChg chg="add mod">
+          <ac:chgData name="Niels Röschmann" userId="9336b1f5a86c42c7" providerId="LiveId" clId="{077913B1-47B0-48AE-9CF2-44078E5DA37D}" dt="2019-04-28T16:23:43.443" v="575" actId="164"/>
+          <ac:spMkLst>
+            <pc:docMk/>
+            <pc:sldMk cId="1772128561" sldId="262"/>
+            <ac:spMk id="48" creationId="{5D1232F0-E3F5-47A1-AF13-6DE73C220213}"/>
+          </ac:spMkLst>
+        </pc:spChg>
+        <pc:spChg chg="add mod">
+          <ac:chgData name="Niels Röschmann" userId="9336b1f5a86c42c7" providerId="LiveId" clId="{077913B1-47B0-48AE-9CF2-44078E5DA37D}" dt="2019-04-28T16:38:33.858" v="1074" actId="20577"/>
+          <ac:spMkLst>
+            <pc:docMk/>
+            <pc:sldMk cId="1772128561" sldId="262"/>
+            <ac:spMk id="50" creationId="{DC46BCED-6991-46B3-8353-67A072BB1ECD}"/>
+          </ac:spMkLst>
+        </pc:spChg>
+        <pc:grpChg chg="add del mod">
+          <ac:chgData name="Niels Röschmann" userId="9336b1f5a86c42c7" providerId="LiveId" clId="{077913B1-47B0-48AE-9CF2-44078E5DA37D}" dt="2019-04-28T16:16:20.590" v="360" actId="165"/>
+          <ac:grpSpMkLst>
+            <pc:docMk/>
+            <pc:sldMk cId="1772128561" sldId="262"/>
+            <ac:grpSpMk id="11" creationId="{44EADD0F-22E8-46F8-AC23-E3C1303BBF8D}"/>
+          </ac:grpSpMkLst>
+        </pc:grpChg>
+        <pc:grpChg chg="add mod">
+          <ac:chgData name="Niels Röschmann" userId="9336b1f5a86c42c7" providerId="LiveId" clId="{077913B1-47B0-48AE-9CF2-44078E5DA37D}" dt="2019-04-28T16:17:33.193" v="409" actId="164"/>
+          <ac:grpSpMkLst>
+            <pc:docMk/>
+            <pc:sldMk cId="1772128561" sldId="262"/>
+            <ac:grpSpMk id="12" creationId="{B20E27EE-B597-4C38-AE1D-340A193B71FF}"/>
+          </ac:grpSpMkLst>
+        </pc:grpChg>
+        <pc:grpChg chg="add del mod">
+          <ac:chgData name="Niels Röschmann" userId="9336b1f5a86c42c7" providerId="LiveId" clId="{077913B1-47B0-48AE-9CF2-44078E5DA37D}" dt="2019-04-28T16:17:09.630" v="372" actId="478"/>
+          <ac:grpSpMkLst>
+            <pc:docMk/>
+            <pc:sldMk cId="1772128561" sldId="262"/>
+            <ac:grpSpMk id="13" creationId="{D406CB21-073D-47BE-8B61-B3956DB292B9}"/>
+          </ac:grpSpMkLst>
+        </pc:grpChg>
+        <pc:grpChg chg="add mod">
+          <ac:chgData name="Niels Röschmann" userId="9336b1f5a86c42c7" providerId="LiveId" clId="{077913B1-47B0-48AE-9CF2-44078E5DA37D}" dt="2019-04-28T16:17:33.193" v="409" actId="164"/>
+          <ac:grpSpMkLst>
+            <pc:docMk/>
+            <pc:sldMk cId="1772128561" sldId="262"/>
+            <ac:grpSpMk id="17" creationId="{435572E2-DECF-4B6B-A20D-30457E6E9493}"/>
+          </ac:grpSpMkLst>
+        </pc:grpChg>
+        <pc:grpChg chg="add mod">
+          <ac:chgData name="Niels Röschmann" userId="9336b1f5a86c42c7" providerId="LiveId" clId="{077913B1-47B0-48AE-9CF2-44078E5DA37D}" dt="2019-04-28T16:17:33.193" v="409" actId="164"/>
+          <ac:grpSpMkLst>
+            <pc:docMk/>
+            <pc:sldMk cId="1772128561" sldId="262"/>
+            <ac:grpSpMk id="21" creationId="{90933567-AB62-4A48-91AD-357572A9E97E}"/>
+          </ac:grpSpMkLst>
+        </pc:grpChg>
+        <pc:grpChg chg="add mod">
+          <ac:chgData name="Niels Röschmann" userId="9336b1f5a86c42c7" providerId="LiveId" clId="{077913B1-47B0-48AE-9CF2-44078E5DA37D}" dt="2019-04-28T16:17:33.193" v="409" actId="164"/>
+          <ac:grpSpMkLst>
+            <pc:docMk/>
+            <pc:sldMk cId="1772128561" sldId="262"/>
+            <ac:grpSpMk id="26" creationId="{73FDE8D0-AE93-4B34-9D10-33D5E4CD8EB4}"/>
+          </ac:grpSpMkLst>
+        </pc:grpChg>
+        <pc:grpChg chg="add mod">
+          <ac:chgData name="Niels Röschmann" userId="9336b1f5a86c42c7" providerId="LiveId" clId="{077913B1-47B0-48AE-9CF2-44078E5DA37D}" dt="2019-04-28T16:17:54.121" v="411" actId="1076"/>
+          <ac:grpSpMkLst>
+            <pc:docMk/>
+            <pc:sldMk cId="1772128561" sldId="262"/>
+            <ac:grpSpMk id="27" creationId="{41AB4DCA-C7B7-461E-A160-1E5BCBCD0862}"/>
+          </ac:grpSpMkLst>
+        </pc:grpChg>
+        <pc:grpChg chg="mod">
+          <ac:chgData name="Niels Röschmann" userId="9336b1f5a86c42c7" providerId="LiveId" clId="{077913B1-47B0-48AE-9CF2-44078E5DA37D}" dt="2019-04-28T16:17:50.965" v="410"/>
+          <ac:grpSpMkLst>
+            <pc:docMk/>
+            <pc:sldMk cId="1772128561" sldId="262"/>
+            <ac:grpSpMk id="28" creationId="{1D028A9D-2E00-4431-9811-089A81C30F82}"/>
+          </ac:grpSpMkLst>
+        </pc:grpChg>
+        <pc:grpChg chg="mod">
+          <ac:chgData name="Niels Röschmann" userId="9336b1f5a86c42c7" providerId="LiveId" clId="{077913B1-47B0-48AE-9CF2-44078E5DA37D}" dt="2019-04-28T16:17:50.965" v="410"/>
+          <ac:grpSpMkLst>
+            <pc:docMk/>
+            <pc:sldMk cId="1772128561" sldId="262"/>
+            <ac:grpSpMk id="29" creationId="{D2EE12ED-2271-4592-BF48-2E95368C58A8}"/>
+          </ac:grpSpMkLst>
+        </pc:grpChg>
+        <pc:grpChg chg="mod">
+          <ac:chgData name="Niels Röschmann" userId="9336b1f5a86c42c7" providerId="LiveId" clId="{077913B1-47B0-48AE-9CF2-44078E5DA37D}" dt="2019-04-28T16:17:50.965" v="410"/>
+          <ac:grpSpMkLst>
+            <pc:docMk/>
+            <pc:sldMk cId="1772128561" sldId="262"/>
+            <ac:grpSpMk id="30" creationId="{A4C2BBA9-34F4-410A-95D2-D1DBDBAC75C3}"/>
+          </ac:grpSpMkLst>
+        </pc:grpChg>
+        <pc:grpChg chg="add mod">
+          <ac:chgData name="Niels Röschmann" userId="9336b1f5a86c42c7" providerId="LiveId" clId="{077913B1-47B0-48AE-9CF2-44078E5DA37D}" dt="2019-04-28T16:23:43.443" v="575" actId="164"/>
+          <ac:grpSpMkLst>
+            <pc:docMk/>
+            <pc:sldMk cId="1772128561" sldId="262"/>
+            <ac:grpSpMk id="44" creationId="{1D7FC130-697B-4626-AA0A-A117492850AF}"/>
+          </ac:grpSpMkLst>
+        </pc:grpChg>
+        <pc:grpChg chg="add mod">
+          <ac:chgData name="Niels Röschmann" userId="9336b1f5a86c42c7" providerId="LiveId" clId="{077913B1-47B0-48AE-9CF2-44078E5DA37D}" dt="2019-04-28T16:30:54.761" v="935" actId="164"/>
+          <ac:grpSpMkLst>
+            <pc:docMk/>
+            <pc:sldMk cId="1772128561" sldId="262"/>
+            <ac:grpSpMk id="45" creationId="{EE0C0F2D-FC40-4D42-AAA1-A10D3A0A1A5C}"/>
+          </ac:grpSpMkLst>
+        </pc:grpChg>
+        <pc:grpChg chg="add mod">
+          <ac:chgData name="Niels Röschmann" userId="9336b1f5a86c42c7" providerId="LiveId" clId="{077913B1-47B0-48AE-9CF2-44078E5DA37D}" dt="2019-04-28T16:30:54.761" v="935" actId="164"/>
+          <ac:grpSpMkLst>
+            <pc:docMk/>
+            <pc:sldMk cId="1772128561" sldId="262"/>
+            <ac:grpSpMk id="46" creationId="{6E96C2F5-6871-4110-B082-B88E2C80DBE4}"/>
+          </ac:grpSpMkLst>
+        </pc:grpChg>
+        <pc:picChg chg="add mod">
+          <ac:chgData name="Niels Röschmann" userId="9336b1f5a86c42c7" providerId="LiveId" clId="{077913B1-47B0-48AE-9CF2-44078E5DA37D}" dt="2019-04-28T16:22:56.212" v="499" actId="1076"/>
+          <ac:picMkLst>
+            <pc:docMk/>
+            <pc:sldMk cId="1772128561" sldId="262"/>
+            <ac:picMk id="5122" creationId="{B0B5E07F-CA1E-40B6-B85D-0B765AD343AB}"/>
+          </ac:picMkLst>
+        </pc:picChg>
+        <pc:picChg chg="add mod">
+          <ac:chgData name="Niels Röschmann" userId="9336b1f5a86c42c7" providerId="LiveId" clId="{077913B1-47B0-48AE-9CF2-44078E5DA37D}" dt="2019-04-28T16:22:40.701" v="490" actId="732"/>
+          <ac:picMkLst>
+            <pc:docMk/>
+            <pc:sldMk cId="1772128561" sldId="262"/>
+            <ac:picMk id="5124" creationId="{3D142969-8FB1-4214-96E4-820647B44B4B}"/>
+          </ac:picMkLst>
+        </pc:picChg>
+      </pc:sldChg>
+      <pc:sldChg chg="addSp delSp modSp modAnim">
+        <pc:chgData name="Niels Röschmann" userId="9336b1f5a86c42c7" providerId="LiveId" clId="{077913B1-47B0-48AE-9CF2-44078E5DA37D}" dt="2019-04-28T16:38:23.283" v="1070" actId="20577"/>
+        <pc:sldMkLst>
+          <pc:docMk/>
+          <pc:sldMk cId="2882077881" sldId="263"/>
+        </pc:sldMkLst>
+        <pc:spChg chg="del">
+          <ac:chgData name="Niels Röschmann" userId="9336b1f5a86c42c7" providerId="LiveId" clId="{077913B1-47B0-48AE-9CF2-44078E5DA37D}" dt="2019-04-28T16:03:50.940" v="184" actId="478"/>
+          <ac:spMkLst>
+            <pc:docMk/>
+            <pc:sldMk cId="2882077881" sldId="263"/>
+            <ac:spMk id="7" creationId="{D092ED50-6D1C-4339-9E68-F083B571E1B9}"/>
+          </ac:spMkLst>
+        </pc:spChg>
+        <pc:spChg chg="add mod">
+          <ac:chgData name="Niels Röschmann" userId="9336b1f5a86c42c7" providerId="LiveId" clId="{077913B1-47B0-48AE-9CF2-44078E5DA37D}" dt="2019-04-28T16:38:21.094" v="1068" actId="20577"/>
+          <ac:spMkLst>
+            <pc:docMk/>
+            <pc:sldMk cId="2882077881" sldId="263"/>
+            <ac:spMk id="8" creationId="{8AD9A44A-A3FA-4D7D-93F2-62E4EFF3FC48}"/>
+          </ac:spMkLst>
+        </pc:spChg>
+        <pc:spChg chg="add mod">
+          <ac:chgData name="Niels Röschmann" userId="9336b1f5a86c42c7" providerId="LiveId" clId="{077913B1-47B0-48AE-9CF2-44078E5DA37D}" dt="2019-04-28T16:11:38.380" v="297" actId="164"/>
+          <ac:spMkLst>
+            <pc:docMk/>
+            <pc:sldMk cId="2882077881" sldId="263"/>
+            <ac:spMk id="12" creationId="{05EAF8DD-B55C-4F8C-9192-4A3DD2169906}"/>
+          </ac:spMkLst>
+        </pc:spChg>
+        <pc:spChg chg="add mod">
+          <ac:chgData name="Niels Röschmann" userId="9336b1f5a86c42c7" providerId="LiveId" clId="{077913B1-47B0-48AE-9CF2-44078E5DA37D}" dt="2019-04-28T16:38:23.283" v="1070" actId="20577"/>
+          <ac:spMkLst>
+            <pc:docMk/>
+            <pc:sldMk cId="2882077881" sldId="263"/>
+            <ac:spMk id="13" creationId="{593CB196-92CF-49DB-8337-C5375FDFB2B0}"/>
+          </ac:spMkLst>
+        </pc:spChg>
+        <pc:spChg chg="add mod">
+          <ac:chgData name="Niels Röschmann" userId="9336b1f5a86c42c7" providerId="LiveId" clId="{077913B1-47B0-48AE-9CF2-44078E5DA37D}" dt="2019-04-28T16:12:07.211" v="308" actId="1076"/>
+          <ac:spMkLst>
+            <pc:docMk/>
+            <pc:sldMk cId="2882077881" sldId="263"/>
+            <ac:spMk id="17" creationId="{55ADE5B4-D282-4199-94ED-32595CF69792}"/>
+          </ac:spMkLst>
+        </pc:spChg>
+        <pc:spChg chg="add mod">
+          <ac:chgData name="Niels Röschmann" userId="9336b1f5a86c42c7" providerId="LiveId" clId="{077913B1-47B0-48AE-9CF2-44078E5DA37D}" dt="2019-04-28T16:08:41.084" v="258" actId="164"/>
+          <ac:spMkLst>
+            <pc:docMk/>
+            <pc:sldMk cId="2882077881" sldId="263"/>
+            <ac:spMk id="18" creationId="{5A54987A-7111-4256-8F98-ABC7849288DC}"/>
+          </ac:spMkLst>
+        </pc:spChg>
+        <pc:spChg chg="add mod">
+          <ac:chgData name="Niels Röschmann" userId="9336b1f5a86c42c7" providerId="LiveId" clId="{077913B1-47B0-48AE-9CF2-44078E5DA37D}" dt="2019-04-28T16:12:31.208" v="318" actId="164"/>
+          <ac:spMkLst>
+            <pc:docMk/>
+            <pc:sldMk cId="2882077881" sldId="263"/>
+            <ac:spMk id="21" creationId="{8FAFF25C-8856-4DF4-B73E-5D99DB263ADB}"/>
+          </ac:spMkLst>
+        </pc:spChg>
+        <pc:grpChg chg="add mod">
+          <ac:chgData name="Niels Röschmann" userId="9336b1f5a86c42c7" providerId="LiveId" clId="{077913B1-47B0-48AE-9CF2-44078E5DA37D}" dt="2019-04-28T16:04:58.552" v="196" actId="1076"/>
+          <ac:grpSpMkLst>
+            <pc:docMk/>
+            <pc:sldMk cId="2882077881" sldId="263"/>
+            <ac:grpSpMk id="9" creationId="{144611E9-1D0B-4F7F-9AF6-9DBB59507C2C}"/>
+          </ac:grpSpMkLst>
+        </pc:grpChg>
+        <pc:grpChg chg="add mod">
+          <ac:chgData name="Niels Röschmann" userId="9336b1f5a86c42c7" providerId="LiveId" clId="{077913B1-47B0-48AE-9CF2-44078E5DA37D}" dt="2019-04-28T16:12:41.875" v="323" actId="1076"/>
+          <ac:grpSpMkLst>
+            <pc:docMk/>
+            <pc:sldMk cId="2882077881" sldId="263"/>
+            <ac:grpSpMk id="10" creationId="{D0C98EE8-8821-4B0B-89FF-0200B5BA6B1E}"/>
+          </ac:grpSpMkLst>
+        </pc:grpChg>
+        <pc:grpChg chg="add mod">
+          <ac:chgData name="Niels Röschmann" userId="9336b1f5a86c42c7" providerId="LiveId" clId="{077913B1-47B0-48AE-9CF2-44078E5DA37D}" dt="2019-04-28T16:12:11.382" v="309" actId="1076"/>
+          <ac:grpSpMkLst>
+            <pc:docMk/>
+            <pc:sldMk cId="2882077881" sldId="263"/>
+            <ac:grpSpMk id="11" creationId="{4C0E37F4-9DE5-497C-AFCA-1B01055358C5}"/>
+          </ac:grpSpMkLst>
+        </pc:grpChg>
+        <pc:grpChg chg="add mod">
+          <ac:chgData name="Niels Röschmann" userId="9336b1f5a86c42c7" providerId="LiveId" clId="{077913B1-47B0-48AE-9CF2-44078E5DA37D}" dt="2019-04-28T16:12:40.900" v="322" actId="1076"/>
+          <ac:grpSpMkLst>
+            <pc:docMk/>
+            <pc:sldMk cId="2882077881" sldId="263"/>
+            <ac:grpSpMk id="14" creationId="{E193643A-F7EC-4326-8AB2-861F4A109870}"/>
+          </ac:grpSpMkLst>
+        </pc:grpChg>
+        <pc:grpChg chg="add mod">
+          <ac:chgData name="Niels Röschmann" userId="9336b1f5a86c42c7" providerId="LiveId" clId="{077913B1-47B0-48AE-9CF2-44078E5DA37D}" dt="2019-04-28T16:12:37.647" v="320" actId="1076"/>
+          <ac:grpSpMkLst>
+            <pc:docMk/>
+            <pc:sldMk cId="2882077881" sldId="263"/>
+            <ac:grpSpMk id="15" creationId="{919331D5-0064-4E81-9905-403C17665F19}"/>
+          </ac:grpSpMkLst>
+        </pc:grpChg>
+        <pc:picChg chg="add mod">
+          <ac:chgData name="Niels Röschmann" userId="9336b1f5a86c42c7" providerId="LiveId" clId="{077913B1-47B0-48AE-9CF2-44078E5DA37D}" dt="2019-04-28T16:12:33.950" v="319" actId="14100"/>
+          <ac:picMkLst>
+            <pc:docMk/>
+            <pc:sldMk cId="2882077881" sldId="263"/>
+            <ac:picMk id="20" creationId="{7762C1F7-0E04-49BB-A22A-C4E7DA9C540E}"/>
+          </ac:picMkLst>
+        </pc:picChg>
+        <pc:picChg chg="add mod">
+          <ac:chgData name="Niels Röschmann" userId="9336b1f5a86c42c7" providerId="LiveId" clId="{077913B1-47B0-48AE-9CF2-44078E5DA37D}" dt="2019-04-28T16:04:56.102" v="194" actId="164"/>
+          <ac:picMkLst>
+            <pc:docMk/>
+            <pc:sldMk cId="2882077881" sldId="263"/>
+            <ac:picMk id="4098" creationId="{B4BF4B27-27D8-4975-A0DB-FF976CB13BA8}"/>
+          </ac:picMkLst>
+        </pc:picChg>
+        <pc:picChg chg="add mod">
+          <ac:chgData name="Niels Röschmann" userId="9336b1f5a86c42c7" providerId="LiveId" clId="{077913B1-47B0-48AE-9CF2-44078E5DA37D}" dt="2019-04-28T16:12:18.031" v="313" actId="1076"/>
+          <ac:picMkLst>
+            <pc:docMk/>
+            <pc:sldMk cId="2882077881" sldId="263"/>
+            <ac:picMk id="4100" creationId="{FAEC78D5-E21C-4D3A-A794-C05A97D668F9}"/>
+          </ac:picMkLst>
+        </pc:picChg>
+        <pc:picChg chg="add mod">
+          <ac:chgData name="Niels Röschmann" userId="9336b1f5a86c42c7" providerId="LiveId" clId="{077913B1-47B0-48AE-9CF2-44078E5DA37D}" dt="2019-04-28T16:12:01.955" v="307" actId="1076"/>
+          <ac:picMkLst>
+            <pc:docMk/>
+            <pc:sldMk cId="2882077881" sldId="263"/>
+            <ac:picMk id="4102" creationId="{53FD8F4C-E8E5-417E-A24E-0457951C0BE6}"/>
+          </ac:picMkLst>
+        </pc:picChg>
+        <pc:picChg chg="add mod">
+          <ac:chgData name="Niels Röschmann" userId="9336b1f5a86c42c7" providerId="LiveId" clId="{077913B1-47B0-48AE-9CF2-44078E5DA37D}" dt="2019-04-28T16:11:56.248" v="304" actId="14100"/>
+          <ac:picMkLst>
+            <pc:docMk/>
+            <pc:sldMk cId="2882077881" sldId="263"/>
+            <ac:picMk id="4104" creationId="{F270D58D-AE5D-407D-87F4-D72BC1A91AA9}"/>
+          </ac:picMkLst>
+        </pc:picChg>
+        <pc:picChg chg="add mod">
+          <ac:chgData name="Niels Röschmann" userId="9336b1f5a86c42c7" providerId="LiveId" clId="{077913B1-47B0-48AE-9CF2-44078E5DA37D}" dt="2019-04-28T16:11:51.551" v="303" actId="14100"/>
+          <ac:picMkLst>
+            <pc:docMk/>
+            <pc:sldMk cId="2882077881" sldId="263"/>
+            <ac:picMk id="4106" creationId="{455092C7-D6E9-45AF-881F-B3CB4FC5B89F}"/>
+          </ac:picMkLst>
+        </pc:picChg>
+      </pc:sldChg>
+      <pc:sldChg chg="addSp delSp modSp modAnim">
+        <pc:chgData name="Niels Röschmann" userId="9336b1f5a86c42c7" providerId="LiveId" clId="{077913B1-47B0-48AE-9CF2-44078E5DA37D}" dt="2019-04-28T16:01:56.254" v="179"/>
+        <pc:sldMkLst>
+          <pc:docMk/>
+          <pc:sldMk cId="3687829793" sldId="264"/>
+        </pc:sldMkLst>
+        <pc:spChg chg="del">
+          <ac:chgData name="Niels Röschmann" userId="9336b1f5a86c42c7" providerId="LiveId" clId="{077913B1-47B0-48AE-9CF2-44078E5DA37D}" dt="2019-04-28T15:55:23.855" v="0" actId="478"/>
+          <ac:spMkLst>
+            <pc:docMk/>
+            <pc:sldMk cId="3687829793" sldId="264"/>
+            <ac:spMk id="7" creationId="{53DA34F1-778D-4844-8F5B-422A8F85EA3D}"/>
+          </ac:spMkLst>
+        </pc:spChg>
+        <pc:spChg chg="add mod topLvl">
+          <ac:chgData name="Niels Röschmann" userId="9336b1f5a86c42c7" providerId="LiveId" clId="{077913B1-47B0-48AE-9CF2-44078E5DA37D}" dt="2019-04-28T16:01:05.244" v="166" actId="165"/>
+          <ac:spMkLst>
+            <pc:docMk/>
+            <pc:sldMk cId="3687829793" sldId="264"/>
+            <ac:spMk id="8" creationId="{D2855677-87BA-45C3-BA41-A1E8AB327D7F}"/>
+          </ac:spMkLst>
+        </pc:spChg>
+        <pc:spChg chg="add mod topLvl">
+          <ac:chgData name="Niels Röschmann" userId="9336b1f5a86c42c7" providerId="LiveId" clId="{077913B1-47B0-48AE-9CF2-44078E5DA37D}" dt="2019-04-28T16:01:05.244" v="166" actId="165"/>
+          <ac:spMkLst>
+            <pc:docMk/>
+            <pc:sldMk cId="3687829793" sldId="264"/>
+            <ac:spMk id="9" creationId="{AEEDC52B-E783-4034-B405-8C86B3A899D2}"/>
+          </ac:spMkLst>
+        </pc:spChg>
+        <pc:spChg chg="add mod topLvl">
+          <ac:chgData name="Niels Röschmann" userId="9336b1f5a86c42c7" providerId="LiveId" clId="{077913B1-47B0-48AE-9CF2-44078E5DA37D}" dt="2019-04-28T16:01:05.244" v="166" actId="165"/>
+          <ac:spMkLst>
+            <pc:docMk/>
+            <pc:sldMk cId="3687829793" sldId="264"/>
+            <ac:spMk id="10" creationId="{2DAEFB78-FB81-4A7B-879B-3DC78A5B2065}"/>
+          </ac:spMkLst>
+        </pc:spChg>
+        <pc:spChg chg="add mod topLvl">
+          <ac:chgData name="Niels Röschmann" userId="9336b1f5a86c42c7" providerId="LiveId" clId="{077913B1-47B0-48AE-9CF2-44078E5DA37D}" dt="2019-04-28T16:01:05.244" v="166" actId="165"/>
+          <ac:spMkLst>
+            <pc:docMk/>
+            <pc:sldMk cId="3687829793" sldId="264"/>
+            <ac:spMk id="11" creationId="{D2F2258F-DFEB-4776-8AE1-D52FE00519AC}"/>
+          </ac:spMkLst>
+        </pc:spChg>
+        <pc:spChg chg="add mod topLvl">
+          <ac:chgData name="Niels Röschmann" userId="9336b1f5a86c42c7" providerId="LiveId" clId="{077913B1-47B0-48AE-9CF2-44078E5DA37D}" dt="2019-04-28T16:01:05.244" v="166" actId="165"/>
+          <ac:spMkLst>
+            <pc:docMk/>
+            <pc:sldMk cId="3687829793" sldId="264"/>
+            <ac:spMk id="12" creationId="{B46534E6-B7FA-4935-B948-C534FFCAA497}"/>
+          </ac:spMkLst>
+        </pc:spChg>
+        <pc:grpChg chg="add del mod">
+          <ac:chgData name="Niels Röschmann" userId="9336b1f5a86c42c7" providerId="LiveId" clId="{077913B1-47B0-48AE-9CF2-44078E5DA37D}" dt="2019-04-28T16:01:05.244" v="166" actId="165"/>
+          <ac:grpSpMkLst>
+            <pc:docMk/>
+            <pc:sldMk cId="3687829793" sldId="264"/>
+            <ac:grpSpMk id="37" creationId="{55AA6580-0FEE-4E2C-A98E-508945454A9D}"/>
+          </ac:grpSpMkLst>
+        </pc:grpChg>
+        <pc:cxnChg chg="add mod topLvl">
+          <ac:chgData name="Niels Röschmann" userId="9336b1f5a86c42c7" providerId="LiveId" clId="{077913B1-47B0-48AE-9CF2-44078E5DA37D}" dt="2019-04-28T16:01:05.244" v="166" actId="165"/>
+          <ac:cxnSpMkLst>
+            <pc:docMk/>
+            <pc:sldMk cId="3687829793" sldId="264"/>
+            <ac:cxnSpMk id="14" creationId="{588C2ED6-F513-4C34-BCFA-39EE89112E80}"/>
+          </ac:cxnSpMkLst>
+        </pc:cxnChg>
+        <pc:cxnChg chg="add mod topLvl">
+          <ac:chgData name="Niels Röschmann" userId="9336b1f5a86c42c7" providerId="LiveId" clId="{077913B1-47B0-48AE-9CF2-44078E5DA37D}" dt="2019-04-28T16:01:05.244" v="166" actId="165"/>
+          <ac:cxnSpMkLst>
+            <pc:docMk/>
+            <pc:sldMk cId="3687829793" sldId="264"/>
+            <ac:cxnSpMk id="15" creationId="{CE9949C5-0723-4060-A602-E785B681A299}"/>
+          </ac:cxnSpMkLst>
+        </pc:cxnChg>
+        <pc:cxnChg chg="add mod topLvl">
+          <ac:chgData name="Niels Röschmann" userId="9336b1f5a86c42c7" providerId="LiveId" clId="{077913B1-47B0-48AE-9CF2-44078E5DA37D}" dt="2019-04-28T16:01:05.244" v="166" actId="165"/>
+          <ac:cxnSpMkLst>
+            <pc:docMk/>
+            <pc:sldMk cId="3687829793" sldId="264"/>
+            <ac:cxnSpMk id="18" creationId="{812C65D5-8023-404F-9590-CDF2AE686AD1}"/>
+          </ac:cxnSpMkLst>
+        </pc:cxnChg>
+        <pc:cxnChg chg="add mod topLvl">
+          <ac:chgData name="Niels Röschmann" userId="9336b1f5a86c42c7" providerId="LiveId" clId="{077913B1-47B0-48AE-9CF2-44078E5DA37D}" dt="2019-04-28T16:01:05.244" v="166" actId="165"/>
+          <ac:cxnSpMkLst>
+            <pc:docMk/>
+            <pc:sldMk cId="3687829793" sldId="264"/>
+            <ac:cxnSpMk id="21" creationId="{A5B57889-F4C0-43DF-95A3-02D4F42C5B13}"/>
+          </ac:cxnSpMkLst>
+        </pc:cxnChg>
+      </pc:sldChg>
+    </pc:docChg>
+  </pc:docChgLst>
+</pc:chgInfo>
 </file>
 
 <file path=ppt/notesMasters/notesMaster1.xml><?xml version="1.0" encoding="utf-8"?>
@@ -3093,8 +3906,8 @@
         </p:blipFill>
         <p:spPr bwMode="auto">
           <a:xfrm>
-            <a:off x="620786" y="404029"/>
-            <a:ext cx="4923637" cy="2769546"/>
+            <a:off x="546392" y="441500"/>
+            <a:ext cx="5377726" cy="3024971"/>
           </a:xfrm>
           <a:prstGeom prst="rect">
             <a:avLst/>
@@ -3125,7 +3938,7 @@
         </p:nvSpPr>
         <p:spPr>
           <a:xfrm>
-            <a:off x="5529484" y="364240"/>
+            <a:off x="5844244" y="441500"/>
             <a:ext cx="359463" cy="246221"/>
           </a:xfrm>
           <a:prstGeom prst="rect">
@@ -3173,7 +3986,7 @@
         </p:blipFill>
         <p:spPr bwMode="auto">
           <a:xfrm>
-            <a:off x="7182283" y="994928"/>
+            <a:off x="6267883" y="710263"/>
             <a:ext cx="4563183" cy="3240607"/>
           </a:xfrm>
           <a:prstGeom prst="rect">
@@ -3205,7 +4018,7 @@
         </p:nvSpPr>
         <p:spPr>
           <a:xfrm>
-            <a:off x="11745466" y="994928"/>
+            <a:off x="10831066" y="710263"/>
             <a:ext cx="359463" cy="246221"/>
           </a:xfrm>
           <a:prstGeom prst="rect">
@@ -3477,27 +4290,6 @@
             </a:r>
           </a:p>
           <a:p>
-            <a:pPr lvl="1"/>
-            <a:r>
-              <a:rPr lang="de-DE" dirty="0"/>
-              <a:t>Timing</a:t>
-            </a:r>
-          </a:p>
-          <a:p>
-            <a:pPr lvl="1"/>
-            <a:r>
-              <a:rPr lang="de-DE" dirty="0"/>
-              <a:t>Schedule</a:t>
-            </a:r>
-          </a:p>
-          <a:p>
-            <a:pPr lvl="1"/>
-            <a:r>
-              <a:rPr lang="de-DE" dirty="0"/>
-              <a:t>Milestones</a:t>
-            </a:r>
-          </a:p>
-          <a:p>
             <a:r>
               <a:rPr lang="de-DE" dirty="0" err="1"/>
               <a:t>Bibliography</a:t>
@@ -3828,51 +4620,753 @@
       </p:sp>
       <p:sp>
         <p:nvSpPr>
-          <p:cNvPr id="7" name="Inhaltsplatzhalter 6">
+          <p:cNvPr id="10" name="Inhaltsplatzhalter 6">
             <a:extLst>
               <a:ext uri="{FF2B5EF4-FFF2-40B4-BE49-F238E27FC236}">
-                <a16:creationId xmlns:a16="http://schemas.microsoft.com/office/drawing/2014/main" id="{52B2FF8B-8FC9-4D44-9DCF-3EA66477ED31}"/>
+                <a16:creationId xmlns:a16="http://schemas.microsoft.com/office/drawing/2014/main" id="{F02A00A6-68D8-4A55-AF6A-B42E3F543D34}"/>
               </a:ext>
             </a:extLst>
           </p:cNvPr>
-          <p:cNvSpPr>
-            <a:spLocks noGrp="1"/>
+          <p:cNvSpPr txBox="1">
+            <a:spLocks/>
           </p:cNvSpPr>
-          <p:nvPr>
-            <p:ph sz="quarter" idx="16"/>
-          </p:nvPr>
+          <p:nvPr/>
         </p:nvSpPr>
-        <p:spPr/>
+        <p:spPr>
+          <a:xfrm>
+            <a:off x="1581870" y="5750275"/>
+            <a:ext cx="4318417" cy="402600"/>
+          </a:xfrm>
+          <a:prstGeom prst="rect">
+            <a:avLst/>
+          </a:prstGeom>
+        </p:spPr>
         <p:txBody>
-          <a:bodyPr/>
-          <a:lstStyle/>
-          <a:p>
-            <a:r>
-              <a:rPr lang="de-DE" dirty="0"/>
-              <a:t>Control Kuka </a:t>
-            </a:r>
-            <a:r>
-              <a:rPr lang="de-DE" dirty="0" err="1"/>
-              <a:t>industrial</a:t>
-            </a:r>
-            <a:r>
-              <a:rPr lang="de-DE" dirty="0"/>
+          <a:bodyPr vert="horz" lIns="91440" tIns="45720" rIns="91440" bIns="45720" rtlCol="0" anchor="t">
+            <a:normAutofit/>
+          </a:bodyPr>
+          <a:lstStyle>
+            <a:lvl1pPr marL="306000" indent="-306000" algn="l" defTabSz="457200" rtl="0" eaLnBrk="1" latinLnBrk="0" hangingPunct="1">
+              <a:spcBef>
+                <a:spcPct val="20000"/>
+              </a:spcBef>
+              <a:spcAft>
+                <a:spcPts val="600"/>
+              </a:spcAft>
+              <a:buClr>
+                <a:schemeClr val="accent2"/>
+              </a:buClr>
+              <a:buSzPct val="92000"/>
+              <a:buFont typeface="Wingdings 2" panose="05020102010507070707" pitchFamily="18" charset="2"/>
+              <a:buChar char=""/>
+              <a:defRPr sz="1800" kern="1200">
+                <a:solidFill>
+                  <a:schemeClr val="tx2"/>
+                </a:solidFill>
+                <a:latin typeface="+mn-lt"/>
+                <a:ea typeface="+mn-ea"/>
+                <a:cs typeface="+mn-cs"/>
+              </a:defRPr>
+            </a:lvl1pPr>
+            <a:lvl2pPr marL="630000" indent="-306000" algn="l" defTabSz="457200" rtl="0" eaLnBrk="1" latinLnBrk="0" hangingPunct="1">
+              <a:spcBef>
+                <a:spcPct val="20000"/>
+              </a:spcBef>
+              <a:spcAft>
+                <a:spcPts val="600"/>
+              </a:spcAft>
+              <a:buClr>
+                <a:schemeClr val="accent2"/>
+              </a:buClr>
+              <a:buSzPct val="92000"/>
+              <a:buFont typeface="Wingdings 2" panose="05020102010507070707" pitchFamily="18" charset="2"/>
+              <a:buChar char=""/>
+              <a:defRPr sz="1600" kern="1200">
+                <a:solidFill>
+                  <a:schemeClr val="tx2"/>
+                </a:solidFill>
+                <a:latin typeface="+mn-lt"/>
+                <a:ea typeface="+mn-ea"/>
+                <a:cs typeface="+mn-cs"/>
+              </a:defRPr>
+            </a:lvl2pPr>
+            <a:lvl3pPr marL="900000" indent="-270000" algn="l" defTabSz="457200" rtl="0" eaLnBrk="1" latinLnBrk="0" hangingPunct="1">
+              <a:spcBef>
+                <a:spcPct val="20000"/>
+              </a:spcBef>
+              <a:spcAft>
+                <a:spcPts val="600"/>
+              </a:spcAft>
+              <a:buClr>
+                <a:schemeClr val="accent2"/>
+              </a:buClr>
+              <a:buSzPct val="92000"/>
+              <a:buFont typeface="Wingdings 2" panose="05020102010507070707" pitchFamily="18" charset="2"/>
+              <a:buChar char=""/>
+              <a:defRPr sz="1400" kern="1200">
+                <a:solidFill>
+                  <a:schemeClr val="tx2"/>
+                </a:solidFill>
+                <a:latin typeface="+mn-lt"/>
+                <a:ea typeface="+mn-ea"/>
+                <a:cs typeface="+mn-cs"/>
+              </a:defRPr>
+            </a:lvl3pPr>
+            <a:lvl4pPr marL="1242000" indent="-234000" algn="l" defTabSz="457200" rtl="0" eaLnBrk="1" latinLnBrk="0" hangingPunct="1">
+              <a:spcBef>
+                <a:spcPct val="20000"/>
+              </a:spcBef>
+              <a:spcAft>
+                <a:spcPts val="600"/>
+              </a:spcAft>
+              <a:buClr>
+                <a:schemeClr val="accent2"/>
+              </a:buClr>
+              <a:buSzPct val="92000"/>
+              <a:buFont typeface="Wingdings 2" panose="05020102010507070707" pitchFamily="18" charset="2"/>
+              <a:buChar char=""/>
+              <a:defRPr sz="1200" kern="1200">
+                <a:solidFill>
+                  <a:schemeClr val="tx2"/>
+                </a:solidFill>
+                <a:latin typeface="+mn-lt"/>
+                <a:ea typeface="+mn-ea"/>
+                <a:cs typeface="+mn-cs"/>
+              </a:defRPr>
+            </a:lvl4pPr>
+            <a:lvl5pPr marL="1602000" indent="-234000" algn="l" defTabSz="457200" rtl="0" eaLnBrk="1" latinLnBrk="0" hangingPunct="1">
+              <a:spcBef>
+                <a:spcPct val="20000"/>
+              </a:spcBef>
+              <a:spcAft>
+                <a:spcPts val="600"/>
+              </a:spcAft>
+              <a:buClr>
+                <a:schemeClr val="accent2"/>
+              </a:buClr>
+              <a:buSzPct val="92000"/>
+              <a:buFont typeface="Wingdings 2" panose="05020102010507070707" pitchFamily="18" charset="2"/>
+              <a:buChar char=""/>
+              <a:defRPr sz="1200" kern="1200">
+                <a:solidFill>
+                  <a:schemeClr val="tx2"/>
+                </a:solidFill>
+                <a:latin typeface="+mn-lt"/>
+                <a:ea typeface="+mn-ea"/>
+                <a:cs typeface="+mn-cs"/>
+              </a:defRPr>
+            </a:lvl5pPr>
+            <a:lvl6pPr marL="1900000" indent="-228600" algn="l" defTabSz="457200" rtl="0" eaLnBrk="1" latinLnBrk="0" hangingPunct="1">
+              <a:spcBef>
+                <a:spcPct val="20000"/>
+              </a:spcBef>
+              <a:spcAft>
+                <a:spcPts val="600"/>
+              </a:spcAft>
+              <a:buClr>
+                <a:schemeClr val="accent2"/>
+              </a:buClr>
+              <a:buSzPct val="92000"/>
+              <a:buFont typeface="Wingdings 2" panose="05020102010507070707" pitchFamily="18" charset="2"/>
+              <a:buChar char=""/>
+              <a:defRPr sz="1200" kern="1200">
+                <a:solidFill>
+                  <a:schemeClr val="tx2"/>
+                </a:solidFill>
+                <a:latin typeface="+mn-lt"/>
+                <a:ea typeface="+mn-ea"/>
+                <a:cs typeface="+mn-cs"/>
+              </a:defRPr>
+            </a:lvl6pPr>
+            <a:lvl7pPr marL="2200000" indent="-228600" algn="l" defTabSz="457200" rtl="0" eaLnBrk="1" latinLnBrk="0" hangingPunct="1">
+              <a:spcBef>
+                <a:spcPct val="20000"/>
+              </a:spcBef>
+              <a:spcAft>
+                <a:spcPts val="600"/>
+              </a:spcAft>
+              <a:buClr>
+                <a:schemeClr val="accent2"/>
+              </a:buClr>
+              <a:buSzPct val="92000"/>
+              <a:buFont typeface="Wingdings 2" panose="05020102010507070707" pitchFamily="18" charset="2"/>
+              <a:buChar char=""/>
+              <a:defRPr sz="1200" kern="1200">
+                <a:solidFill>
+                  <a:schemeClr val="tx2"/>
+                </a:solidFill>
+                <a:latin typeface="+mn-lt"/>
+                <a:ea typeface="+mn-ea"/>
+                <a:cs typeface="+mn-cs"/>
+              </a:defRPr>
+            </a:lvl7pPr>
+            <a:lvl8pPr marL="2500000" indent="-228600" algn="l" defTabSz="457200" rtl="0" eaLnBrk="1" latinLnBrk="0" hangingPunct="1">
+              <a:spcBef>
+                <a:spcPct val="20000"/>
+              </a:spcBef>
+              <a:spcAft>
+                <a:spcPts val="600"/>
+              </a:spcAft>
+              <a:buClr>
+                <a:schemeClr val="accent2"/>
+              </a:buClr>
+              <a:buSzPct val="92000"/>
+              <a:buFont typeface="Wingdings 2" panose="05020102010507070707" pitchFamily="18" charset="2"/>
+              <a:buChar char=""/>
+              <a:defRPr sz="1200" kern="1200">
+                <a:solidFill>
+                  <a:schemeClr val="tx2"/>
+                </a:solidFill>
+                <a:latin typeface="+mn-lt"/>
+                <a:ea typeface="+mn-ea"/>
+                <a:cs typeface="+mn-cs"/>
+              </a:defRPr>
+            </a:lvl8pPr>
+            <a:lvl9pPr marL="2800000" indent="-228600" algn="l" defTabSz="457200" rtl="0" eaLnBrk="1" latinLnBrk="0" hangingPunct="1">
+              <a:spcBef>
+                <a:spcPct val="20000"/>
+              </a:spcBef>
+              <a:spcAft>
+                <a:spcPts val="600"/>
+              </a:spcAft>
+              <a:buClr>
+                <a:schemeClr val="accent2"/>
+              </a:buClr>
+              <a:buSzPct val="92000"/>
+              <a:buFont typeface="Wingdings 2" panose="05020102010507070707" pitchFamily="18" charset="2"/>
+              <a:buChar char=""/>
+              <a:defRPr sz="1200" kern="1200">
+                <a:solidFill>
+                  <a:schemeClr val="tx2"/>
+                </a:solidFill>
+                <a:latin typeface="+mn-lt"/>
+                <a:ea typeface="+mn-ea"/>
+                <a:cs typeface="+mn-cs"/>
+              </a:defRPr>
+            </a:lvl9pPr>
+          </a:lstStyle>
+          <a:p>
+            <a:pPr marL="0" indent="0">
+              <a:buFont typeface="Wingdings 2" panose="05020102010507070707" pitchFamily="18" charset="2"/>
+              <a:buNone/>
+            </a:pPr>
+            <a:r>
+              <a:rPr lang="de-DE" dirty="0" err="1">
+                <a:solidFill>
+                  <a:schemeClr val="tx1"/>
+                </a:solidFill>
+              </a:rPr>
+              <a:t>How</a:t>
+            </a:r>
+            <a:r>
+              <a:rPr lang="de-DE" dirty="0">
+                <a:solidFill>
+                  <a:schemeClr val="tx1"/>
+                </a:solidFill>
+              </a:rPr>
               <a:t> </a:t>
             </a:r>
             <a:r>
-              <a:rPr lang="de-DE" dirty="0" err="1"/>
-              <a:t>robot</a:t>
-            </a:r>
-            <a:endParaRPr lang="de-DE" dirty="0"/>
-          </a:p>
-          <a:p>
-            <a:r>
-              <a:rPr lang="en-US" dirty="0"/>
-              <a:t>Solve car puzzle automatically and dynamical</a:t>
-            </a:r>
+              <a:rPr lang="de-DE" dirty="0" err="1">
+                <a:solidFill>
+                  <a:schemeClr val="tx1"/>
+                </a:solidFill>
+              </a:rPr>
+              <a:t>to</a:t>
+            </a:r>
+            <a:r>
+              <a:rPr lang="de-DE" dirty="0">
+                <a:solidFill>
+                  <a:schemeClr val="tx1"/>
+                </a:solidFill>
+              </a:rPr>
+              <a:t> </a:t>
+            </a:r>
+            <a:r>
+              <a:rPr lang="de-DE" dirty="0" err="1">
+                <a:solidFill>
+                  <a:schemeClr val="tx1"/>
+                </a:solidFill>
+              </a:rPr>
+              <a:t>get</a:t>
+            </a:r>
+            <a:r>
+              <a:rPr lang="de-DE" dirty="0">
+                <a:solidFill>
+                  <a:schemeClr val="tx1"/>
+                </a:solidFill>
+              </a:rPr>
+              <a:t> </a:t>
+            </a:r>
+            <a:r>
+              <a:rPr lang="de-DE" dirty="0" err="1">
+                <a:solidFill>
+                  <a:schemeClr val="tx1"/>
+                </a:solidFill>
+              </a:rPr>
+              <a:t>the</a:t>
+            </a:r>
+            <a:r>
+              <a:rPr lang="de-DE" dirty="0">
+                <a:solidFill>
+                  <a:schemeClr val="tx1"/>
+                </a:solidFill>
+              </a:rPr>
+              <a:t> </a:t>
+            </a:r>
+            <a:r>
+              <a:rPr lang="de-DE" dirty="0" err="1">
+                <a:solidFill>
+                  <a:schemeClr val="tx1"/>
+                </a:solidFill>
+              </a:rPr>
+              <a:t>pieces</a:t>
+            </a:r>
+            <a:r>
+              <a:rPr lang="de-DE" dirty="0">
+                <a:solidFill>
+                  <a:schemeClr val="tx1"/>
+                </a:solidFill>
+              </a:rPr>
+              <a:t> </a:t>
+            </a:r>
+            <a:r>
+              <a:rPr lang="de-DE" dirty="0" err="1">
+                <a:solidFill>
+                  <a:schemeClr val="tx1"/>
+                </a:solidFill>
+              </a:rPr>
+              <a:t>to</a:t>
+            </a:r>
+            <a:r>
+              <a:rPr lang="de-DE" dirty="0">
+                <a:solidFill>
+                  <a:schemeClr val="tx1"/>
+                </a:solidFill>
+              </a:rPr>
+              <a:t> </a:t>
+            </a:r>
+            <a:r>
+              <a:rPr lang="de-DE" dirty="0" err="1">
+                <a:solidFill>
+                  <a:schemeClr val="tx1"/>
+                </a:solidFill>
+              </a:rPr>
+              <a:t>the</a:t>
+            </a:r>
+            <a:r>
+              <a:rPr lang="de-DE" dirty="0">
+                <a:solidFill>
+                  <a:schemeClr val="tx1"/>
+                </a:solidFill>
+              </a:rPr>
+              <a:t> </a:t>
+            </a:r>
+            <a:r>
+              <a:rPr lang="de-DE" dirty="0" err="1">
+                <a:solidFill>
+                  <a:schemeClr val="tx1"/>
+                </a:solidFill>
+              </a:rPr>
+              <a:t>correct</a:t>
+            </a:r>
+            <a:r>
+              <a:rPr lang="de-DE" dirty="0">
+                <a:solidFill>
+                  <a:schemeClr val="tx1"/>
+                </a:solidFill>
+              </a:rPr>
+              <a:t> </a:t>
+            </a:r>
+            <a:r>
+              <a:rPr lang="de-DE" dirty="0" err="1">
+                <a:solidFill>
+                  <a:schemeClr val="tx1"/>
+                </a:solidFill>
+              </a:rPr>
+              <a:t>place</a:t>
+            </a:r>
+            <a:r>
+              <a:rPr lang="de-DE" dirty="0">
+                <a:solidFill>
+                  <a:schemeClr val="tx1"/>
+                </a:solidFill>
+              </a:rPr>
+              <a:t>?</a:t>
+            </a:r>
+            <a:endParaRPr lang="en-US" dirty="0">
+              <a:solidFill>
+                <a:schemeClr val="tx1"/>
+              </a:solidFill>
+            </a:endParaRPr>
           </a:p>
         </p:txBody>
       </p:sp>
+      <p:sp>
+        <p:nvSpPr>
+          <p:cNvPr id="11" name="Pfeil: nach rechts 10">
+            <a:extLst>
+              <a:ext uri="{FF2B5EF4-FFF2-40B4-BE49-F238E27FC236}">
+                <a16:creationId xmlns:a16="http://schemas.microsoft.com/office/drawing/2014/main" id="{E46F4D66-A24C-4815-82B4-69A8795D5360}"/>
+              </a:ext>
+            </a:extLst>
+          </p:cNvPr>
+          <p:cNvSpPr/>
+          <p:nvPr/>
+        </p:nvSpPr>
+        <p:spPr>
+          <a:xfrm>
+            <a:off x="6148005" y="5750275"/>
+            <a:ext cx="633275" cy="402600"/>
+          </a:xfrm>
+          <a:prstGeom prst="rightArrow">
+            <a:avLst/>
+          </a:prstGeom>
+        </p:spPr>
+        <p:style>
+          <a:lnRef idx="2">
+            <a:schemeClr val="accent1">
+              <a:shade val="50000"/>
+            </a:schemeClr>
+          </a:lnRef>
+          <a:fillRef idx="1">
+            <a:schemeClr val="accent1"/>
+          </a:fillRef>
+          <a:effectRef idx="0">
+            <a:schemeClr val="accent1"/>
+          </a:effectRef>
+          <a:fontRef idx="minor">
+            <a:schemeClr val="lt1"/>
+          </a:fontRef>
+        </p:style>
+        <p:txBody>
+          <a:bodyPr rtlCol="0" anchor="ctr"/>
+          <a:lstStyle/>
+          <a:p>
+            <a:pPr algn="ctr"/>
+            <a:endParaRPr lang="en-US"/>
+          </a:p>
+        </p:txBody>
+      </p:sp>
+      <p:sp>
+        <p:nvSpPr>
+          <p:cNvPr id="12" name="Inhaltsplatzhalter 6">
+            <a:extLst>
+              <a:ext uri="{FF2B5EF4-FFF2-40B4-BE49-F238E27FC236}">
+                <a16:creationId xmlns:a16="http://schemas.microsoft.com/office/drawing/2014/main" id="{B151DFFC-2104-4B68-8CF2-D3046F3217CE}"/>
+              </a:ext>
+            </a:extLst>
+          </p:cNvPr>
+          <p:cNvSpPr txBox="1">
+            <a:spLocks/>
+          </p:cNvSpPr>
+          <p:nvPr/>
+        </p:nvSpPr>
+        <p:spPr>
+          <a:xfrm>
+            <a:off x="7028998" y="5750275"/>
+            <a:ext cx="2844800" cy="402600"/>
+          </a:xfrm>
+          <a:prstGeom prst="rect">
+            <a:avLst/>
+          </a:prstGeom>
+        </p:spPr>
+        <p:txBody>
+          <a:bodyPr vert="horz" lIns="91440" tIns="45720" rIns="91440" bIns="45720" rtlCol="0" anchor="t">
+            <a:normAutofit/>
+          </a:bodyPr>
+          <a:lstStyle>
+            <a:lvl1pPr marL="306000" indent="-306000" algn="l" defTabSz="457200" rtl="0" eaLnBrk="1" latinLnBrk="0" hangingPunct="1">
+              <a:spcBef>
+                <a:spcPct val="20000"/>
+              </a:spcBef>
+              <a:spcAft>
+                <a:spcPts val="600"/>
+              </a:spcAft>
+              <a:buClr>
+                <a:schemeClr val="accent2"/>
+              </a:buClr>
+              <a:buSzPct val="92000"/>
+              <a:buFont typeface="Wingdings 2" panose="05020102010507070707" pitchFamily="18" charset="2"/>
+              <a:buChar char=""/>
+              <a:defRPr sz="1800" kern="1200">
+                <a:solidFill>
+                  <a:schemeClr val="tx2"/>
+                </a:solidFill>
+                <a:latin typeface="+mn-lt"/>
+                <a:ea typeface="+mn-ea"/>
+                <a:cs typeface="+mn-cs"/>
+              </a:defRPr>
+            </a:lvl1pPr>
+            <a:lvl2pPr marL="630000" indent="-306000" algn="l" defTabSz="457200" rtl="0" eaLnBrk="1" latinLnBrk="0" hangingPunct="1">
+              <a:spcBef>
+                <a:spcPct val="20000"/>
+              </a:spcBef>
+              <a:spcAft>
+                <a:spcPts val="600"/>
+              </a:spcAft>
+              <a:buClr>
+                <a:schemeClr val="accent2"/>
+              </a:buClr>
+              <a:buSzPct val="92000"/>
+              <a:buFont typeface="Wingdings 2" panose="05020102010507070707" pitchFamily="18" charset="2"/>
+              <a:buChar char=""/>
+              <a:defRPr sz="1600" kern="1200">
+                <a:solidFill>
+                  <a:schemeClr val="tx2"/>
+                </a:solidFill>
+                <a:latin typeface="+mn-lt"/>
+                <a:ea typeface="+mn-ea"/>
+                <a:cs typeface="+mn-cs"/>
+              </a:defRPr>
+            </a:lvl2pPr>
+            <a:lvl3pPr marL="900000" indent="-270000" algn="l" defTabSz="457200" rtl="0" eaLnBrk="1" latinLnBrk="0" hangingPunct="1">
+              <a:spcBef>
+                <a:spcPct val="20000"/>
+              </a:spcBef>
+              <a:spcAft>
+                <a:spcPts val="600"/>
+              </a:spcAft>
+              <a:buClr>
+                <a:schemeClr val="accent2"/>
+              </a:buClr>
+              <a:buSzPct val="92000"/>
+              <a:buFont typeface="Wingdings 2" panose="05020102010507070707" pitchFamily="18" charset="2"/>
+              <a:buChar char=""/>
+              <a:defRPr sz="1400" kern="1200">
+                <a:solidFill>
+                  <a:schemeClr val="tx2"/>
+                </a:solidFill>
+                <a:latin typeface="+mn-lt"/>
+                <a:ea typeface="+mn-ea"/>
+                <a:cs typeface="+mn-cs"/>
+              </a:defRPr>
+            </a:lvl3pPr>
+            <a:lvl4pPr marL="1242000" indent="-234000" algn="l" defTabSz="457200" rtl="0" eaLnBrk="1" latinLnBrk="0" hangingPunct="1">
+              <a:spcBef>
+                <a:spcPct val="20000"/>
+              </a:spcBef>
+              <a:spcAft>
+                <a:spcPts val="600"/>
+              </a:spcAft>
+              <a:buClr>
+                <a:schemeClr val="accent2"/>
+              </a:buClr>
+              <a:buSzPct val="92000"/>
+              <a:buFont typeface="Wingdings 2" panose="05020102010507070707" pitchFamily="18" charset="2"/>
+              <a:buChar char=""/>
+              <a:defRPr sz="1200" kern="1200">
+                <a:solidFill>
+                  <a:schemeClr val="tx2"/>
+                </a:solidFill>
+                <a:latin typeface="+mn-lt"/>
+                <a:ea typeface="+mn-ea"/>
+                <a:cs typeface="+mn-cs"/>
+              </a:defRPr>
+            </a:lvl4pPr>
+            <a:lvl5pPr marL="1602000" indent="-234000" algn="l" defTabSz="457200" rtl="0" eaLnBrk="1" latinLnBrk="0" hangingPunct="1">
+              <a:spcBef>
+                <a:spcPct val="20000"/>
+              </a:spcBef>
+              <a:spcAft>
+                <a:spcPts val="600"/>
+              </a:spcAft>
+              <a:buClr>
+                <a:schemeClr val="accent2"/>
+              </a:buClr>
+              <a:buSzPct val="92000"/>
+              <a:buFont typeface="Wingdings 2" panose="05020102010507070707" pitchFamily="18" charset="2"/>
+              <a:buChar char=""/>
+              <a:defRPr sz="1200" kern="1200">
+                <a:solidFill>
+                  <a:schemeClr val="tx2"/>
+                </a:solidFill>
+                <a:latin typeface="+mn-lt"/>
+                <a:ea typeface="+mn-ea"/>
+                <a:cs typeface="+mn-cs"/>
+              </a:defRPr>
+            </a:lvl5pPr>
+            <a:lvl6pPr marL="1900000" indent="-228600" algn="l" defTabSz="457200" rtl="0" eaLnBrk="1" latinLnBrk="0" hangingPunct="1">
+              <a:spcBef>
+                <a:spcPct val="20000"/>
+              </a:spcBef>
+              <a:spcAft>
+                <a:spcPts val="600"/>
+              </a:spcAft>
+              <a:buClr>
+                <a:schemeClr val="accent2"/>
+              </a:buClr>
+              <a:buSzPct val="92000"/>
+              <a:buFont typeface="Wingdings 2" panose="05020102010507070707" pitchFamily="18" charset="2"/>
+              <a:buChar char=""/>
+              <a:defRPr sz="1200" kern="1200">
+                <a:solidFill>
+                  <a:schemeClr val="tx2"/>
+                </a:solidFill>
+                <a:latin typeface="+mn-lt"/>
+                <a:ea typeface="+mn-ea"/>
+                <a:cs typeface="+mn-cs"/>
+              </a:defRPr>
+            </a:lvl6pPr>
+            <a:lvl7pPr marL="2200000" indent="-228600" algn="l" defTabSz="457200" rtl="0" eaLnBrk="1" latinLnBrk="0" hangingPunct="1">
+              <a:spcBef>
+                <a:spcPct val="20000"/>
+              </a:spcBef>
+              <a:spcAft>
+                <a:spcPts val="600"/>
+              </a:spcAft>
+              <a:buClr>
+                <a:schemeClr val="accent2"/>
+              </a:buClr>
+              <a:buSzPct val="92000"/>
+              <a:buFont typeface="Wingdings 2" panose="05020102010507070707" pitchFamily="18" charset="2"/>
+              <a:buChar char=""/>
+              <a:defRPr sz="1200" kern="1200">
+                <a:solidFill>
+                  <a:schemeClr val="tx2"/>
+                </a:solidFill>
+                <a:latin typeface="+mn-lt"/>
+                <a:ea typeface="+mn-ea"/>
+                <a:cs typeface="+mn-cs"/>
+              </a:defRPr>
+            </a:lvl7pPr>
+            <a:lvl8pPr marL="2500000" indent="-228600" algn="l" defTabSz="457200" rtl="0" eaLnBrk="1" latinLnBrk="0" hangingPunct="1">
+              <a:spcBef>
+                <a:spcPct val="20000"/>
+              </a:spcBef>
+              <a:spcAft>
+                <a:spcPts val="600"/>
+              </a:spcAft>
+              <a:buClr>
+                <a:schemeClr val="accent2"/>
+              </a:buClr>
+              <a:buSzPct val="92000"/>
+              <a:buFont typeface="Wingdings 2" panose="05020102010507070707" pitchFamily="18" charset="2"/>
+              <a:buChar char=""/>
+              <a:defRPr sz="1200" kern="1200">
+                <a:solidFill>
+                  <a:schemeClr val="tx2"/>
+                </a:solidFill>
+                <a:latin typeface="+mn-lt"/>
+                <a:ea typeface="+mn-ea"/>
+                <a:cs typeface="+mn-cs"/>
+              </a:defRPr>
+            </a:lvl8pPr>
+            <a:lvl9pPr marL="2800000" indent="-228600" algn="l" defTabSz="457200" rtl="0" eaLnBrk="1" latinLnBrk="0" hangingPunct="1">
+              <a:spcBef>
+                <a:spcPct val="20000"/>
+              </a:spcBef>
+              <a:spcAft>
+                <a:spcPts val="600"/>
+              </a:spcAft>
+              <a:buClr>
+                <a:schemeClr val="accent2"/>
+              </a:buClr>
+              <a:buSzPct val="92000"/>
+              <a:buFont typeface="Wingdings 2" panose="05020102010507070707" pitchFamily="18" charset="2"/>
+              <a:buChar char=""/>
+              <a:defRPr sz="1200" kern="1200">
+                <a:solidFill>
+                  <a:schemeClr val="tx2"/>
+                </a:solidFill>
+                <a:latin typeface="+mn-lt"/>
+                <a:ea typeface="+mn-ea"/>
+                <a:cs typeface="+mn-cs"/>
+              </a:defRPr>
+            </a:lvl9pPr>
+          </a:lstStyle>
+          <a:p>
+            <a:pPr marL="0" indent="0">
+              <a:buFont typeface="Wingdings 2" panose="05020102010507070707" pitchFamily="18" charset="2"/>
+              <a:buNone/>
+            </a:pPr>
+            <a:r>
+              <a:rPr lang="de-DE" dirty="0">
+                <a:solidFill>
+                  <a:schemeClr val="tx1"/>
+                </a:solidFill>
+              </a:rPr>
+              <a:t>Programm a </a:t>
+            </a:r>
+            <a:r>
+              <a:rPr lang="de-DE" dirty="0" err="1">
+                <a:solidFill>
+                  <a:schemeClr val="tx1"/>
+                </a:solidFill>
+              </a:rPr>
+              <a:t>industrial</a:t>
+            </a:r>
+            <a:r>
+              <a:rPr lang="de-DE" dirty="0">
+                <a:solidFill>
+                  <a:schemeClr val="tx1"/>
+                </a:solidFill>
+              </a:rPr>
+              <a:t> </a:t>
+            </a:r>
+            <a:r>
+              <a:rPr lang="de-DE" dirty="0" err="1">
+                <a:solidFill>
+                  <a:schemeClr val="tx1"/>
+                </a:solidFill>
+              </a:rPr>
+              <a:t>robot</a:t>
+            </a:r>
+            <a:endParaRPr lang="en-US" dirty="0">
+              <a:solidFill>
+                <a:schemeClr val="tx1"/>
+              </a:solidFill>
+            </a:endParaRPr>
+          </a:p>
+        </p:txBody>
+      </p:sp>
+      <p:pic>
+        <p:nvPicPr>
+          <p:cNvPr id="6146" name="Picture 2" descr="image.jpg">
+            <a:extLst>
+              <a:ext uri="{FF2B5EF4-FFF2-40B4-BE49-F238E27FC236}">
+                <a16:creationId xmlns:a16="http://schemas.microsoft.com/office/drawing/2014/main" id="{C93DE192-2AF0-4862-87EF-9430CA7AB239}"/>
+              </a:ext>
+            </a:extLst>
+          </p:cNvPr>
+          <p:cNvPicPr>
+            <a:picLocks noChangeAspect="1" noChangeArrowheads="1"/>
+          </p:cNvPicPr>
+          <p:nvPr/>
+        </p:nvPicPr>
+        <p:blipFill>
+          <a:blip r:embed="rId2">
+            <a:extLst>
+              <a:ext uri="{28A0092B-C50C-407E-A947-70E740481C1C}">
+                <a14:useLocalDpi xmlns:a14="http://schemas.microsoft.com/office/drawing/2010/main" val="0"/>
+              </a:ext>
+            </a:extLst>
+          </a:blip>
+          <a:srcRect/>
+          <a:stretch>
+            <a:fillRect/>
+          </a:stretch>
+        </p:blipFill>
+        <p:spPr bwMode="auto">
+          <a:xfrm>
+            <a:off x="2175131" y="667380"/>
+            <a:ext cx="6676902" cy="5007676"/>
+          </a:xfrm>
+          <a:prstGeom prst="rect">
+            <a:avLst/>
+          </a:prstGeom>
+          <a:noFill/>
+          <a:extLst>
+            <a:ext uri="{909E8E84-426E-40DD-AFC4-6F175D3DCCD1}">
+              <a14:hiddenFill xmlns:a14="http://schemas.microsoft.com/office/drawing/2010/main">
+                <a:solidFill>
+                  <a:srgbClr val="FFFFFF"/>
+                </a:solidFill>
+              </a14:hiddenFill>
+            </a:ext>
+          </a:extLst>
+        </p:spPr>
+      </p:pic>
     </p:spTree>
     <p:extLst>
       <p:ext uri="{BB962C8B-B14F-4D97-AF65-F5344CB8AC3E}">
@@ -3883,6 +5377,158 @@
   <p:clrMapOvr>
     <a:masterClrMapping/>
   </p:clrMapOvr>
+  <p:timing>
+    <p:tnLst>
+      <p:par>
+        <p:cTn id="1" dur="indefinite" restart="never" nodeType="tmRoot">
+          <p:childTnLst>
+            <p:seq concurrent="1" nextAc="seek">
+              <p:cTn id="2" dur="indefinite" nodeType="mainSeq">
+                <p:childTnLst>
+                  <p:par>
+                    <p:cTn id="3" fill="hold">
+                      <p:stCondLst>
+                        <p:cond delay="indefinite"/>
+                      </p:stCondLst>
+                      <p:childTnLst>
+                        <p:par>
+                          <p:cTn id="4" fill="hold">
+                            <p:stCondLst>
+                              <p:cond delay="0"/>
+                            </p:stCondLst>
+                            <p:childTnLst>
+                              <p:par>
+                                <p:cTn id="5" presetID="1" presetClass="entr" presetSubtype="0" fill="hold" grpId="0" nodeType="clickEffect">
+                                  <p:stCondLst>
+                                    <p:cond delay="0"/>
+                                  </p:stCondLst>
+                                  <p:childTnLst>
+                                    <p:set>
+                                      <p:cBhvr>
+                                        <p:cTn id="6" dur="1" fill="hold">
+                                          <p:stCondLst>
+                                            <p:cond delay="0"/>
+                                          </p:stCondLst>
+                                        </p:cTn>
+                                        <p:tgtEl>
+                                          <p:spTgt spid="10"/>
+                                        </p:tgtEl>
+                                        <p:attrNameLst>
+                                          <p:attrName>style.visibility</p:attrName>
+                                        </p:attrNameLst>
+                                      </p:cBhvr>
+                                      <p:to>
+                                        <p:strVal val="visible"/>
+                                      </p:to>
+                                    </p:set>
+                                  </p:childTnLst>
+                                </p:cTn>
+                              </p:par>
+                            </p:childTnLst>
+                          </p:cTn>
+                        </p:par>
+                      </p:childTnLst>
+                    </p:cTn>
+                  </p:par>
+                  <p:par>
+                    <p:cTn id="7" fill="hold">
+                      <p:stCondLst>
+                        <p:cond delay="indefinite"/>
+                      </p:stCondLst>
+                      <p:childTnLst>
+                        <p:par>
+                          <p:cTn id="8" fill="hold">
+                            <p:stCondLst>
+                              <p:cond delay="0"/>
+                            </p:stCondLst>
+                            <p:childTnLst>
+                              <p:par>
+                                <p:cTn id="9" presetID="1" presetClass="entr" presetSubtype="0" fill="hold" grpId="0" nodeType="clickEffect">
+                                  <p:stCondLst>
+                                    <p:cond delay="0"/>
+                                  </p:stCondLst>
+                                  <p:childTnLst>
+                                    <p:set>
+                                      <p:cBhvr>
+                                        <p:cTn id="10" dur="1" fill="hold">
+                                          <p:stCondLst>
+                                            <p:cond delay="0"/>
+                                          </p:stCondLst>
+                                        </p:cTn>
+                                        <p:tgtEl>
+                                          <p:spTgt spid="11"/>
+                                        </p:tgtEl>
+                                        <p:attrNameLst>
+                                          <p:attrName>style.visibility</p:attrName>
+                                        </p:attrNameLst>
+                                      </p:cBhvr>
+                                      <p:to>
+                                        <p:strVal val="visible"/>
+                                      </p:to>
+                                    </p:set>
+                                  </p:childTnLst>
+                                </p:cTn>
+                              </p:par>
+                              <p:par>
+                                <p:cTn id="11" presetID="1" presetClass="entr" presetSubtype="0" fill="hold" grpId="0" nodeType="withEffect">
+                                  <p:stCondLst>
+                                    <p:cond delay="0"/>
+                                  </p:stCondLst>
+                                  <p:childTnLst>
+                                    <p:set>
+                                      <p:cBhvr>
+                                        <p:cTn id="12" dur="1" fill="hold">
+                                          <p:stCondLst>
+                                            <p:cond delay="0"/>
+                                          </p:stCondLst>
+                                        </p:cTn>
+                                        <p:tgtEl>
+                                          <p:spTgt spid="12"/>
+                                        </p:tgtEl>
+                                        <p:attrNameLst>
+                                          <p:attrName>style.visibility</p:attrName>
+                                        </p:attrNameLst>
+                                      </p:cBhvr>
+                                      <p:to>
+                                        <p:strVal val="visible"/>
+                                      </p:to>
+                                    </p:set>
+                                  </p:childTnLst>
+                                </p:cTn>
+                              </p:par>
+                            </p:childTnLst>
+                          </p:cTn>
+                        </p:par>
+                      </p:childTnLst>
+                    </p:cTn>
+                  </p:par>
+                </p:childTnLst>
+              </p:cTn>
+              <p:prevCondLst>
+                <p:cond evt="onPrev" delay="0">
+                  <p:tgtEl>
+                    <p:sldTgt/>
+                  </p:tgtEl>
+                </p:cond>
+              </p:prevCondLst>
+              <p:nextCondLst>
+                <p:cond evt="onNext" delay="0">
+                  <p:tgtEl>
+                    <p:sldTgt/>
+                  </p:tgtEl>
+                </p:cond>
+              </p:nextCondLst>
+            </p:seq>
+          </p:childTnLst>
+        </p:cTn>
+      </p:par>
+    </p:tnLst>
+    <p:bldLst>
+      <p:bldP spid="10" grpId="0"/>
+      <p:bldP spid="11" grpId="0" animBg="1"/>
+      <p:bldP spid="12" grpId="0"/>
+    </p:bldLst>
+  </p:timing>
 </p:sld>
 </file>
 
@@ -4092,10 +5738,10 @@
       </p:sp>
       <p:sp>
         <p:nvSpPr>
-          <p:cNvPr id="7" name="Inhaltsplatzhalter 6">
+          <p:cNvPr id="10" name="Inhaltsplatzhalter 9">
             <a:extLst>
               <a:ext uri="{FF2B5EF4-FFF2-40B4-BE49-F238E27FC236}">
-                <a16:creationId xmlns:a16="http://schemas.microsoft.com/office/drawing/2014/main" id="{52B2FF8B-8FC9-4D44-9DCF-3EA66477ED31}"/>
+                <a16:creationId xmlns:a16="http://schemas.microsoft.com/office/drawing/2014/main" id="{C737AFBA-C68F-4857-80F2-C556B6E72069}"/>
               </a:ext>
             </a:extLst>
           </p:cNvPr>
@@ -4111,6 +5757,26 @@
           <a:bodyPr/>
           <a:lstStyle/>
           <a:p>
+            <a:r>
+              <a:rPr lang="de-DE" dirty="0"/>
+              <a:t>Picture </a:t>
+            </a:r>
+            <a:r>
+              <a:rPr lang="de-DE" dirty="0" err="1"/>
+              <a:t>of</a:t>
+            </a:r>
+            <a:r>
+              <a:rPr lang="de-DE" dirty="0"/>
+              <a:t> </a:t>
+            </a:r>
+            <a:r>
+              <a:rPr lang="de-DE" dirty="0" err="1"/>
+              <a:t>robot</a:t>
+            </a:r>
+            <a:r>
+              <a:rPr lang="de-DE" dirty="0"/>
+              <a:t> </a:t>
+            </a:r>
             <a:endParaRPr lang="en-US" dirty="0"/>
           </a:p>
         </p:txBody>
@@ -4326,29 +5992,1028 @@
       </p:sp>
       <p:sp>
         <p:nvSpPr>
-          <p:cNvPr id="7" name="Inhaltsplatzhalter 6">
+          <p:cNvPr id="8" name="Rechteck 7">
             <a:extLst>
               <a:ext uri="{FF2B5EF4-FFF2-40B4-BE49-F238E27FC236}">
-                <a16:creationId xmlns:a16="http://schemas.microsoft.com/office/drawing/2014/main" id="{D092ED50-6D1C-4339-9E68-F083B571E1B9}"/>
+                <a16:creationId xmlns:a16="http://schemas.microsoft.com/office/drawing/2014/main" id="{30173546-826E-4674-8C38-C9D473B45817}"/>
               </a:ext>
             </a:extLst>
           </p:cNvPr>
-          <p:cNvSpPr>
-            <a:spLocks noGrp="1"/>
-          </p:cNvSpPr>
-          <p:nvPr>
-            <p:ph sz="quarter" idx="16"/>
-          </p:nvPr>
+          <p:cNvSpPr/>
+          <p:nvPr/>
         </p:nvSpPr>
-        <p:spPr/>
+        <p:spPr>
+          <a:xfrm>
+            <a:off x="4494998" y="1153352"/>
+            <a:ext cx="2986729" cy="700387"/>
+          </a:xfrm>
+          <a:prstGeom prst="rect">
+            <a:avLst/>
+          </a:prstGeom>
+          <a:noFill/>
+          <a:ln w="28575">
+            <a:solidFill>
+              <a:schemeClr val="accent1"/>
+            </a:solidFill>
+          </a:ln>
+        </p:spPr>
+        <p:style>
+          <a:lnRef idx="2">
+            <a:schemeClr val="accent1">
+              <a:shade val="50000"/>
+            </a:schemeClr>
+          </a:lnRef>
+          <a:fillRef idx="1">
+            <a:schemeClr val="accent1"/>
+          </a:fillRef>
+          <a:effectRef idx="0">
+            <a:schemeClr val="accent1"/>
+          </a:effectRef>
+          <a:fontRef idx="minor">
+            <a:schemeClr val="lt1"/>
+          </a:fontRef>
+        </p:style>
         <p:txBody>
-          <a:bodyPr/>
+          <a:bodyPr rtlCol="0" anchor="ctr"/>
           <a:lstStyle/>
           <a:p>
-            <a:endParaRPr lang="en-US"/>
+            <a:pPr algn="ctr"/>
+            <a:r>
+              <a:rPr lang="de-DE" b="1" dirty="0">
+                <a:solidFill>
+                  <a:sysClr val="windowText" lastClr="000000"/>
+                </a:solidFill>
+              </a:rPr>
+              <a:t>Dynamic </a:t>
+            </a:r>
+            <a:r>
+              <a:rPr lang="de-DE" b="1" dirty="0" err="1">
+                <a:solidFill>
+                  <a:sysClr val="windowText" lastClr="000000"/>
+                </a:solidFill>
+              </a:rPr>
+              <a:t>car</a:t>
+            </a:r>
+            <a:r>
+              <a:rPr lang="de-DE" b="1" dirty="0">
+                <a:solidFill>
+                  <a:sysClr val="windowText" lastClr="000000"/>
+                </a:solidFill>
+              </a:rPr>
+              <a:t> puzzle </a:t>
+            </a:r>
+            <a:r>
+              <a:rPr lang="de-DE" b="1" dirty="0" err="1">
+                <a:solidFill>
+                  <a:sysClr val="windowText" lastClr="000000"/>
+                </a:solidFill>
+              </a:rPr>
+              <a:t>solver</a:t>
+            </a:r>
+            <a:endParaRPr lang="en-US" b="1" dirty="0">
+              <a:solidFill>
+                <a:sysClr val="windowText" lastClr="000000"/>
+              </a:solidFill>
+            </a:endParaRPr>
           </a:p>
         </p:txBody>
       </p:sp>
+      <p:sp>
+        <p:nvSpPr>
+          <p:cNvPr id="9" name="Rechteck 8">
+            <a:extLst>
+              <a:ext uri="{FF2B5EF4-FFF2-40B4-BE49-F238E27FC236}">
+                <a16:creationId xmlns:a16="http://schemas.microsoft.com/office/drawing/2014/main" id="{933C7915-4E41-4B0F-A7A1-C77200F049FC}"/>
+              </a:ext>
+            </a:extLst>
+          </p:cNvPr>
+          <p:cNvSpPr/>
+          <p:nvPr/>
+        </p:nvSpPr>
+        <p:spPr>
+          <a:xfrm>
+            <a:off x="1618957" y="2216876"/>
+            <a:ext cx="2771457" cy="491908"/>
+          </a:xfrm>
+          <a:prstGeom prst="rect">
+            <a:avLst/>
+          </a:prstGeom>
+          <a:noFill/>
+          <a:ln w="28575">
+            <a:solidFill>
+              <a:schemeClr val="accent1"/>
+            </a:solidFill>
+          </a:ln>
+        </p:spPr>
+        <p:style>
+          <a:lnRef idx="2">
+            <a:schemeClr val="accent1">
+              <a:shade val="50000"/>
+            </a:schemeClr>
+          </a:lnRef>
+          <a:fillRef idx="1">
+            <a:schemeClr val="accent1"/>
+          </a:fillRef>
+          <a:effectRef idx="0">
+            <a:schemeClr val="accent1"/>
+          </a:effectRef>
+          <a:fontRef idx="minor">
+            <a:schemeClr val="lt1"/>
+          </a:fontRef>
+        </p:style>
+        <p:txBody>
+          <a:bodyPr rtlCol="0" anchor="ctr"/>
+          <a:lstStyle/>
+          <a:p>
+            <a:pPr algn="ctr"/>
+            <a:r>
+              <a:rPr lang="de-DE" dirty="0">
+                <a:solidFill>
+                  <a:sysClr val="windowText" lastClr="000000"/>
+                </a:solidFill>
+              </a:rPr>
+              <a:t>Kuka </a:t>
+            </a:r>
+            <a:r>
+              <a:rPr lang="de-DE" dirty="0" err="1">
+                <a:solidFill>
+                  <a:sysClr val="windowText" lastClr="000000"/>
+                </a:solidFill>
+              </a:rPr>
+              <a:t>motion</a:t>
+            </a:r>
+            <a:r>
+              <a:rPr lang="de-DE" dirty="0">
+                <a:solidFill>
+                  <a:sysClr val="windowText" lastClr="000000"/>
+                </a:solidFill>
+              </a:rPr>
+              <a:t> </a:t>
+            </a:r>
+            <a:r>
+              <a:rPr lang="de-DE" dirty="0" err="1">
+                <a:solidFill>
+                  <a:sysClr val="windowText" lastClr="000000"/>
+                </a:solidFill>
+              </a:rPr>
+              <a:t>control</a:t>
+            </a:r>
+            <a:endParaRPr lang="en-US" dirty="0">
+              <a:solidFill>
+                <a:sysClr val="windowText" lastClr="000000"/>
+              </a:solidFill>
+            </a:endParaRPr>
+          </a:p>
+        </p:txBody>
+      </p:sp>
+      <p:sp>
+        <p:nvSpPr>
+          <p:cNvPr id="10" name="Rechteck 9">
+            <a:extLst>
+              <a:ext uri="{FF2B5EF4-FFF2-40B4-BE49-F238E27FC236}">
+                <a16:creationId xmlns:a16="http://schemas.microsoft.com/office/drawing/2014/main" id="{0E121E36-A284-4865-B09D-2CE7B5EBAD35}"/>
+              </a:ext>
+            </a:extLst>
+          </p:cNvPr>
+          <p:cNvSpPr/>
+          <p:nvPr/>
+        </p:nvSpPr>
+        <p:spPr>
+          <a:xfrm>
+            <a:off x="7481727" y="2216876"/>
+            <a:ext cx="2771457" cy="491908"/>
+          </a:xfrm>
+          <a:prstGeom prst="rect">
+            <a:avLst/>
+          </a:prstGeom>
+          <a:noFill/>
+          <a:ln w="28575">
+            <a:solidFill>
+              <a:schemeClr val="accent1"/>
+            </a:solidFill>
+          </a:ln>
+        </p:spPr>
+        <p:style>
+          <a:lnRef idx="2">
+            <a:schemeClr val="accent1">
+              <a:shade val="50000"/>
+            </a:schemeClr>
+          </a:lnRef>
+          <a:fillRef idx="1">
+            <a:schemeClr val="accent1"/>
+          </a:fillRef>
+          <a:effectRef idx="0">
+            <a:schemeClr val="accent1"/>
+          </a:effectRef>
+          <a:fontRef idx="minor">
+            <a:schemeClr val="lt1"/>
+          </a:fontRef>
+        </p:style>
+        <p:txBody>
+          <a:bodyPr rtlCol="0" anchor="ctr"/>
+          <a:lstStyle/>
+          <a:p>
+            <a:pPr algn="ctr"/>
+            <a:r>
+              <a:rPr lang="de-DE" dirty="0">
+                <a:solidFill>
+                  <a:sysClr val="windowText" lastClr="000000"/>
+                </a:solidFill>
+              </a:rPr>
+              <a:t>Image </a:t>
+            </a:r>
+            <a:r>
+              <a:rPr lang="de-DE" dirty="0" err="1">
+                <a:solidFill>
+                  <a:sysClr val="windowText" lastClr="000000"/>
+                </a:solidFill>
+              </a:rPr>
+              <a:t>processing</a:t>
+            </a:r>
+            <a:endParaRPr lang="en-US" dirty="0">
+              <a:solidFill>
+                <a:sysClr val="windowText" lastClr="000000"/>
+              </a:solidFill>
+            </a:endParaRPr>
+          </a:p>
+        </p:txBody>
+      </p:sp>
+      <p:sp>
+        <p:nvSpPr>
+          <p:cNvPr id="11" name="Rechteck 10">
+            <a:extLst>
+              <a:ext uri="{FF2B5EF4-FFF2-40B4-BE49-F238E27FC236}">
+                <a16:creationId xmlns:a16="http://schemas.microsoft.com/office/drawing/2014/main" id="{0209F996-9901-4872-A66D-8227F0C45EC2}"/>
+              </a:ext>
+            </a:extLst>
+          </p:cNvPr>
+          <p:cNvSpPr/>
+          <p:nvPr/>
+        </p:nvSpPr>
+        <p:spPr>
+          <a:xfrm>
+            <a:off x="1618956" y="2774260"/>
+            <a:ext cx="2771457" cy="954367"/>
+          </a:xfrm>
+          <a:prstGeom prst="rect">
+            <a:avLst/>
+          </a:prstGeom>
+          <a:solidFill>
+            <a:schemeClr val="bg1">
+              <a:lumMod val="75000"/>
+            </a:schemeClr>
+          </a:solidFill>
+          <a:ln w="28575">
+            <a:solidFill>
+              <a:schemeClr val="accent1"/>
+            </a:solidFill>
+          </a:ln>
+        </p:spPr>
+        <p:style>
+          <a:lnRef idx="2">
+            <a:schemeClr val="accent1">
+              <a:shade val="50000"/>
+            </a:schemeClr>
+          </a:lnRef>
+          <a:fillRef idx="1">
+            <a:schemeClr val="accent1"/>
+          </a:fillRef>
+          <a:effectRef idx="0">
+            <a:schemeClr val="accent1"/>
+          </a:effectRef>
+          <a:fontRef idx="minor">
+            <a:schemeClr val="lt1"/>
+          </a:fontRef>
+        </p:style>
+        <p:txBody>
+          <a:bodyPr rtlCol="0" anchor="t"/>
+          <a:lstStyle/>
+          <a:p>
+            <a:pPr marL="285750" indent="-285750">
+              <a:buFont typeface="Gill Sans MT" panose="020B0502020104020203" pitchFamily="34" charset="0"/>
+              <a:buChar char="–"/>
+            </a:pPr>
+            <a:r>
+              <a:rPr lang="de-DE" dirty="0" err="1">
+                <a:solidFill>
+                  <a:sysClr val="windowText" lastClr="000000"/>
+                </a:solidFill>
+              </a:rPr>
+              <a:t>Define</a:t>
+            </a:r>
+            <a:r>
+              <a:rPr lang="de-DE" dirty="0">
+                <a:solidFill>
+                  <a:sysClr val="windowText" lastClr="000000"/>
+                </a:solidFill>
+              </a:rPr>
+              <a:t> operational </a:t>
+            </a:r>
+            <a:r>
+              <a:rPr lang="de-DE" dirty="0" err="1">
+                <a:solidFill>
+                  <a:sysClr val="windowText" lastClr="000000"/>
+                </a:solidFill>
+              </a:rPr>
+              <a:t>space</a:t>
+            </a:r>
+            <a:endParaRPr lang="de-DE" dirty="0">
+              <a:solidFill>
+                <a:sysClr val="windowText" lastClr="000000"/>
+              </a:solidFill>
+            </a:endParaRPr>
+          </a:p>
+          <a:p>
+            <a:pPr marL="285750" indent="-285750">
+              <a:buFont typeface="Gill Sans MT" panose="020B0502020104020203" pitchFamily="34" charset="0"/>
+              <a:buChar char="–"/>
+            </a:pPr>
+            <a:r>
+              <a:rPr lang="de-DE" dirty="0">
+                <a:solidFill>
+                  <a:sysClr val="windowText" lastClr="000000"/>
+                </a:solidFill>
+              </a:rPr>
+              <a:t>Control </a:t>
+            </a:r>
+            <a:r>
+              <a:rPr lang="de-DE" dirty="0" err="1">
+                <a:solidFill>
+                  <a:sysClr val="windowText" lastClr="000000"/>
+                </a:solidFill>
+              </a:rPr>
+              <a:t>movements</a:t>
+            </a:r>
+            <a:endParaRPr lang="de-DE" dirty="0">
+              <a:solidFill>
+                <a:sysClr val="windowText" lastClr="000000"/>
+              </a:solidFill>
+            </a:endParaRPr>
+          </a:p>
+          <a:p>
+            <a:pPr marL="285750" indent="-285750">
+              <a:buFont typeface="Gill Sans MT" panose="020B0502020104020203" pitchFamily="34" charset="0"/>
+              <a:buChar char="–"/>
+            </a:pPr>
+            <a:r>
+              <a:rPr lang="de-DE" dirty="0">
+                <a:solidFill>
+                  <a:sysClr val="windowText" lastClr="000000"/>
+                </a:solidFill>
+              </a:rPr>
+              <a:t>Control </a:t>
+            </a:r>
+            <a:r>
+              <a:rPr lang="de-DE" dirty="0" err="1">
+                <a:solidFill>
+                  <a:sysClr val="windowText" lastClr="000000"/>
+                </a:solidFill>
+              </a:rPr>
+              <a:t>gripper</a:t>
+            </a:r>
+            <a:r>
+              <a:rPr lang="de-DE" dirty="0">
+                <a:solidFill>
+                  <a:sysClr val="windowText" lastClr="000000"/>
+                </a:solidFill>
+              </a:rPr>
+              <a:t> </a:t>
+            </a:r>
+            <a:r>
+              <a:rPr lang="de-DE" dirty="0" err="1">
+                <a:solidFill>
+                  <a:sysClr val="windowText" lastClr="000000"/>
+                </a:solidFill>
+              </a:rPr>
+              <a:t>rotation</a:t>
+            </a:r>
+            <a:endParaRPr lang="de-DE" dirty="0">
+              <a:solidFill>
+                <a:sysClr val="windowText" lastClr="000000"/>
+              </a:solidFill>
+            </a:endParaRPr>
+          </a:p>
+          <a:p>
+            <a:pPr marL="285750" indent="-285750">
+              <a:buFont typeface="Gill Sans MT" panose="020B0502020104020203" pitchFamily="34" charset="0"/>
+              <a:buChar char="–"/>
+            </a:pPr>
+            <a:endParaRPr lang="en-US" dirty="0">
+              <a:solidFill>
+                <a:sysClr val="windowText" lastClr="000000"/>
+              </a:solidFill>
+            </a:endParaRPr>
+          </a:p>
+        </p:txBody>
+      </p:sp>
+      <p:sp>
+        <p:nvSpPr>
+          <p:cNvPr id="13" name="Rechteck 12">
+            <a:extLst>
+              <a:ext uri="{FF2B5EF4-FFF2-40B4-BE49-F238E27FC236}">
+                <a16:creationId xmlns:a16="http://schemas.microsoft.com/office/drawing/2014/main" id="{BF9C6D10-8339-4ABD-A9A2-7909B0E29557}"/>
+              </a:ext>
+            </a:extLst>
+          </p:cNvPr>
+          <p:cNvSpPr/>
+          <p:nvPr/>
+        </p:nvSpPr>
+        <p:spPr>
+          <a:xfrm>
+            <a:off x="7481727" y="2774260"/>
+            <a:ext cx="2771457" cy="954367"/>
+          </a:xfrm>
+          <a:prstGeom prst="rect">
+            <a:avLst/>
+          </a:prstGeom>
+          <a:solidFill>
+            <a:schemeClr val="bg1">
+              <a:lumMod val="75000"/>
+            </a:schemeClr>
+          </a:solidFill>
+          <a:ln w="28575">
+            <a:solidFill>
+              <a:schemeClr val="accent1"/>
+            </a:solidFill>
+          </a:ln>
+        </p:spPr>
+        <p:style>
+          <a:lnRef idx="2">
+            <a:schemeClr val="accent1">
+              <a:shade val="50000"/>
+            </a:schemeClr>
+          </a:lnRef>
+          <a:fillRef idx="1">
+            <a:schemeClr val="accent1"/>
+          </a:fillRef>
+          <a:effectRef idx="0">
+            <a:schemeClr val="accent1"/>
+          </a:effectRef>
+          <a:fontRef idx="minor">
+            <a:schemeClr val="lt1"/>
+          </a:fontRef>
+        </p:style>
+        <p:txBody>
+          <a:bodyPr rtlCol="0" anchor="t"/>
+          <a:lstStyle/>
+          <a:p>
+            <a:pPr marL="285750" indent="-285750">
+              <a:buFont typeface="Gill Sans MT" panose="020B0502020104020203" pitchFamily="34" charset="0"/>
+              <a:buChar char="–"/>
+            </a:pPr>
+            <a:r>
+              <a:rPr lang="de-DE" dirty="0">
+                <a:solidFill>
+                  <a:sysClr val="windowText" lastClr="000000"/>
+                </a:solidFill>
+              </a:rPr>
+              <a:t>Edge </a:t>
+            </a:r>
+            <a:r>
+              <a:rPr lang="de-DE" dirty="0" err="1">
+                <a:solidFill>
+                  <a:sysClr val="windowText" lastClr="000000"/>
+                </a:solidFill>
+              </a:rPr>
+              <a:t>detection</a:t>
+            </a:r>
+            <a:r>
+              <a:rPr lang="de-DE" dirty="0">
+                <a:solidFill>
+                  <a:sysClr val="windowText" lastClr="000000"/>
+                </a:solidFill>
+              </a:rPr>
+              <a:t> </a:t>
+            </a:r>
+            <a:r>
+              <a:rPr lang="de-DE" dirty="0" err="1">
+                <a:solidFill>
+                  <a:sysClr val="windowText" lastClr="000000"/>
+                </a:solidFill>
+              </a:rPr>
+              <a:t>of</a:t>
+            </a:r>
+            <a:r>
+              <a:rPr lang="de-DE" dirty="0">
+                <a:solidFill>
+                  <a:sysClr val="windowText" lastClr="000000"/>
+                </a:solidFill>
+              </a:rPr>
+              <a:t> puzzle</a:t>
+            </a:r>
+          </a:p>
+          <a:p>
+            <a:pPr marL="285750" indent="-285750">
+              <a:buFont typeface="Gill Sans MT" panose="020B0502020104020203" pitchFamily="34" charset="0"/>
+              <a:buChar char="–"/>
+            </a:pPr>
+            <a:r>
+              <a:rPr lang="de-DE" dirty="0" err="1">
+                <a:solidFill>
+                  <a:sysClr val="windowText" lastClr="000000"/>
+                </a:solidFill>
+              </a:rPr>
+              <a:t>Calculation</a:t>
+            </a:r>
+            <a:r>
+              <a:rPr lang="de-DE" dirty="0">
+                <a:solidFill>
+                  <a:sysClr val="windowText" lastClr="000000"/>
+                </a:solidFill>
+              </a:rPr>
+              <a:t> </a:t>
+            </a:r>
+            <a:r>
+              <a:rPr lang="de-DE" dirty="0" err="1">
+                <a:solidFill>
+                  <a:sysClr val="windowText" lastClr="000000"/>
+                </a:solidFill>
+              </a:rPr>
+              <a:t>of</a:t>
+            </a:r>
+            <a:r>
+              <a:rPr lang="de-DE" dirty="0">
+                <a:solidFill>
+                  <a:sysClr val="windowText" lastClr="000000"/>
+                </a:solidFill>
+              </a:rPr>
+              <a:t> </a:t>
+            </a:r>
+            <a:r>
+              <a:rPr lang="de-DE" dirty="0" err="1">
+                <a:solidFill>
+                  <a:sysClr val="windowText" lastClr="000000"/>
+                </a:solidFill>
+              </a:rPr>
+              <a:t>rotation</a:t>
+            </a:r>
+            <a:endParaRPr lang="de-DE" dirty="0">
+              <a:solidFill>
+                <a:sysClr val="windowText" lastClr="000000"/>
+              </a:solidFill>
+            </a:endParaRPr>
+          </a:p>
+          <a:p>
+            <a:pPr marL="285750" indent="-285750">
+              <a:buFont typeface="Gill Sans MT" panose="020B0502020104020203" pitchFamily="34" charset="0"/>
+              <a:buChar char="–"/>
+            </a:pPr>
+            <a:r>
+              <a:rPr lang="de-DE" dirty="0">
+                <a:solidFill>
+                  <a:sysClr val="windowText" lastClr="000000"/>
+                </a:solidFill>
+              </a:rPr>
+              <a:t>Send </a:t>
+            </a:r>
+            <a:r>
+              <a:rPr lang="de-DE" dirty="0" err="1">
+                <a:solidFill>
+                  <a:sysClr val="windowText" lastClr="000000"/>
+                </a:solidFill>
+              </a:rPr>
+              <a:t>motion</a:t>
+            </a:r>
+            <a:r>
+              <a:rPr lang="de-DE" dirty="0">
+                <a:solidFill>
+                  <a:sysClr val="windowText" lastClr="000000"/>
+                </a:solidFill>
+              </a:rPr>
+              <a:t> </a:t>
+            </a:r>
+            <a:r>
+              <a:rPr lang="de-DE" dirty="0" err="1">
+                <a:solidFill>
+                  <a:sysClr val="windowText" lastClr="000000"/>
+                </a:solidFill>
+              </a:rPr>
+              <a:t>commands</a:t>
+            </a:r>
+            <a:endParaRPr lang="de-DE" dirty="0">
+              <a:solidFill>
+                <a:sysClr val="windowText" lastClr="000000"/>
+              </a:solidFill>
+            </a:endParaRPr>
+          </a:p>
+          <a:p>
+            <a:pPr marL="285750" indent="-285750">
+              <a:buFont typeface="Gill Sans MT" panose="020B0502020104020203" pitchFamily="34" charset="0"/>
+              <a:buChar char="–"/>
+            </a:pPr>
+            <a:endParaRPr lang="en-US" dirty="0">
+              <a:solidFill>
+                <a:sysClr val="windowText" lastClr="000000"/>
+              </a:solidFill>
+            </a:endParaRPr>
+          </a:p>
+        </p:txBody>
+      </p:sp>
+      <p:cxnSp>
+        <p:nvCxnSpPr>
+          <p:cNvPr id="16" name="Verbinder: gewinkelt 15">
+            <a:extLst>
+              <a:ext uri="{FF2B5EF4-FFF2-40B4-BE49-F238E27FC236}">
+                <a16:creationId xmlns:a16="http://schemas.microsoft.com/office/drawing/2014/main" id="{2C550244-D83A-49BF-9680-3855E85B4176}"/>
+              </a:ext>
+            </a:extLst>
+          </p:cNvPr>
+          <p:cNvCxnSpPr>
+            <a:cxnSpLocks/>
+            <a:stCxn id="8" idx="2"/>
+            <a:endCxn id="9" idx="0"/>
+          </p:cNvCxnSpPr>
+          <p:nvPr/>
+        </p:nvCxnSpPr>
+        <p:spPr>
+          <a:xfrm rot="5400000">
+            <a:off x="4314957" y="543469"/>
+            <a:ext cx="363137" cy="2983677"/>
+          </a:xfrm>
+          <a:prstGeom prst="bentConnector3">
+            <a:avLst>
+              <a:gd name="adj1" fmla="val 50000"/>
+            </a:avLst>
+          </a:prstGeom>
+          <a:ln w="28575">
+            <a:solidFill>
+              <a:schemeClr val="accent2"/>
+            </a:solidFill>
+            <a:tailEnd type="triangle"/>
+          </a:ln>
+        </p:spPr>
+        <p:style>
+          <a:lnRef idx="1">
+            <a:schemeClr val="accent1"/>
+          </a:lnRef>
+          <a:fillRef idx="0">
+            <a:schemeClr val="accent1"/>
+          </a:fillRef>
+          <a:effectRef idx="0">
+            <a:schemeClr val="accent1"/>
+          </a:effectRef>
+          <a:fontRef idx="minor">
+            <a:schemeClr val="tx1"/>
+          </a:fontRef>
+        </p:style>
+      </p:cxnSp>
+      <p:cxnSp>
+        <p:nvCxnSpPr>
+          <p:cNvPr id="19" name="Verbinder: gewinkelt 18">
+            <a:extLst>
+              <a:ext uri="{FF2B5EF4-FFF2-40B4-BE49-F238E27FC236}">
+                <a16:creationId xmlns:a16="http://schemas.microsoft.com/office/drawing/2014/main" id="{7748FED6-C547-4803-BE7A-144FA849F255}"/>
+              </a:ext>
+            </a:extLst>
+          </p:cNvPr>
+          <p:cNvCxnSpPr>
+            <a:cxnSpLocks/>
+            <a:stCxn id="8" idx="2"/>
+            <a:endCxn id="10" idx="0"/>
+          </p:cNvCxnSpPr>
+          <p:nvPr/>
+        </p:nvCxnSpPr>
+        <p:spPr>
+          <a:xfrm rot="16200000" flipH="1">
+            <a:off x="7246341" y="595760"/>
+            <a:ext cx="363137" cy="2879093"/>
+          </a:xfrm>
+          <a:prstGeom prst="bentConnector3">
+            <a:avLst>
+              <a:gd name="adj1" fmla="val 50000"/>
+            </a:avLst>
+          </a:prstGeom>
+          <a:ln w="28575">
+            <a:solidFill>
+              <a:schemeClr val="accent2"/>
+            </a:solidFill>
+            <a:tailEnd type="triangle"/>
+          </a:ln>
+        </p:spPr>
+        <p:style>
+          <a:lnRef idx="1">
+            <a:schemeClr val="accent1"/>
+          </a:lnRef>
+          <a:fillRef idx="0">
+            <a:schemeClr val="accent1"/>
+          </a:fillRef>
+          <a:effectRef idx="0">
+            <a:schemeClr val="accent1"/>
+          </a:effectRef>
+          <a:fontRef idx="minor">
+            <a:schemeClr val="tx1"/>
+          </a:fontRef>
+        </p:style>
+      </p:cxnSp>
+      <p:cxnSp>
+        <p:nvCxnSpPr>
+          <p:cNvPr id="22" name="Verbinder: gewinkelt 21">
+            <a:extLst>
+              <a:ext uri="{FF2B5EF4-FFF2-40B4-BE49-F238E27FC236}">
+                <a16:creationId xmlns:a16="http://schemas.microsoft.com/office/drawing/2014/main" id="{4F3C45E9-ACA8-48BC-83F5-790F12AA4FB8}"/>
+              </a:ext>
+            </a:extLst>
+          </p:cNvPr>
+          <p:cNvCxnSpPr>
+            <a:cxnSpLocks/>
+            <a:stCxn id="11" idx="2"/>
+            <a:endCxn id="25" idx="0"/>
+          </p:cNvCxnSpPr>
+          <p:nvPr/>
+        </p:nvCxnSpPr>
+        <p:spPr>
+          <a:xfrm rot="16200000" flipH="1">
+            <a:off x="4217070" y="2516242"/>
+            <a:ext cx="666544" cy="3091314"/>
+          </a:xfrm>
+          <a:prstGeom prst="bentConnector3">
+            <a:avLst>
+              <a:gd name="adj1" fmla="val 50000"/>
+            </a:avLst>
+          </a:prstGeom>
+          <a:ln w="28575">
+            <a:solidFill>
+              <a:schemeClr val="accent2"/>
+            </a:solidFill>
+            <a:tailEnd type="triangle"/>
+          </a:ln>
+        </p:spPr>
+        <p:style>
+          <a:lnRef idx="1">
+            <a:schemeClr val="accent1"/>
+          </a:lnRef>
+          <a:fillRef idx="0">
+            <a:schemeClr val="accent1"/>
+          </a:fillRef>
+          <a:effectRef idx="0">
+            <a:schemeClr val="accent1"/>
+          </a:effectRef>
+          <a:fontRef idx="minor">
+            <a:schemeClr val="tx1"/>
+          </a:fontRef>
+        </p:style>
+      </p:cxnSp>
+      <p:sp>
+        <p:nvSpPr>
+          <p:cNvPr id="25" name="Rechteck 24">
+            <a:extLst>
+              <a:ext uri="{FF2B5EF4-FFF2-40B4-BE49-F238E27FC236}">
+                <a16:creationId xmlns:a16="http://schemas.microsoft.com/office/drawing/2014/main" id="{BAD183B1-E15B-411F-9B28-A140008F83B0}"/>
+              </a:ext>
+            </a:extLst>
+          </p:cNvPr>
+          <p:cNvSpPr/>
+          <p:nvPr/>
+        </p:nvSpPr>
+        <p:spPr>
+          <a:xfrm>
+            <a:off x="4710270" y="4395171"/>
+            <a:ext cx="2771457" cy="491908"/>
+          </a:xfrm>
+          <a:prstGeom prst="rect">
+            <a:avLst/>
+          </a:prstGeom>
+          <a:noFill/>
+          <a:ln w="28575">
+            <a:solidFill>
+              <a:schemeClr val="accent1"/>
+            </a:solidFill>
+          </a:ln>
+        </p:spPr>
+        <p:style>
+          <a:lnRef idx="2">
+            <a:schemeClr val="accent1">
+              <a:shade val="50000"/>
+            </a:schemeClr>
+          </a:lnRef>
+          <a:fillRef idx="1">
+            <a:schemeClr val="accent1"/>
+          </a:fillRef>
+          <a:effectRef idx="0">
+            <a:schemeClr val="accent1"/>
+          </a:effectRef>
+          <a:fontRef idx="minor">
+            <a:schemeClr val="lt1"/>
+          </a:fontRef>
+        </p:style>
+        <p:txBody>
+          <a:bodyPr rtlCol="0" anchor="ctr"/>
+          <a:lstStyle/>
+          <a:p>
+            <a:pPr algn="ctr"/>
+            <a:r>
+              <a:rPr lang="de-DE" dirty="0" err="1">
+                <a:solidFill>
+                  <a:sysClr val="windowText" lastClr="000000"/>
+                </a:solidFill>
+              </a:rPr>
+              <a:t>Marriage</a:t>
+            </a:r>
+            <a:r>
+              <a:rPr lang="de-DE" dirty="0">
+                <a:solidFill>
+                  <a:sysClr val="windowText" lastClr="000000"/>
+                </a:solidFill>
+              </a:rPr>
+              <a:t> and </a:t>
+            </a:r>
+            <a:r>
+              <a:rPr lang="de-DE" dirty="0" err="1">
+                <a:solidFill>
+                  <a:sysClr val="windowText" lastClr="000000"/>
+                </a:solidFill>
+              </a:rPr>
+              <a:t>error</a:t>
+            </a:r>
+            <a:r>
+              <a:rPr lang="de-DE" dirty="0">
+                <a:solidFill>
+                  <a:sysClr val="windowText" lastClr="000000"/>
+                </a:solidFill>
+              </a:rPr>
+              <a:t> </a:t>
+            </a:r>
+            <a:r>
+              <a:rPr lang="de-DE" dirty="0" err="1">
+                <a:solidFill>
+                  <a:sysClr val="windowText" lastClr="000000"/>
+                </a:solidFill>
+              </a:rPr>
+              <a:t>fixing</a:t>
+            </a:r>
+            <a:endParaRPr lang="en-US" dirty="0">
+              <a:solidFill>
+                <a:sysClr val="windowText" lastClr="000000"/>
+              </a:solidFill>
+            </a:endParaRPr>
+          </a:p>
+        </p:txBody>
+      </p:sp>
+      <p:cxnSp>
+        <p:nvCxnSpPr>
+          <p:cNvPr id="27" name="Verbinder: gewinkelt 26">
+            <a:extLst>
+              <a:ext uri="{FF2B5EF4-FFF2-40B4-BE49-F238E27FC236}">
+                <a16:creationId xmlns:a16="http://schemas.microsoft.com/office/drawing/2014/main" id="{31D62F6F-3109-4CCB-A16A-655A7ED477CD}"/>
+              </a:ext>
+            </a:extLst>
+          </p:cNvPr>
+          <p:cNvCxnSpPr>
+            <a:cxnSpLocks/>
+            <a:stCxn id="13" idx="2"/>
+            <a:endCxn id="25" idx="0"/>
+          </p:cNvCxnSpPr>
+          <p:nvPr/>
+        </p:nvCxnSpPr>
+        <p:spPr>
+          <a:xfrm rot="5400000">
+            <a:off x="7148456" y="2676171"/>
+            <a:ext cx="666544" cy="2771457"/>
+          </a:xfrm>
+          <a:prstGeom prst="bentConnector3">
+            <a:avLst>
+              <a:gd name="adj1" fmla="val 50000"/>
+            </a:avLst>
+          </a:prstGeom>
+          <a:ln w="28575">
+            <a:solidFill>
+              <a:schemeClr val="accent2"/>
+            </a:solidFill>
+            <a:tailEnd type="triangle"/>
+          </a:ln>
+        </p:spPr>
+        <p:style>
+          <a:lnRef idx="1">
+            <a:schemeClr val="accent1"/>
+          </a:lnRef>
+          <a:fillRef idx="0">
+            <a:schemeClr val="accent1"/>
+          </a:fillRef>
+          <a:effectRef idx="0">
+            <a:schemeClr val="accent1"/>
+          </a:effectRef>
+          <a:fontRef idx="minor">
+            <a:schemeClr val="tx1"/>
+          </a:fontRef>
+        </p:style>
+      </p:cxnSp>
+      <p:sp>
+        <p:nvSpPr>
+          <p:cNvPr id="30" name="Rechteck 29">
+            <a:extLst>
+              <a:ext uri="{FF2B5EF4-FFF2-40B4-BE49-F238E27FC236}">
+                <a16:creationId xmlns:a16="http://schemas.microsoft.com/office/drawing/2014/main" id="{8E98BFBE-1552-4A07-9CBB-484DC321D9FA}"/>
+              </a:ext>
+            </a:extLst>
+          </p:cNvPr>
+          <p:cNvSpPr/>
+          <p:nvPr/>
+        </p:nvSpPr>
+        <p:spPr>
+          <a:xfrm>
+            <a:off x="4710270" y="5250215"/>
+            <a:ext cx="2771457" cy="491908"/>
+          </a:xfrm>
+          <a:prstGeom prst="rect">
+            <a:avLst/>
+          </a:prstGeom>
+          <a:noFill/>
+          <a:ln w="28575">
+            <a:solidFill>
+              <a:schemeClr val="accent1"/>
+            </a:solidFill>
+          </a:ln>
+        </p:spPr>
+        <p:style>
+          <a:lnRef idx="2">
+            <a:schemeClr val="accent1">
+              <a:shade val="50000"/>
+            </a:schemeClr>
+          </a:lnRef>
+          <a:fillRef idx="1">
+            <a:schemeClr val="accent1"/>
+          </a:fillRef>
+          <a:effectRef idx="0">
+            <a:schemeClr val="accent1"/>
+          </a:effectRef>
+          <a:fontRef idx="minor">
+            <a:schemeClr val="lt1"/>
+          </a:fontRef>
+        </p:style>
+        <p:txBody>
+          <a:bodyPr rtlCol="0" anchor="ctr"/>
+          <a:lstStyle/>
+          <a:p>
+            <a:pPr algn="ctr"/>
+            <a:r>
+              <a:rPr lang="de-DE" dirty="0">
+                <a:solidFill>
+                  <a:sysClr val="windowText" lastClr="000000"/>
+                </a:solidFill>
+              </a:rPr>
+              <a:t>Final </a:t>
+            </a:r>
+            <a:r>
+              <a:rPr lang="de-DE" dirty="0" err="1">
+                <a:solidFill>
+                  <a:sysClr val="windowText" lastClr="000000"/>
+                </a:solidFill>
+              </a:rPr>
+              <a:t>solver</a:t>
+            </a:r>
+            <a:endParaRPr lang="en-US" dirty="0">
+              <a:solidFill>
+                <a:sysClr val="windowText" lastClr="000000"/>
+              </a:solidFill>
+            </a:endParaRPr>
+          </a:p>
+        </p:txBody>
+      </p:sp>
+      <p:cxnSp>
+        <p:nvCxnSpPr>
+          <p:cNvPr id="36" name="Gerade Verbindung mit Pfeil 35">
+            <a:extLst>
+              <a:ext uri="{FF2B5EF4-FFF2-40B4-BE49-F238E27FC236}">
+                <a16:creationId xmlns:a16="http://schemas.microsoft.com/office/drawing/2014/main" id="{C6271A4A-80D5-4F33-84A3-2919D260BF09}"/>
+              </a:ext>
+            </a:extLst>
+          </p:cNvPr>
+          <p:cNvCxnSpPr>
+            <a:stCxn id="25" idx="2"/>
+            <a:endCxn id="30" idx="0"/>
+          </p:cNvCxnSpPr>
+          <p:nvPr/>
+        </p:nvCxnSpPr>
+        <p:spPr>
+          <a:xfrm>
+            <a:off x="6095999" y="4887079"/>
+            <a:ext cx="0" cy="363136"/>
+          </a:xfrm>
+          <a:prstGeom prst="straightConnector1">
+            <a:avLst/>
+          </a:prstGeom>
+          <a:ln w="28575">
+            <a:solidFill>
+              <a:schemeClr val="accent2"/>
+            </a:solidFill>
+            <a:tailEnd type="triangle"/>
+          </a:ln>
+        </p:spPr>
+        <p:style>
+          <a:lnRef idx="1">
+            <a:schemeClr val="accent1"/>
+          </a:lnRef>
+          <a:fillRef idx="0">
+            <a:schemeClr val="accent1"/>
+          </a:fillRef>
+          <a:effectRef idx="0">
+            <a:schemeClr val="accent1"/>
+          </a:effectRef>
+          <a:fontRef idx="minor">
+            <a:schemeClr val="tx1"/>
+          </a:fontRef>
+        </p:style>
+      </p:cxnSp>
     </p:spTree>
     <p:extLst>
       <p:ext uri="{BB962C8B-B14F-4D97-AF65-F5344CB8AC3E}">
@@ -4359,6 +7024,449 @@
   <p:clrMapOvr>
     <a:masterClrMapping/>
   </p:clrMapOvr>
+  <p:timing>
+    <p:tnLst>
+      <p:par>
+        <p:cTn id="1" dur="indefinite" restart="never" nodeType="tmRoot">
+          <p:childTnLst>
+            <p:seq concurrent="1" nextAc="seek">
+              <p:cTn id="2" dur="indefinite" nodeType="mainSeq">
+                <p:childTnLst>
+                  <p:par>
+                    <p:cTn id="3" fill="hold">
+                      <p:stCondLst>
+                        <p:cond delay="indefinite"/>
+                      </p:stCondLst>
+                      <p:childTnLst>
+                        <p:par>
+                          <p:cTn id="4" fill="hold">
+                            <p:stCondLst>
+                              <p:cond delay="0"/>
+                            </p:stCondLst>
+                            <p:childTnLst>
+                              <p:par>
+                                <p:cTn id="5" presetID="1" presetClass="entr" presetSubtype="0" fill="hold" nodeType="clickEffect">
+                                  <p:stCondLst>
+                                    <p:cond delay="0"/>
+                                  </p:stCondLst>
+                                  <p:childTnLst>
+                                    <p:set>
+                                      <p:cBhvr>
+                                        <p:cTn id="6" dur="1" fill="hold">
+                                          <p:stCondLst>
+                                            <p:cond delay="0"/>
+                                          </p:stCondLst>
+                                        </p:cTn>
+                                        <p:tgtEl>
+                                          <p:spTgt spid="16"/>
+                                        </p:tgtEl>
+                                        <p:attrNameLst>
+                                          <p:attrName>style.visibility</p:attrName>
+                                        </p:attrNameLst>
+                                      </p:cBhvr>
+                                      <p:to>
+                                        <p:strVal val="visible"/>
+                                      </p:to>
+                                    </p:set>
+                                  </p:childTnLst>
+                                </p:cTn>
+                              </p:par>
+                              <p:par>
+                                <p:cTn id="7" presetID="1" presetClass="entr" presetSubtype="0" fill="hold" grpId="0" nodeType="withEffect">
+                                  <p:stCondLst>
+                                    <p:cond delay="0"/>
+                                  </p:stCondLst>
+                                  <p:childTnLst>
+                                    <p:set>
+                                      <p:cBhvr>
+                                        <p:cTn id="8" dur="1" fill="hold">
+                                          <p:stCondLst>
+                                            <p:cond delay="0"/>
+                                          </p:stCondLst>
+                                        </p:cTn>
+                                        <p:tgtEl>
+                                          <p:spTgt spid="9"/>
+                                        </p:tgtEl>
+                                        <p:attrNameLst>
+                                          <p:attrName>style.visibility</p:attrName>
+                                        </p:attrNameLst>
+                                      </p:cBhvr>
+                                      <p:to>
+                                        <p:strVal val="visible"/>
+                                      </p:to>
+                                    </p:set>
+                                  </p:childTnLst>
+                                </p:cTn>
+                              </p:par>
+                            </p:childTnLst>
+                          </p:cTn>
+                        </p:par>
+                      </p:childTnLst>
+                    </p:cTn>
+                  </p:par>
+                  <p:par>
+                    <p:cTn id="9" fill="hold">
+                      <p:stCondLst>
+                        <p:cond delay="indefinite"/>
+                      </p:stCondLst>
+                      <p:childTnLst>
+                        <p:par>
+                          <p:cTn id="10" fill="hold">
+                            <p:stCondLst>
+                              <p:cond delay="0"/>
+                            </p:stCondLst>
+                            <p:childTnLst>
+                              <p:par>
+                                <p:cTn id="11" presetID="1" presetClass="entr" presetSubtype="0" fill="hold" nodeType="clickEffect">
+                                  <p:stCondLst>
+                                    <p:cond delay="0"/>
+                                  </p:stCondLst>
+                                  <p:childTnLst>
+                                    <p:set>
+                                      <p:cBhvr>
+                                        <p:cTn id="12" dur="1" fill="hold">
+                                          <p:stCondLst>
+                                            <p:cond delay="0"/>
+                                          </p:stCondLst>
+                                        </p:cTn>
+                                        <p:tgtEl>
+                                          <p:spTgt spid="19"/>
+                                        </p:tgtEl>
+                                        <p:attrNameLst>
+                                          <p:attrName>style.visibility</p:attrName>
+                                        </p:attrNameLst>
+                                      </p:cBhvr>
+                                      <p:to>
+                                        <p:strVal val="visible"/>
+                                      </p:to>
+                                    </p:set>
+                                  </p:childTnLst>
+                                </p:cTn>
+                              </p:par>
+                              <p:par>
+                                <p:cTn id="13" presetID="1" presetClass="entr" presetSubtype="0" fill="hold" grpId="0" nodeType="withEffect">
+                                  <p:stCondLst>
+                                    <p:cond delay="0"/>
+                                  </p:stCondLst>
+                                  <p:childTnLst>
+                                    <p:set>
+                                      <p:cBhvr>
+                                        <p:cTn id="14" dur="1" fill="hold">
+                                          <p:stCondLst>
+                                            <p:cond delay="0"/>
+                                          </p:stCondLst>
+                                        </p:cTn>
+                                        <p:tgtEl>
+                                          <p:spTgt spid="10"/>
+                                        </p:tgtEl>
+                                        <p:attrNameLst>
+                                          <p:attrName>style.visibility</p:attrName>
+                                        </p:attrNameLst>
+                                      </p:cBhvr>
+                                      <p:to>
+                                        <p:strVal val="visible"/>
+                                      </p:to>
+                                    </p:set>
+                                  </p:childTnLst>
+                                </p:cTn>
+                              </p:par>
+                            </p:childTnLst>
+                          </p:cTn>
+                        </p:par>
+                      </p:childTnLst>
+                    </p:cTn>
+                  </p:par>
+                  <p:par>
+                    <p:cTn id="15" fill="hold">
+                      <p:stCondLst>
+                        <p:cond delay="indefinite"/>
+                      </p:stCondLst>
+                      <p:childTnLst>
+                        <p:par>
+                          <p:cTn id="16" fill="hold">
+                            <p:stCondLst>
+                              <p:cond delay="0"/>
+                            </p:stCondLst>
+                            <p:childTnLst>
+                              <p:par>
+                                <p:cTn id="17" presetID="1" presetClass="entr" presetSubtype="0" fill="hold" grpId="0" nodeType="clickEffect">
+                                  <p:stCondLst>
+                                    <p:cond delay="0"/>
+                                  </p:stCondLst>
+                                  <p:childTnLst>
+                                    <p:set>
+                                      <p:cBhvr>
+                                        <p:cTn id="18" dur="1" fill="hold">
+                                          <p:stCondLst>
+                                            <p:cond delay="0"/>
+                                          </p:stCondLst>
+                                        </p:cTn>
+                                        <p:tgtEl>
+                                          <p:spTgt spid="11"/>
+                                        </p:tgtEl>
+                                        <p:attrNameLst>
+                                          <p:attrName>style.visibility</p:attrName>
+                                        </p:attrNameLst>
+                                      </p:cBhvr>
+                                      <p:to>
+                                        <p:strVal val="visible"/>
+                                      </p:to>
+                                    </p:set>
+                                  </p:childTnLst>
+                                </p:cTn>
+                              </p:par>
+                            </p:childTnLst>
+                          </p:cTn>
+                        </p:par>
+                      </p:childTnLst>
+                    </p:cTn>
+                  </p:par>
+                  <p:par>
+                    <p:cTn id="19" fill="hold">
+                      <p:stCondLst>
+                        <p:cond delay="indefinite"/>
+                      </p:stCondLst>
+                      <p:childTnLst>
+                        <p:par>
+                          <p:cTn id="20" fill="hold">
+                            <p:stCondLst>
+                              <p:cond delay="0"/>
+                            </p:stCondLst>
+                            <p:childTnLst>
+                              <p:par>
+                                <p:cTn id="21" presetID="1" presetClass="entr" presetSubtype="0" fill="hold" grpId="0" nodeType="clickEffect">
+                                  <p:stCondLst>
+                                    <p:cond delay="0"/>
+                                  </p:stCondLst>
+                                  <p:childTnLst>
+                                    <p:set>
+                                      <p:cBhvr>
+                                        <p:cTn id="22" dur="1" fill="hold">
+                                          <p:stCondLst>
+                                            <p:cond delay="0"/>
+                                          </p:stCondLst>
+                                        </p:cTn>
+                                        <p:tgtEl>
+                                          <p:spTgt spid="13"/>
+                                        </p:tgtEl>
+                                        <p:attrNameLst>
+                                          <p:attrName>style.visibility</p:attrName>
+                                        </p:attrNameLst>
+                                      </p:cBhvr>
+                                      <p:to>
+                                        <p:strVal val="visible"/>
+                                      </p:to>
+                                    </p:set>
+                                  </p:childTnLst>
+                                </p:cTn>
+                              </p:par>
+                            </p:childTnLst>
+                          </p:cTn>
+                        </p:par>
+                      </p:childTnLst>
+                    </p:cTn>
+                  </p:par>
+                  <p:par>
+                    <p:cTn id="23" fill="hold">
+                      <p:stCondLst>
+                        <p:cond delay="indefinite"/>
+                      </p:stCondLst>
+                      <p:childTnLst>
+                        <p:par>
+                          <p:cTn id="24" fill="hold">
+                            <p:stCondLst>
+                              <p:cond delay="0"/>
+                            </p:stCondLst>
+                            <p:childTnLst>
+                              <p:par>
+                                <p:cTn id="25" presetID="1" presetClass="entr" presetSubtype="0" fill="hold" grpId="0" nodeType="clickEffect">
+                                  <p:stCondLst>
+                                    <p:cond delay="0"/>
+                                  </p:stCondLst>
+                                  <p:childTnLst>
+                                    <p:set>
+                                      <p:cBhvr>
+                                        <p:cTn id="26" dur="1" fill="hold">
+                                          <p:stCondLst>
+                                            <p:cond delay="0"/>
+                                          </p:stCondLst>
+                                        </p:cTn>
+                                        <p:tgtEl>
+                                          <p:spTgt spid="25"/>
+                                        </p:tgtEl>
+                                        <p:attrNameLst>
+                                          <p:attrName>style.visibility</p:attrName>
+                                        </p:attrNameLst>
+                                      </p:cBhvr>
+                                      <p:to>
+                                        <p:strVal val="visible"/>
+                                      </p:to>
+                                    </p:set>
+                                  </p:childTnLst>
+                                </p:cTn>
+                              </p:par>
+                              <p:par>
+                                <p:cTn id="27" presetID="1" presetClass="entr" presetSubtype="0" fill="hold" nodeType="withEffect">
+                                  <p:stCondLst>
+                                    <p:cond delay="0"/>
+                                  </p:stCondLst>
+                                  <p:childTnLst>
+                                    <p:set>
+                                      <p:cBhvr>
+                                        <p:cTn id="28" dur="1" fill="hold">
+                                          <p:stCondLst>
+                                            <p:cond delay="0"/>
+                                          </p:stCondLst>
+                                        </p:cTn>
+                                        <p:tgtEl>
+                                          <p:spTgt spid="27"/>
+                                        </p:tgtEl>
+                                        <p:attrNameLst>
+                                          <p:attrName>style.visibility</p:attrName>
+                                        </p:attrNameLst>
+                                      </p:cBhvr>
+                                      <p:to>
+                                        <p:strVal val="visible"/>
+                                      </p:to>
+                                    </p:set>
+                                  </p:childTnLst>
+                                </p:cTn>
+                              </p:par>
+                              <p:par>
+                                <p:cTn id="29" presetID="1" presetClass="entr" presetSubtype="0" fill="hold" nodeType="withEffect">
+                                  <p:stCondLst>
+                                    <p:cond delay="0"/>
+                                  </p:stCondLst>
+                                  <p:childTnLst>
+                                    <p:set>
+                                      <p:cBhvr>
+                                        <p:cTn id="30" dur="1" fill="hold">
+                                          <p:stCondLst>
+                                            <p:cond delay="0"/>
+                                          </p:stCondLst>
+                                        </p:cTn>
+                                        <p:tgtEl>
+                                          <p:spTgt spid="22"/>
+                                        </p:tgtEl>
+                                        <p:attrNameLst>
+                                          <p:attrName>style.visibility</p:attrName>
+                                        </p:attrNameLst>
+                                      </p:cBhvr>
+                                      <p:to>
+                                        <p:strVal val="visible"/>
+                                      </p:to>
+                                    </p:set>
+                                  </p:childTnLst>
+                                </p:cTn>
+                              </p:par>
+                            </p:childTnLst>
+                          </p:cTn>
+                        </p:par>
+                      </p:childTnLst>
+                    </p:cTn>
+                  </p:par>
+                  <p:par>
+                    <p:cTn id="31" fill="hold">
+                      <p:stCondLst>
+                        <p:cond delay="indefinite"/>
+                      </p:stCondLst>
+                      <p:childTnLst>
+                        <p:par>
+                          <p:cTn id="32" fill="hold">
+                            <p:stCondLst>
+                              <p:cond delay="0"/>
+                            </p:stCondLst>
+                            <p:childTnLst>
+                              <p:par>
+                                <p:cTn id="33" presetID="1" presetClass="entr" presetSubtype="0" fill="hold" nodeType="clickEffect">
+                                  <p:stCondLst>
+                                    <p:cond delay="0"/>
+                                  </p:stCondLst>
+                                  <p:childTnLst>
+                                    <p:set>
+                                      <p:cBhvr>
+                                        <p:cTn id="34" dur="1" fill="hold">
+                                          <p:stCondLst>
+                                            <p:cond delay="0"/>
+                                          </p:stCondLst>
+                                        </p:cTn>
+                                        <p:tgtEl>
+                                          <p:spTgt spid="36"/>
+                                        </p:tgtEl>
+                                        <p:attrNameLst>
+                                          <p:attrName>style.visibility</p:attrName>
+                                        </p:attrNameLst>
+                                      </p:cBhvr>
+                                      <p:to>
+                                        <p:strVal val="visible"/>
+                                      </p:to>
+                                    </p:set>
+                                  </p:childTnLst>
+                                </p:cTn>
+                              </p:par>
+                              <p:par>
+                                <p:cTn id="35" presetID="1" presetClass="entr" presetSubtype="0" fill="hold" grpId="0" nodeType="withEffect">
+                                  <p:stCondLst>
+                                    <p:cond delay="0"/>
+                                  </p:stCondLst>
+                                  <p:childTnLst>
+                                    <p:set>
+                                      <p:cBhvr>
+                                        <p:cTn id="36" dur="1" fill="hold">
+                                          <p:stCondLst>
+                                            <p:cond delay="0"/>
+                                          </p:stCondLst>
+                                        </p:cTn>
+                                        <p:tgtEl>
+                                          <p:spTgt spid="30"/>
+                                        </p:tgtEl>
+                                        <p:attrNameLst>
+                                          <p:attrName>style.visibility</p:attrName>
+                                        </p:attrNameLst>
+                                      </p:cBhvr>
+                                      <p:to>
+                                        <p:strVal val="visible"/>
+                                      </p:to>
+                                    </p:set>
+                                  </p:childTnLst>
+                                </p:cTn>
+                              </p:par>
+                            </p:childTnLst>
+                          </p:cTn>
+                        </p:par>
+                      </p:childTnLst>
+                    </p:cTn>
+                  </p:par>
+                </p:childTnLst>
+              </p:cTn>
+              <p:prevCondLst>
+                <p:cond evt="onPrev" delay="0">
+                  <p:tgtEl>
+                    <p:sldTgt/>
+                  </p:tgtEl>
+                </p:cond>
+              </p:prevCondLst>
+              <p:nextCondLst>
+                <p:cond evt="onNext" delay="0">
+                  <p:tgtEl>
+                    <p:sldTgt/>
+                  </p:tgtEl>
+                </p:cond>
+              </p:nextCondLst>
+            </p:seq>
+          </p:childTnLst>
+        </p:cTn>
+      </p:par>
+    </p:tnLst>
+    <p:bldLst>
+      <p:bldP spid="9" grpId="0" animBg="1"/>
+      <p:bldP spid="10" grpId="0" animBg="1"/>
+      <p:bldP spid="11" grpId="0" animBg="1"/>
+      <p:bldP spid="13" grpId="0" animBg="1"/>
+      <p:bldP spid="25" grpId="0" animBg="1"/>
+      <p:bldP spid="30" grpId="0" animBg="1"/>
+    </p:bldLst>
+  </p:timing>
 </p:sld>
 </file>
 
@@ -4554,31 +7662,1707 @@
           </a:p>
         </p:txBody>
       </p:sp>
+      <p:grpSp>
+        <p:nvGrpSpPr>
+          <p:cNvPr id="26" name="Gruppieren 25">
+            <a:extLst>
+              <a:ext uri="{FF2B5EF4-FFF2-40B4-BE49-F238E27FC236}">
+                <a16:creationId xmlns:a16="http://schemas.microsoft.com/office/drawing/2014/main" id="{73FDE8D0-AE93-4B34-9D10-33D5E4CD8EB4}"/>
+              </a:ext>
+            </a:extLst>
+          </p:cNvPr>
+          <p:cNvGrpSpPr/>
+          <p:nvPr/>
+        </p:nvGrpSpPr>
+        <p:grpSpPr>
+          <a:xfrm>
+            <a:off x="269507" y="1642091"/>
+            <a:ext cx="2814232" cy="1984451"/>
+            <a:chOff x="269507" y="1642091"/>
+            <a:chExt cx="2814232" cy="1984451"/>
+          </a:xfrm>
+        </p:grpSpPr>
+        <p:grpSp>
+          <p:nvGrpSpPr>
+            <p:cNvPr id="12" name="Gruppieren 11">
+              <a:extLst>
+                <a:ext uri="{FF2B5EF4-FFF2-40B4-BE49-F238E27FC236}">
+                  <a16:creationId xmlns:a16="http://schemas.microsoft.com/office/drawing/2014/main" id="{B20E27EE-B597-4C38-AE1D-340A193B71FF}"/>
+                </a:ext>
+              </a:extLst>
+            </p:cNvPr>
+            <p:cNvGrpSpPr/>
+            <p:nvPr/>
+          </p:nvGrpSpPr>
+          <p:grpSpPr>
+            <a:xfrm>
+              <a:off x="943275" y="1642091"/>
+              <a:ext cx="644893" cy="784459"/>
+              <a:chOff x="1799924" y="2950143"/>
+              <a:chExt cx="644893" cy="784459"/>
+            </a:xfrm>
+          </p:grpSpPr>
+          <p:sp>
+            <p:nvSpPr>
+              <p:cNvPr id="8" name="Rechteck 7">
+                <a:extLst>
+                  <a:ext uri="{FF2B5EF4-FFF2-40B4-BE49-F238E27FC236}">
+                    <a16:creationId xmlns:a16="http://schemas.microsoft.com/office/drawing/2014/main" id="{A198E91C-C181-4A8E-B976-416688292AAC}"/>
+                  </a:ext>
+                </a:extLst>
+              </p:cNvPr>
+              <p:cNvSpPr/>
+              <p:nvPr/>
+            </p:nvSpPr>
+            <p:spPr>
+              <a:xfrm>
+                <a:off x="1799924" y="2954956"/>
+                <a:ext cx="644893" cy="779646"/>
+              </a:xfrm>
+              <a:prstGeom prst="rect">
+                <a:avLst/>
+              </a:prstGeom>
+              <a:solidFill>
+                <a:schemeClr val="bg1"/>
+              </a:solidFill>
+              <a:ln>
+                <a:solidFill>
+                  <a:schemeClr val="tx1"/>
+                </a:solidFill>
+              </a:ln>
+            </p:spPr>
+            <p:style>
+              <a:lnRef idx="2">
+                <a:schemeClr val="accent1">
+                  <a:shade val="50000"/>
+                </a:schemeClr>
+              </a:lnRef>
+              <a:fillRef idx="1">
+                <a:schemeClr val="accent1"/>
+              </a:fillRef>
+              <a:effectRef idx="0">
+                <a:schemeClr val="accent1"/>
+              </a:effectRef>
+              <a:fontRef idx="minor">
+                <a:schemeClr val="lt1"/>
+              </a:fontRef>
+            </p:style>
+            <p:txBody>
+              <a:bodyPr rtlCol="0" anchor="ctr"/>
+              <a:lstStyle/>
+              <a:p>
+                <a:pPr algn="ctr"/>
+                <a:endParaRPr lang="en-US"/>
+              </a:p>
+            </p:txBody>
+          </p:sp>
+          <p:sp>
+            <p:nvSpPr>
+              <p:cNvPr id="9" name="Rechteck 8">
+                <a:extLst>
+                  <a:ext uri="{FF2B5EF4-FFF2-40B4-BE49-F238E27FC236}">
+                    <a16:creationId xmlns:a16="http://schemas.microsoft.com/office/drawing/2014/main" id="{27D84A86-E108-4E88-A1A6-5BBB634B466D}"/>
+                  </a:ext>
+                </a:extLst>
+              </p:cNvPr>
+              <p:cNvSpPr/>
+              <p:nvPr/>
+            </p:nvSpPr>
+            <p:spPr>
+              <a:xfrm>
+                <a:off x="2281187" y="2950143"/>
+                <a:ext cx="163630" cy="182880"/>
+              </a:xfrm>
+              <a:prstGeom prst="rect">
+                <a:avLst/>
+              </a:prstGeom>
+              <a:solidFill>
+                <a:schemeClr val="bg1"/>
+              </a:solidFill>
+              <a:ln>
+                <a:solidFill>
+                  <a:schemeClr val="bg1"/>
+                </a:solidFill>
+              </a:ln>
+            </p:spPr>
+            <p:style>
+              <a:lnRef idx="2">
+                <a:schemeClr val="accent1">
+                  <a:shade val="50000"/>
+                </a:schemeClr>
+              </a:lnRef>
+              <a:fillRef idx="1">
+                <a:schemeClr val="accent1"/>
+              </a:fillRef>
+              <a:effectRef idx="0">
+                <a:schemeClr val="accent1"/>
+              </a:effectRef>
+              <a:fontRef idx="minor">
+                <a:schemeClr val="lt1"/>
+              </a:fontRef>
+            </p:style>
+            <p:txBody>
+              <a:bodyPr rtlCol="0" anchor="ctr"/>
+              <a:lstStyle/>
+              <a:p>
+                <a:pPr algn="ctr"/>
+                <a:endParaRPr lang="en-US"/>
+              </a:p>
+            </p:txBody>
+          </p:sp>
+          <p:sp>
+            <p:nvSpPr>
+              <p:cNvPr id="10" name="Gleichschenkliges Dreieck 9">
+                <a:extLst>
+                  <a:ext uri="{FF2B5EF4-FFF2-40B4-BE49-F238E27FC236}">
+                    <a16:creationId xmlns:a16="http://schemas.microsoft.com/office/drawing/2014/main" id="{49A03904-2D20-4A2C-918F-54DEF1F2C7B5}"/>
+                  </a:ext>
+                </a:extLst>
+              </p:cNvPr>
+              <p:cNvSpPr/>
+              <p:nvPr/>
+            </p:nvSpPr>
+            <p:spPr>
+              <a:xfrm rot="13669646">
+                <a:off x="2193470" y="3021568"/>
+                <a:ext cx="246994" cy="121271"/>
+              </a:xfrm>
+              <a:prstGeom prst="triangle">
+                <a:avLst>
+                  <a:gd name="adj" fmla="val 45006"/>
+                </a:avLst>
+              </a:prstGeom>
+              <a:solidFill>
+                <a:schemeClr val="bg1"/>
+              </a:solidFill>
+              <a:ln>
+                <a:solidFill>
+                  <a:schemeClr val="tx1"/>
+                </a:solidFill>
+              </a:ln>
+            </p:spPr>
+            <p:style>
+              <a:lnRef idx="2">
+                <a:schemeClr val="accent1">
+                  <a:shade val="50000"/>
+                </a:schemeClr>
+              </a:lnRef>
+              <a:fillRef idx="1">
+                <a:schemeClr val="accent1"/>
+              </a:fillRef>
+              <a:effectRef idx="0">
+                <a:schemeClr val="accent1"/>
+              </a:effectRef>
+              <a:fontRef idx="minor">
+                <a:schemeClr val="lt1"/>
+              </a:fontRef>
+            </p:style>
+            <p:txBody>
+              <a:bodyPr rtlCol="0" anchor="ctr"/>
+              <a:lstStyle/>
+              <a:p>
+                <a:pPr algn="ctr"/>
+                <a:endParaRPr lang="en-US"/>
+              </a:p>
+            </p:txBody>
+          </p:sp>
+        </p:grpSp>
+        <p:grpSp>
+          <p:nvGrpSpPr>
+            <p:cNvPr id="17" name="Gruppieren 16">
+              <a:extLst>
+                <a:ext uri="{FF2B5EF4-FFF2-40B4-BE49-F238E27FC236}">
+                  <a16:creationId xmlns:a16="http://schemas.microsoft.com/office/drawing/2014/main" id="{435572E2-DECF-4B6B-A20D-30457E6E9493}"/>
+                </a:ext>
+              </a:extLst>
+            </p:cNvPr>
+            <p:cNvGrpSpPr/>
+            <p:nvPr/>
+          </p:nvGrpSpPr>
+          <p:grpSpPr>
+            <a:xfrm>
+              <a:off x="1183906" y="1945896"/>
+              <a:ext cx="644893" cy="784459"/>
+              <a:chOff x="1799924" y="2950143"/>
+              <a:chExt cx="644893" cy="784459"/>
+            </a:xfrm>
+          </p:grpSpPr>
+          <p:sp>
+            <p:nvSpPr>
+              <p:cNvPr id="18" name="Rechteck 17">
+                <a:extLst>
+                  <a:ext uri="{FF2B5EF4-FFF2-40B4-BE49-F238E27FC236}">
+                    <a16:creationId xmlns:a16="http://schemas.microsoft.com/office/drawing/2014/main" id="{6F2A0B76-2201-49A0-A554-F95848B6BE4F}"/>
+                  </a:ext>
+                </a:extLst>
+              </p:cNvPr>
+              <p:cNvSpPr/>
+              <p:nvPr/>
+            </p:nvSpPr>
+            <p:spPr>
+              <a:xfrm>
+                <a:off x="1799924" y="2954956"/>
+                <a:ext cx="644893" cy="779646"/>
+              </a:xfrm>
+              <a:prstGeom prst="rect">
+                <a:avLst/>
+              </a:prstGeom>
+              <a:solidFill>
+                <a:schemeClr val="bg1"/>
+              </a:solidFill>
+              <a:ln>
+                <a:solidFill>
+                  <a:schemeClr val="tx1"/>
+                </a:solidFill>
+              </a:ln>
+            </p:spPr>
+            <p:style>
+              <a:lnRef idx="2">
+                <a:schemeClr val="accent1">
+                  <a:shade val="50000"/>
+                </a:schemeClr>
+              </a:lnRef>
+              <a:fillRef idx="1">
+                <a:schemeClr val="accent1"/>
+              </a:fillRef>
+              <a:effectRef idx="0">
+                <a:schemeClr val="accent1"/>
+              </a:effectRef>
+              <a:fontRef idx="minor">
+                <a:schemeClr val="lt1"/>
+              </a:fontRef>
+            </p:style>
+            <p:txBody>
+              <a:bodyPr rtlCol="0" anchor="ctr"/>
+              <a:lstStyle/>
+              <a:p>
+                <a:pPr algn="ctr"/>
+                <a:endParaRPr lang="en-US"/>
+              </a:p>
+            </p:txBody>
+          </p:sp>
+          <p:sp>
+            <p:nvSpPr>
+              <p:cNvPr id="19" name="Rechteck 18">
+                <a:extLst>
+                  <a:ext uri="{FF2B5EF4-FFF2-40B4-BE49-F238E27FC236}">
+                    <a16:creationId xmlns:a16="http://schemas.microsoft.com/office/drawing/2014/main" id="{4DD12795-3183-4445-99F8-7C28D2C89002}"/>
+                  </a:ext>
+                </a:extLst>
+              </p:cNvPr>
+              <p:cNvSpPr/>
+              <p:nvPr/>
+            </p:nvSpPr>
+            <p:spPr>
+              <a:xfrm>
+                <a:off x="2281187" y="2950143"/>
+                <a:ext cx="163630" cy="182880"/>
+              </a:xfrm>
+              <a:prstGeom prst="rect">
+                <a:avLst/>
+              </a:prstGeom>
+              <a:solidFill>
+                <a:schemeClr val="bg1"/>
+              </a:solidFill>
+              <a:ln>
+                <a:solidFill>
+                  <a:schemeClr val="bg1"/>
+                </a:solidFill>
+              </a:ln>
+            </p:spPr>
+            <p:style>
+              <a:lnRef idx="2">
+                <a:schemeClr val="accent1">
+                  <a:shade val="50000"/>
+                </a:schemeClr>
+              </a:lnRef>
+              <a:fillRef idx="1">
+                <a:schemeClr val="accent1"/>
+              </a:fillRef>
+              <a:effectRef idx="0">
+                <a:schemeClr val="accent1"/>
+              </a:effectRef>
+              <a:fontRef idx="minor">
+                <a:schemeClr val="lt1"/>
+              </a:fontRef>
+            </p:style>
+            <p:txBody>
+              <a:bodyPr rtlCol="0" anchor="ctr"/>
+              <a:lstStyle/>
+              <a:p>
+                <a:pPr algn="ctr"/>
+                <a:endParaRPr lang="en-US"/>
+              </a:p>
+            </p:txBody>
+          </p:sp>
+          <p:sp>
+            <p:nvSpPr>
+              <p:cNvPr id="20" name="Gleichschenkliges Dreieck 19">
+                <a:extLst>
+                  <a:ext uri="{FF2B5EF4-FFF2-40B4-BE49-F238E27FC236}">
+                    <a16:creationId xmlns:a16="http://schemas.microsoft.com/office/drawing/2014/main" id="{66FD1FF6-77E0-4E21-B317-40A5CC05928F}"/>
+                  </a:ext>
+                </a:extLst>
+              </p:cNvPr>
+              <p:cNvSpPr/>
+              <p:nvPr/>
+            </p:nvSpPr>
+            <p:spPr>
+              <a:xfrm rot="13669646">
+                <a:off x="2193470" y="3021568"/>
+                <a:ext cx="246994" cy="121271"/>
+              </a:xfrm>
+              <a:prstGeom prst="triangle">
+                <a:avLst>
+                  <a:gd name="adj" fmla="val 45006"/>
+                </a:avLst>
+              </a:prstGeom>
+              <a:solidFill>
+                <a:schemeClr val="bg1"/>
+              </a:solidFill>
+              <a:ln>
+                <a:solidFill>
+                  <a:schemeClr val="tx1"/>
+                </a:solidFill>
+              </a:ln>
+            </p:spPr>
+            <p:style>
+              <a:lnRef idx="2">
+                <a:schemeClr val="accent1">
+                  <a:shade val="50000"/>
+                </a:schemeClr>
+              </a:lnRef>
+              <a:fillRef idx="1">
+                <a:schemeClr val="accent1"/>
+              </a:fillRef>
+              <a:effectRef idx="0">
+                <a:schemeClr val="accent1"/>
+              </a:effectRef>
+              <a:fontRef idx="minor">
+                <a:schemeClr val="lt1"/>
+              </a:fontRef>
+            </p:style>
+            <p:txBody>
+              <a:bodyPr rtlCol="0" anchor="ctr"/>
+              <a:lstStyle/>
+              <a:p>
+                <a:pPr algn="ctr"/>
+                <a:endParaRPr lang="en-US"/>
+              </a:p>
+            </p:txBody>
+          </p:sp>
+        </p:grpSp>
+        <p:grpSp>
+          <p:nvGrpSpPr>
+            <p:cNvPr id="21" name="Gruppieren 20">
+              <a:extLst>
+                <a:ext uri="{FF2B5EF4-FFF2-40B4-BE49-F238E27FC236}">
+                  <a16:creationId xmlns:a16="http://schemas.microsoft.com/office/drawing/2014/main" id="{90933567-AB62-4A48-91AD-357572A9E97E}"/>
+                </a:ext>
+              </a:extLst>
+            </p:cNvPr>
+            <p:cNvGrpSpPr/>
+            <p:nvPr/>
+          </p:nvGrpSpPr>
+          <p:grpSpPr>
+            <a:xfrm>
+              <a:off x="1378502" y="2280298"/>
+              <a:ext cx="644893" cy="784459"/>
+              <a:chOff x="1799924" y="2950143"/>
+              <a:chExt cx="644893" cy="784459"/>
+            </a:xfrm>
+          </p:grpSpPr>
+          <p:sp>
+            <p:nvSpPr>
+              <p:cNvPr id="22" name="Rechteck 21">
+                <a:extLst>
+                  <a:ext uri="{FF2B5EF4-FFF2-40B4-BE49-F238E27FC236}">
+                    <a16:creationId xmlns:a16="http://schemas.microsoft.com/office/drawing/2014/main" id="{9B2243E7-85F6-4FBB-89A0-669D5887E4A9}"/>
+                  </a:ext>
+                </a:extLst>
+              </p:cNvPr>
+              <p:cNvSpPr/>
+              <p:nvPr/>
+            </p:nvSpPr>
+            <p:spPr>
+              <a:xfrm>
+                <a:off x="1799924" y="2954956"/>
+                <a:ext cx="644893" cy="779646"/>
+              </a:xfrm>
+              <a:prstGeom prst="rect">
+                <a:avLst/>
+              </a:prstGeom>
+              <a:solidFill>
+                <a:schemeClr val="bg1"/>
+              </a:solidFill>
+              <a:ln>
+                <a:solidFill>
+                  <a:schemeClr val="tx1"/>
+                </a:solidFill>
+              </a:ln>
+            </p:spPr>
+            <p:style>
+              <a:lnRef idx="2">
+                <a:schemeClr val="accent1">
+                  <a:shade val="50000"/>
+                </a:schemeClr>
+              </a:lnRef>
+              <a:fillRef idx="1">
+                <a:schemeClr val="accent1"/>
+              </a:fillRef>
+              <a:effectRef idx="0">
+                <a:schemeClr val="accent1"/>
+              </a:effectRef>
+              <a:fontRef idx="minor">
+                <a:schemeClr val="lt1"/>
+              </a:fontRef>
+            </p:style>
+            <p:txBody>
+              <a:bodyPr rtlCol="0" anchor="ctr"/>
+              <a:lstStyle/>
+              <a:p>
+                <a:pPr algn="ctr"/>
+                <a:r>
+                  <a:rPr lang="de-DE" dirty="0">
+                    <a:solidFill>
+                      <a:schemeClr val="tx1"/>
+                    </a:solidFill>
+                  </a:rPr>
+                  <a:t>.</a:t>
+                </a:r>
+                <a:r>
+                  <a:rPr lang="de-DE" dirty="0" err="1">
+                    <a:solidFill>
+                      <a:schemeClr val="tx1"/>
+                    </a:solidFill>
+                  </a:rPr>
+                  <a:t>pdf</a:t>
+                </a:r>
+                <a:endParaRPr lang="en-US" dirty="0">
+                  <a:solidFill>
+                    <a:schemeClr val="tx1"/>
+                  </a:solidFill>
+                </a:endParaRPr>
+              </a:p>
+            </p:txBody>
+          </p:sp>
+          <p:sp>
+            <p:nvSpPr>
+              <p:cNvPr id="23" name="Rechteck 22">
+                <a:extLst>
+                  <a:ext uri="{FF2B5EF4-FFF2-40B4-BE49-F238E27FC236}">
+                    <a16:creationId xmlns:a16="http://schemas.microsoft.com/office/drawing/2014/main" id="{6CA84186-17EA-4B37-B99E-D2CAB02333AB}"/>
+                  </a:ext>
+                </a:extLst>
+              </p:cNvPr>
+              <p:cNvSpPr/>
+              <p:nvPr/>
+            </p:nvSpPr>
+            <p:spPr>
+              <a:xfrm>
+                <a:off x="2281187" y="2950143"/>
+                <a:ext cx="163630" cy="182880"/>
+              </a:xfrm>
+              <a:prstGeom prst="rect">
+                <a:avLst/>
+              </a:prstGeom>
+              <a:solidFill>
+                <a:schemeClr val="bg1"/>
+              </a:solidFill>
+              <a:ln>
+                <a:solidFill>
+                  <a:schemeClr val="bg1"/>
+                </a:solidFill>
+              </a:ln>
+            </p:spPr>
+            <p:style>
+              <a:lnRef idx="2">
+                <a:schemeClr val="accent1">
+                  <a:shade val="50000"/>
+                </a:schemeClr>
+              </a:lnRef>
+              <a:fillRef idx="1">
+                <a:schemeClr val="accent1"/>
+              </a:fillRef>
+              <a:effectRef idx="0">
+                <a:schemeClr val="accent1"/>
+              </a:effectRef>
+              <a:fontRef idx="minor">
+                <a:schemeClr val="lt1"/>
+              </a:fontRef>
+            </p:style>
+            <p:txBody>
+              <a:bodyPr rtlCol="0" anchor="ctr"/>
+              <a:lstStyle/>
+              <a:p>
+                <a:pPr algn="ctr"/>
+                <a:endParaRPr lang="en-US"/>
+              </a:p>
+            </p:txBody>
+          </p:sp>
+          <p:sp>
+            <p:nvSpPr>
+              <p:cNvPr id="24" name="Gleichschenkliges Dreieck 23">
+                <a:extLst>
+                  <a:ext uri="{FF2B5EF4-FFF2-40B4-BE49-F238E27FC236}">
+                    <a16:creationId xmlns:a16="http://schemas.microsoft.com/office/drawing/2014/main" id="{73CB5FF4-A391-42EA-A84E-DAF8F9212917}"/>
+                  </a:ext>
+                </a:extLst>
+              </p:cNvPr>
+              <p:cNvSpPr/>
+              <p:nvPr/>
+            </p:nvSpPr>
+            <p:spPr>
+              <a:xfrm rot="13669646">
+                <a:off x="2193470" y="3021568"/>
+                <a:ext cx="246994" cy="121271"/>
+              </a:xfrm>
+              <a:prstGeom prst="triangle">
+                <a:avLst>
+                  <a:gd name="adj" fmla="val 45006"/>
+                </a:avLst>
+              </a:prstGeom>
+              <a:solidFill>
+                <a:schemeClr val="bg1"/>
+              </a:solidFill>
+              <a:ln>
+                <a:solidFill>
+                  <a:schemeClr val="tx1"/>
+                </a:solidFill>
+              </a:ln>
+            </p:spPr>
+            <p:style>
+              <a:lnRef idx="2">
+                <a:schemeClr val="accent1">
+                  <a:shade val="50000"/>
+                </a:schemeClr>
+              </a:lnRef>
+              <a:fillRef idx="1">
+                <a:schemeClr val="accent1"/>
+              </a:fillRef>
+              <a:effectRef idx="0">
+                <a:schemeClr val="accent1"/>
+              </a:effectRef>
+              <a:fontRef idx="minor">
+                <a:schemeClr val="lt1"/>
+              </a:fontRef>
+            </p:style>
+            <p:txBody>
+              <a:bodyPr rtlCol="0" anchor="ctr"/>
+              <a:lstStyle/>
+              <a:p>
+                <a:pPr algn="ctr"/>
+                <a:endParaRPr lang="en-US"/>
+              </a:p>
+            </p:txBody>
+          </p:sp>
+        </p:grpSp>
+        <p:sp>
+          <p:nvSpPr>
+            <p:cNvPr id="25" name="Textfeld 24">
+              <a:extLst>
+                <a:ext uri="{FF2B5EF4-FFF2-40B4-BE49-F238E27FC236}">
+                  <a16:creationId xmlns:a16="http://schemas.microsoft.com/office/drawing/2014/main" id="{A3A89A8F-592C-4B4A-96B4-B81BD3A411AD}"/>
+                </a:ext>
+              </a:extLst>
+            </p:cNvPr>
+            <p:cNvSpPr txBox="1"/>
+            <p:nvPr/>
+          </p:nvSpPr>
+          <p:spPr>
+            <a:xfrm>
+              <a:off x="269507" y="3257210"/>
+              <a:ext cx="2814232" cy="369332"/>
+            </a:xfrm>
+            <a:prstGeom prst="rect">
+              <a:avLst/>
+            </a:prstGeom>
+            <a:noFill/>
+          </p:spPr>
+          <p:txBody>
+            <a:bodyPr wrap="none" rtlCol="0">
+              <a:spAutoFit/>
+            </a:bodyPr>
+            <a:lstStyle/>
+            <a:p>
+              <a:r>
+                <a:rPr lang="de-DE" dirty="0"/>
+                <a:t>Final </a:t>
+              </a:r>
+              <a:r>
+                <a:rPr lang="de-DE" dirty="0" err="1"/>
+                <a:t>project</a:t>
+              </a:r>
+              <a:r>
+                <a:rPr lang="de-DE" dirty="0"/>
+                <a:t> </a:t>
+              </a:r>
+              <a:r>
+                <a:rPr lang="de-DE" dirty="0" err="1"/>
+                <a:t>documentation</a:t>
+              </a:r>
+              <a:endParaRPr lang="en-US" dirty="0"/>
+            </a:p>
+          </p:txBody>
+        </p:sp>
+      </p:grpSp>
+      <p:grpSp>
+        <p:nvGrpSpPr>
+          <p:cNvPr id="27" name="Gruppieren 26">
+            <a:extLst>
+              <a:ext uri="{FF2B5EF4-FFF2-40B4-BE49-F238E27FC236}">
+                <a16:creationId xmlns:a16="http://schemas.microsoft.com/office/drawing/2014/main" id="{41AB4DCA-C7B7-461E-A160-1E5BCBCD0862}"/>
+              </a:ext>
+            </a:extLst>
+          </p:cNvPr>
+          <p:cNvGrpSpPr/>
+          <p:nvPr/>
+        </p:nvGrpSpPr>
+        <p:grpSpPr>
+          <a:xfrm>
+            <a:off x="4441979" y="1641916"/>
+            <a:ext cx="1080120" cy="2002189"/>
+            <a:chOff x="943275" y="1642091"/>
+            <a:chExt cx="1080120" cy="2002189"/>
+          </a:xfrm>
+        </p:grpSpPr>
+        <p:grpSp>
+          <p:nvGrpSpPr>
+            <p:cNvPr id="28" name="Gruppieren 27">
+              <a:extLst>
+                <a:ext uri="{FF2B5EF4-FFF2-40B4-BE49-F238E27FC236}">
+                  <a16:creationId xmlns:a16="http://schemas.microsoft.com/office/drawing/2014/main" id="{1D028A9D-2E00-4431-9811-089A81C30F82}"/>
+                </a:ext>
+              </a:extLst>
+            </p:cNvPr>
+            <p:cNvGrpSpPr/>
+            <p:nvPr/>
+          </p:nvGrpSpPr>
+          <p:grpSpPr>
+            <a:xfrm>
+              <a:off x="943275" y="1642091"/>
+              <a:ext cx="644893" cy="784459"/>
+              <a:chOff x="1799924" y="2950143"/>
+              <a:chExt cx="644893" cy="784459"/>
+            </a:xfrm>
+          </p:grpSpPr>
+          <p:sp>
+            <p:nvSpPr>
+              <p:cNvPr id="38" name="Rechteck 37">
+                <a:extLst>
+                  <a:ext uri="{FF2B5EF4-FFF2-40B4-BE49-F238E27FC236}">
+                    <a16:creationId xmlns:a16="http://schemas.microsoft.com/office/drawing/2014/main" id="{2058BA74-D5C2-4A12-991C-D7D4329B03EA}"/>
+                  </a:ext>
+                </a:extLst>
+              </p:cNvPr>
+              <p:cNvSpPr/>
+              <p:nvPr/>
+            </p:nvSpPr>
+            <p:spPr>
+              <a:xfrm>
+                <a:off x="1799924" y="2954956"/>
+                <a:ext cx="644893" cy="779646"/>
+              </a:xfrm>
+              <a:prstGeom prst="rect">
+                <a:avLst/>
+              </a:prstGeom>
+              <a:solidFill>
+                <a:schemeClr val="bg1"/>
+              </a:solidFill>
+              <a:ln>
+                <a:solidFill>
+                  <a:schemeClr val="tx1"/>
+                </a:solidFill>
+              </a:ln>
+            </p:spPr>
+            <p:style>
+              <a:lnRef idx="2">
+                <a:schemeClr val="accent1">
+                  <a:shade val="50000"/>
+                </a:schemeClr>
+              </a:lnRef>
+              <a:fillRef idx="1">
+                <a:schemeClr val="accent1"/>
+              </a:fillRef>
+              <a:effectRef idx="0">
+                <a:schemeClr val="accent1"/>
+              </a:effectRef>
+              <a:fontRef idx="minor">
+                <a:schemeClr val="lt1"/>
+              </a:fontRef>
+            </p:style>
+            <p:txBody>
+              <a:bodyPr rtlCol="0" anchor="ctr"/>
+              <a:lstStyle/>
+              <a:p>
+                <a:pPr algn="ctr"/>
+                <a:endParaRPr lang="en-US"/>
+              </a:p>
+            </p:txBody>
+          </p:sp>
+          <p:sp>
+            <p:nvSpPr>
+              <p:cNvPr id="39" name="Rechteck 38">
+                <a:extLst>
+                  <a:ext uri="{FF2B5EF4-FFF2-40B4-BE49-F238E27FC236}">
+                    <a16:creationId xmlns:a16="http://schemas.microsoft.com/office/drawing/2014/main" id="{04761E5C-6C84-4A5F-A6DF-0C829FF82A3E}"/>
+                  </a:ext>
+                </a:extLst>
+              </p:cNvPr>
+              <p:cNvSpPr/>
+              <p:nvPr/>
+            </p:nvSpPr>
+            <p:spPr>
+              <a:xfrm>
+                <a:off x="2281187" y="2950143"/>
+                <a:ext cx="163630" cy="182880"/>
+              </a:xfrm>
+              <a:prstGeom prst="rect">
+                <a:avLst/>
+              </a:prstGeom>
+              <a:solidFill>
+                <a:schemeClr val="bg1"/>
+              </a:solidFill>
+              <a:ln>
+                <a:solidFill>
+                  <a:schemeClr val="bg1"/>
+                </a:solidFill>
+              </a:ln>
+            </p:spPr>
+            <p:style>
+              <a:lnRef idx="2">
+                <a:schemeClr val="accent1">
+                  <a:shade val="50000"/>
+                </a:schemeClr>
+              </a:lnRef>
+              <a:fillRef idx="1">
+                <a:schemeClr val="accent1"/>
+              </a:fillRef>
+              <a:effectRef idx="0">
+                <a:schemeClr val="accent1"/>
+              </a:effectRef>
+              <a:fontRef idx="minor">
+                <a:schemeClr val="lt1"/>
+              </a:fontRef>
+            </p:style>
+            <p:txBody>
+              <a:bodyPr rtlCol="0" anchor="ctr"/>
+              <a:lstStyle/>
+              <a:p>
+                <a:pPr algn="ctr"/>
+                <a:endParaRPr lang="en-US"/>
+              </a:p>
+            </p:txBody>
+          </p:sp>
+          <p:sp>
+            <p:nvSpPr>
+              <p:cNvPr id="40" name="Gleichschenkliges Dreieck 39">
+                <a:extLst>
+                  <a:ext uri="{FF2B5EF4-FFF2-40B4-BE49-F238E27FC236}">
+                    <a16:creationId xmlns:a16="http://schemas.microsoft.com/office/drawing/2014/main" id="{1739DB12-9B0D-4D12-9EB8-94B4DDC86C7C}"/>
+                  </a:ext>
+                </a:extLst>
+              </p:cNvPr>
+              <p:cNvSpPr/>
+              <p:nvPr/>
+            </p:nvSpPr>
+            <p:spPr>
+              <a:xfrm rot="13669646">
+                <a:off x="2193470" y="3021568"/>
+                <a:ext cx="246994" cy="121271"/>
+              </a:xfrm>
+              <a:prstGeom prst="triangle">
+                <a:avLst>
+                  <a:gd name="adj" fmla="val 45006"/>
+                </a:avLst>
+              </a:prstGeom>
+              <a:solidFill>
+                <a:schemeClr val="bg1"/>
+              </a:solidFill>
+              <a:ln>
+                <a:solidFill>
+                  <a:schemeClr val="tx1"/>
+                </a:solidFill>
+              </a:ln>
+            </p:spPr>
+            <p:style>
+              <a:lnRef idx="2">
+                <a:schemeClr val="accent1">
+                  <a:shade val="50000"/>
+                </a:schemeClr>
+              </a:lnRef>
+              <a:fillRef idx="1">
+                <a:schemeClr val="accent1"/>
+              </a:fillRef>
+              <a:effectRef idx="0">
+                <a:schemeClr val="accent1"/>
+              </a:effectRef>
+              <a:fontRef idx="minor">
+                <a:schemeClr val="lt1"/>
+              </a:fontRef>
+            </p:style>
+            <p:txBody>
+              <a:bodyPr rtlCol="0" anchor="ctr"/>
+              <a:lstStyle/>
+              <a:p>
+                <a:pPr algn="ctr"/>
+                <a:endParaRPr lang="en-US"/>
+              </a:p>
+            </p:txBody>
+          </p:sp>
+        </p:grpSp>
+        <p:grpSp>
+          <p:nvGrpSpPr>
+            <p:cNvPr id="29" name="Gruppieren 28">
+              <a:extLst>
+                <a:ext uri="{FF2B5EF4-FFF2-40B4-BE49-F238E27FC236}">
+                  <a16:creationId xmlns:a16="http://schemas.microsoft.com/office/drawing/2014/main" id="{D2EE12ED-2271-4592-BF48-2E95368C58A8}"/>
+                </a:ext>
+              </a:extLst>
+            </p:cNvPr>
+            <p:cNvGrpSpPr/>
+            <p:nvPr/>
+          </p:nvGrpSpPr>
+          <p:grpSpPr>
+            <a:xfrm>
+              <a:off x="1183906" y="1945896"/>
+              <a:ext cx="644893" cy="784459"/>
+              <a:chOff x="1799924" y="2950143"/>
+              <a:chExt cx="644893" cy="784459"/>
+            </a:xfrm>
+          </p:grpSpPr>
+          <p:sp>
+            <p:nvSpPr>
+              <p:cNvPr id="35" name="Rechteck 34">
+                <a:extLst>
+                  <a:ext uri="{FF2B5EF4-FFF2-40B4-BE49-F238E27FC236}">
+                    <a16:creationId xmlns:a16="http://schemas.microsoft.com/office/drawing/2014/main" id="{C9FB8463-FAD5-4D5F-A093-2ECDDEDE11F4}"/>
+                  </a:ext>
+                </a:extLst>
+              </p:cNvPr>
+              <p:cNvSpPr/>
+              <p:nvPr/>
+            </p:nvSpPr>
+            <p:spPr>
+              <a:xfrm>
+                <a:off x="1799924" y="2954956"/>
+                <a:ext cx="644893" cy="779646"/>
+              </a:xfrm>
+              <a:prstGeom prst="rect">
+                <a:avLst/>
+              </a:prstGeom>
+              <a:solidFill>
+                <a:schemeClr val="bg1"/>
+              </a:solidFill>
+              <a:ln>
+                <a:solidFill>
+                  <a:schemeClr val="tx1"/>
+                </a:solidFill>
+              </a:ln>
+            </p:spPr>
+            <p:style>
+              <a:lnRef idx="2">
+                <a:schemeClr val="accent1">
+                  <a:shade val="50000"/>
+                </a:schemeClr>
+              </a:lnRef>
+              <a:fillRef idx="1">
+                <a:schemeClr val="accent1"/>
+              </a:fillRef>
+              <a:effectRef idx="0">
+                <a:schemeClr val="accent1"/>
+              </a:effectRef>
+              <a:fontRef idx="minor">
+                <a:schemeClr val="lt1"/>
+              </a:fontRef>
+            </p:style>
+            <p:txBody>
+              <a:bodyPr rtlCol="0" anchor="ctr"/>
+              <a:lstStyle/>
+              <a:p>
+                <a:pPr algn="ctr"/>
+                <a:endParaRPr lang="en-US"/>
+              </a:p>
+            </p:txBody>
+          </p:sp>
+          <p:sp>
+            <p:nvSpPr>
+              <p:cNvPr id="36" name="Rechteck 35">
+                <a:extLst>
+                  <a:ext uri="{FF2B5EF4-FFF2-40B4-BE49-F238E27FC236}">
+                    <a16:creationId xmlns:a16="http://schemas.microsoft.com/office/drawing/2014/main" id="{0A5290E0-4C7F-4841-AA48-CE2B6A488E09}"/>
+                  </a:ext>
+                </a:extLst>
+              </p:cNvPr>
+              <p:cNvSpPr/>
+              <p:nvPr/>
+            </p:nvSpPr>
+            <p:spPr>
+              <a:xfrm>
+                <a:off x="2281187" y="2950143"/>
+                <a:ext cx="163630" cy="182880"/>
+              </a:xfrm>
+              <a:prstGeom prst="rect">
+                <a:avLst/>
+              </a:prstGeom>
+              <a:solidFill>
+                <a:schemeClr val="bg1"/>
+              </a:solidFill>
+              <a:ln>
+                <a:solidFill>
+                  <a:schemeClr val="bg1"/>
+                </a:solidFill>
+              </a:ln>
+            </p:spPr>
+            <p:style>
+              <a:lnRef idx="2">
+                <a:schemeClr val="accent1">
+                  <a:shade val="50000"/>
+                </a:schemeClr>
+              </a:lnRef>
+              <a:fillRef idx="1">
+                <a:schemeClr val="accent1"/>
+              </a:fillRef>
+              <a:effectRef idx="0">
+                <a:schemeClr val="accent1"/>
+              </a:effectRef>
+              <a:fontRef idx="minor">
+                <a:schemeClr val="lt1"/>
+              </a:fontRef>
+            </p:style>
+            <p:txBody>
+              <a:bodyPr rtlCol="0" anchor="ctr"/>
+              <a:lstStyle/>
+              <a:p>
+                <a:pPr algn="ctr"/>
+                <a:endParaRPr lang="en-US"/>
+              </a:p>
+            </p:txBody>
+          </p:sp>
+          <p:sp>
+            <p:nvSpPr>
+              <p:cNvPr id="37" name="Gleichschenkliges Dreieck 36">
+                <a:extLst>
+                  <a:ext uri="{FF2B5EF4-FFF2-40B4-BE49-F238E27FC236}">
+                    <a16:creationId xmlns:a16="http://schemas.microsoft.com/office/drawing/2014/main" id="{2A71BF25-271F-4DE9-AA0D-4DB61CFB576D}"/>
+                  </a:ext>
+                </a:extLst>
+              </p:cNvPr>
+              <p:cNvSpPr/>
+              <p:nvPr/>
+            </p:nvSpPr>
+            <p:spPr>
+              <a:xfrm rot="13669646">
+                <a:off x="2193470" y="3021568"/>
+                <a:ext cx="246994" cy="121271"/>
+              </a:xfrm>
+              <a:prstGeom prst="triangle">
+                <a:avLst>
+                  <a:gd name="adj" fmla="val 45006"/>
+                </a:avLst>
+              </a:prstGeom>
+              <a:solidFill>
+                <a:schemeClr val="bg1"/>
+              </a:solidFill>
+              <a:ln>
+                <a:solidFill>
+                  <a:schemeClr val="tx1"/>
+                </a:solidFill>
+              </a:ln>
+            </p:spPr>
+            <p:style>
+              <a:lnRef idx="2">
+                <a:schemeClr val="accent1">
+                  <a:shade val="50000"/>
+                </a:schemeClr>
+              </a:lnRef>
+              <a:fillRef idx="1">
+                <a:schemeClr val="accent1"/>
+              </a:fillRef>
+              <a:effectRef idx="0">
+                <a:schemeClr val="accent1"/>
+              </a:effectRef>
+              <a:fontRef idx="minor">
+                <a:schemeClr val="lt1"/>
+              </a:fontRef>
+            </p:style>
+            <p:txBody>
+              <a:bodyPr rtlCol="0" anchor="ctr"/>
+              <a:lstStyle/>
+              <a:p>
+                <a:pPr algn="ctr"/>
+                <a:endParaRPr lang="en-US"/>
+              </a:p>
+            </p:txBody>
+          </p:sp>
+        </p:grpSp>
+        <p:grpSp>
+          <p:nvGrpSpPr>
+            <p:cNvPr id="30" name="Gruppieren 29">
+              <a:extLst>
+                <a:ext uri="{FF2B5EF4-FFF2-40B4-BE49-F238E27FC236}">
+                  <a16:creationId xmlns:a16="http://schemas.microsoft.com/office/drawing/2014/main" id="{A4C2BBA9-34F4-410A-95D2-D1DBDBAC75C3}"/>
+                </a:ext>
+              </a:extLst>
+            </p:cNvPr>
+            <p:cNvGrpSpPr/>
+            <p:nvPr/>
+          </p:nvGrpSpPr>
+          <p:grpSpPr>
+            <a:xfrm>
+              <a:off x="1378502" y="2280298"/>
+              <a:ext cx="644893" cy="784459"/>
+              <a:chOff x="1799924" y="2950143"/>
+              <a:chExt cx="644893" cy="784459"/>
+            </a:xfrm>
+          </p:grpSpPr>
+          <p:sp>
+            <p:nvSpPr>
+              <p:cNvPr id="32" name="Rechteck 31">
+                <a:extLst>
+                  <a:ext uri="{FF2B5EF4-FFF2-40B4-BE49-F238E27FC236}">
+                    <a16:creationId xmlns:a16="http://schemas.microsoft.com/office/drawing/2014/main" id="{92406A82-271A-4CBB-A7C5-30F438CE7B22}"/>
+                  </a:ext>
+                </a:extLst>
+              </p:cNvPr>
+              <p:cNvSpPr/>
+              <p:nvPr/>
+            </p:nvSpPr>
+            <p:spPr>
+              <a:xfrm>
+                <a:off x="1799924" y="2954956"/>
+                <a:ext cx="644893" cy="779646"/>
+              </a:xfrm>
+              <a:prstGeom prst="rect">
+                <a:avLst/>
+              </a:prstGeom>
+              <a:solidFill>
+                <a:schemeClr val="bg1"/>
+              </a:solidFill>
+              <a:ln>
+                <a:solidFill>
+                  <a:schemeClr val="tx1"/>
+                </a:solidFill>
+              </a:ln>
+            </p:spPr>
+            <p:style>
+              <a:lnRef idx="2">
+                <a:schemeClr val="accent1">
+                  <a:shade val="50000"/>
+                </a:schemeClr>
+              </a:lnRef>
+              <a:fillRef idx="1">
+                <a:schemeClr val="accent1"/>
+              </a:fillRef>
+              <a:effectRef idx="0">
+                <a:schemeClr val="accent1"/>
+              </a:effectRef>
+              <a:fontRef idx="minor">
+                <a:schemeClr val="lt1"/>
+              </a:fontRef>
+            </p:style>
+            <p:txBody>
+              <a:bodyPr rtlCol="0" anchor="ctr"/>
+              <a:lstStyle/>
+              <a:p>
+                <a:pPr algn="ctr"/>
+                <a:r>
+                  <a:rPr lang="de-DE" dirty="0">
+                    <a:solidFill>
+                      <a:schemeClr val="tx1"/>
+                    </a:solidFill>
+                  </a:rPr>
+                  <a:t>.</a:t>
+                </a:r>
+                <a:r>
+                  <a:rPr lang="de-DE" dirty="0" err="1">
+                    <a:solidFill>
+                      <a:schemeClr val="tx1"/>
+                    </a:solidFill>
+                  </a:rPr>
+                  <a:t>py</a:t>
+                </a:r>
+                <a:endParaRPr lang="en-US" dirty="0">
+                  <a:solidFill>
+                    <a:schemeClr val="tx1"/>
+                  </a:solidFill>
+                </a:endParaRPr>
+              </a:p>
+            </p:txBody>
+          </p:sp>
+          <p:sp>
+            <p:nvSpPr>
+              <p:cNvPr id="33" name="Rechteck 32">
+                <a:extLst>
+                  <a:ext uri="{FF2B5EF4-FFF2-40B4-BE49-F238E27FC236}">
+                    <a16:creationId xmlns:a16="http://schemas.microsoft.com/office/drawing/2014/main" id="{8F12A06F-DC0C-45DC-B3A0-7E22D4C4BCC2}"/>
+                  </a:ext>
+                </a:extLst>
+              </p:cNvPr>
+              <p:cNvSpPr/>
+              <p:nvPr/>
+            </p:nvSpPr>
+            <p:spPr>
+              <a:xfrm>
+                <a:off x="2281187" y="2950143"/>
+                <a:ext cx="163630" cy="182880"/>
+              </a:xfrm>
+              <a:prstGeom prst="rect">
+                <a:avLst/>
+              </a:prstGeom>
+              <a:solidFill>
+                <a:schemeClr val="bg1"/>
+              </a:solidFill>
+              <a:ln>
+                <a:solidFill>
+                  <a:schemeClr val="bg1"/>
+                </a:solidFill>
+              </a:ln>
+            </p:spPr>
+            <p:style>
+              <a:lnRef idx="2">
+                <a:schemeClr val="accent1">
+                  <a:shade val="50000"/>
+                </a:schemeClr>
+              </a:lnRef>
+              <a:fillRef idx="1">
+                <a:schemeClr val="accent1"/>
+              </a:fillRef>
+              <a:effectRef idx="0">
+                <a:schemeClr val="accent1"/>
+              </a:effectRef>
+              <a:fontRef idx="minor">
+                <a:schemeClr val="lt1"/>
+              </a:fontRef>
+            </p:style>
+            <p:txBody>
+              <a:bodyPr rtlCol="0" anchor="ctr"/>
+              <a:lstStyle/>
+              <a:p>
+                <a:pPr algn="ctr"/>
+                <a:endParaRPr lang="en-US"/>
+              </a:p>
+            </p:txBody>
+          </p:sp>
+          <p:sp>
+            <p:nvSpPr>
+              <p:cNvPr id="34" name="Gleichschenkliges Dreieck 33">
+                <a:extLst>
+                  <a:ext uri="{FF2B5EF4-FFF2-40B4-BE49-F238E27FC236}">
+                    <a16:creationId xmlns:a16="http://schemas.microsoft.com/office/drawing/2014/main" id="{F2C83106-310B-482E-BB9C-04AE4EB93974}"/>
+                  </a:ext>
+                </a:extLst>
+              </p:cNvPr>
+              <p:cNvSpPr/>
+              <p:nvPr/>
+            </p:nvSpPr>
+            <p:spPr>
+              <a:xfrm rot="13669646">
+                <a:off x="2193470" y="3021568"/>
+                <a:ext cx="246994" cy="121271"/>
+              </a:xfrm>
+              <a:prstGeom prst="triangle">
+                <a:avLst>
+                  <a:gd name="adj" fmla="val 45006"/>
+                </a:avLst>
+              </a:prstGeom>
+              <a:solidFill>
+                <a:schemeClr val="bg1"/>
+              </a:solidFill>
+              <a:ln>
+                <a:solidFill>
+                  <a:schemeClr val="tx1"/>
+                </a:solidFill>
+              </a:ln>
+            </p:spPr>
+            <p:style>
+              <a:lnRef idx="2">
+                <a:schemeClr val="accent1">
+                  <a:shade val="50000"/>
+                </a:schemeClr>
+              </a:lnRef>
+              <a:fillRef idx="1">
+                <a:schemeClr val="accent1"/>
+              </a:fillRef>
+              <a:effectRef idx="0">
+                <a:schemeClr val="accent1"/>
+              </a:effectRef>
+              <a:fontRef idx="minor">
+                <a:schemeClr val="lt1"/>
+              </a:fontRef>
+            </p:style>
+            <p:txBody>
+              <a:bodyPr rtlCol="0" anchor="ctr"/>
+              <a:lstStyle/>
+              <a:p>
+                <a:pPr algn="ctr"/>
+                <a:endParaRPr lang="en-US"/>
+              </a:p>
+            </p:txBody>
+          </p:sp>
+        </p:grpSp>
+        <p:sp>
+          <p:nvSpPr>
+            <p:cNvPr id="31" name="Textfeld 30">
+              <a:extLst>
+                <a:ext uri="{FF2B5EF4-FFF2-40B4-BE49-F238E27FC236}">
+                  <a16:creationId xmlns:a16="http://schemas.microsoft.com/office/drawing/2014/main" id="{B7B14240-93C6-45E8-90F9-3D0E8729932B}"/>
+                </a:ext>
+              </a:extLst>
+            </p:cNvPr>
+            <p:cNvSpPr txBox="1"/>
+            <p:nvPr/>
+          </p:nvSpPr>
+          <p:spPr>
+            <a:xfrm>
+              <a:off x="953512" y="3274948"/>
+              <a:ext cx="1013611" cy="369332"/>
+            </a:xfrm>
+            <a:prstGeom prst="rect">
+              <a:avLst/>
+            </a:prstGeom>
+            <a:noFill/>
+          </p:spPr>
+          <p:txBody>
+            <a:bodyPr wrap="none" rtlCol="0">
+              <a:spAutoFit/>
+            </a:bodyPr>
+            <a:lstStyle/>
+            <a:p>
+              <a:r>
+                <a:rPr lang="de-DE" dirty="0"/>
+                <a:t>Software</a:t>
+              </a:r>
+              <a:endParaRPr lang="en-US" dirty="0"/>
+            </a:p>
+          </p:txBody>
+        </p:sp>
+      </p:grpSp>
+      <p:pic>
+        <p:nvPicPr>
+          <p:cNvPr id="5122" name="Picture 2" descr="Bildergebnis fÃ¼r piktogramm film">
+            <a:extLst>
+              <a:ext uri="{FF2B5EF4-FFF2-40B4-BE49-F238E27FC236}">
+                <a16:creationId xmlns:a16="http://schemas.microsoft.com/office/drawing/2014/main" id="{B0B5E07F-CA1E-40B6-B85D-0B765AD343AB}"/>
+              </a:ext>
+            </a:extLst>
+          </p:cNvPr>
+          <p:cNvPicPr>
+            <a:picLocks noChangeAspect="1" noChangeArrowheads="1"/>
+          </p:cNvPicPr>
+          <p:nvPr/>
+        </p:nvPicPr>
+        <p:blipFill rotWithShape="1">
+          <a:blip r:embed="rId2">
+            <a:extLst>
+              <a:ext uri="{28A0092B-C50C-407E-A947-70E740481C1C}">
+                <a14:useLocalDpi xmlns:a14="http://schemas.microsoft.com/office/drawing/2010/main" val="0"/>
+              </a:ext>
+            </a:extLst>
+          </a:blip>
+          <a:srcRect l="25937" t="29556" r="26481" b="36555"/>
+          <a:stretch/>
+        </p:blipFill>
+        <p:spPr bwMode="auto">
+          <a:xfrm>
+            <a:off x="2185952" y="4212304"/>
+            <a:ext cx="2059288" cy="1568337"/>
+          </a:xfrm>
+          <a:prstGeom prst="rect">
+            <a:avLst/>
+          </a:prstGeom>
+          <a:noFill/>
+          <a:extLst>
+            <a:ext uri="{909E8E84-426E-40DD-AFC4-6F175D3DCCD1}">
+              <a14:hiddenFill xmlns:a14="http://schemas.microsoft.com/office/drawing/2010/main">
+                <a:solidFill>
+                  <a:srgbClr val="FFFFFF"/>
+                </a:solidFill>
+              </a14:hiddenFill>
+            </a:ext>
+          </a:extLst>
+        </p:spPr>
+      </p:pic>
       <p:sp>
         <p:nvSpPr>
-          <p:cNvPr id="7" name="Inhaltsplatzhalter 6">
+          <p:cNvPr id="42" name="Textfeld 41">
             <a:extLst>
               <a:ext uri="{FF2B5EF4-FFF2-40B4-BE49-F238E27FC236}">
-                <a16:creationId xmlns:a16="http://schemas.microsoft.com/office/drawing/2014/main" id="{D092ED50-6D1C-4339-9E68-F083B571E1B9}"/>
+                <a16:creationId xmlns:a16="http://schemas.microsoft.com/office/drawing/2014/main" id="{B53D7637-CE29-44E0-8DCB-0DCA2D3C2C0F}"/>
               </a:ext>
             </a:extLst>
           </p:cNvPr>
-          <p:cNvSpPr>
-            <a:spLocks noGrp="1"/>
-          </p:cNvSpPr>
-          <p:nvPr>
-            <p:ph sz="quarter" idx="16"/>
-          </p:nvPr>
+          <p:cNvSpPr txBox="1"/>
+          <p:nvPr/>
         </p:nvSpPr>
-        <p:spPr/>
+        <p:spPr>
+          <a:xfrm>
+            <a:off x="4245240" y="4193461"/>
+            <a:ext cx="335305" cy="246221"/>
+          </a:xfrm>
+          <a:prstGeom prst="rect">
+            <a:avLst/>
+          </a:prstGeom>
+          <a:noFill/>
+        </p:spPr>
         <p:txBody>
-          <a:bodyPr/>
+          <a:bodyPr wrap="square" rtlCol="0">
+            <a:spAutoFit/>
+          </a:bodyPr>
           <a:lstStyle/>
           <a:p>
-            <a:endParaRPr lang="en-US"/>
+            <a:r>
+              <a:rPr lang="de-DE" sz="1000" dirty="0"/>
+              <a:t>[3]</a:t>
+            </a:r>
+            <a:endParaRPr lang="en-US" sz="1000" dirty="0"/>
           </a:p>
         </p:txBody>
       </p:sp>
+      <p:sp>
+        <p:nvSpPr>
+          <p:cNvPr id="47" name="Textfeld 46">
+            <a:extLst>
+              <a:ext uri="{FF2B5EF4-FFF2-40B4-BE49-F238E27FC236}">
+                <a16:creationId xmlns:a16="http://schemas.microsoft.com/office/drawing/2014/main" id="{7800083A-B111-403F-A3A2-AE987A0BBB15}"/>
+              </a:ext>
+            </a:extLst>
+          </p:cNvPr>
+          <p:cNvSpPr txBox="1"/>
+          <p:nvPr/>
+        </p:nvSpPr>
+        <p:spPr>
+          <a:xfrm>
+            <a:off x="2576933" y="5799933"/>
+            <a:ext cx="1176925" cy="369332"/>
+          </a:xfrm>
+          <a:prstGeom prst="rect">
+            <a:avLst/>
+          </a:prstGeom>
+          <a:noFill/>
+        </p:spPr>
+        <p:txBody>
+          <a:bodyPr wrap="none" rtlCol="0">
+            <a:spAutoFit/>
+          </a:bodyPr>
+          <a:lstStyle/>
+          <a:p>
+            <a:r>
+              <a:rPr lang="de-DE" dirty="0"/>
+              <a:t>Video </a:t>
+            </a:r>
+            <a:r>
+              <a:rPr lang="de-DE" dirty="0" err="1"/>
+              <a:t>clip</a:t>
+            </a:r>
+            <a:r>
+              <a:rPr lang="de-DE" dirty="0"/>
+              <a:t> </a:t>
+            </a:r>
+            <a:endParaRPr lang="en-US" dirty="0"/>
+          </a:p>
+        </p:txBody>
+      </p:sp>
+      <p:grpSp>
+        <p:nvGrpSpPr>
+          <p:cNvPr id="46" name="Gruppieren 45">
+            <a:extLst>
+              <a:ext uri="{FF2B5EF4-FFF2-40B4-BE49-F238E27FC236}">
+                <a16:creationId xmlns:a16="http://schemas.microsoft.com/office/drawing/2014/main" id="{6E96C2F5-6871-4110-B082-B88E2C80DBE4}"/>
+              </a:ext>
+            </a:extLst>
+          </p:cNvPr>
+          <p:cNvGrpSpPr/>
+          <p:nvPr/>
+        </p:nvGrpSpPr>
+        <p:grpSpPr>
+          <a:xfrm>
+            <a:off x="6470473" y="1751778"/>
+            <a:ext cx="3923394" cy="3962129"/>
+            <a:chOff x="6470473" y="1751778"/>
+            <a:chExt cx="3923394" cy="3962129"/>
+          </a:xfrm>
+        </p:grpSpPr>
+        <p:grpSp>
+          <p:nvGrpSpPr>
+            <p:cNvPr id="45" name="Gruppieren 44">
+              <a:extLst>
+                <a:ext uri="{FF2B5EF4-FFF2-40B4-BE49-F238E27FC236}">
+                  <a16:creationId xmlns:a16="http://schemas.microsoft.com/office/drawing/2014/main" id="{EE0C0F2D-FC40-4D42-AAA1-A10D3A0A1A5C}"/>
+                </a:ext>
+              </a:extLst>
+            </p:cNvPr>
+            <p:cNvGrpSpPr/>
+            <p:nvPr/>
+          </p:nvGrpSpPr>
+          <p:grpSpPr>
+            <a:xfrm>
+              <a:off x="6470473" y="1752995"/>
+              <a:ext cx="3642424" cy="3960912"/>
+              <a:chOff x="6470473" y="1752995"/>
+              <a:chExt cx="3642424" cy="3960912"/>
+            </a:xfrm>
+          </p:grpSpPr>
+          <p:grpSp>
+            <p:nvGrpSpPr>
+              <p:cNvPr id="44" name="Gruppieren 43">
+                <a:extLst>
+                  <a:ext uri="{FF2B5EF4-FFF2-40B4-BE49-F238E27FC236}">
+                    <a16:creationId xmlns:a16="http://schemas.microsoft.com/office/drawing/2014/main" id="{1D7FC130-697B-4626-AA0A-A117492850AF}"/>
+                  </a:ext>
+                </a:extLst>
+              </p:cNvPr>
+              <p:cNvGrpSpPr/>
+              <p:nvPr/>
+            </p:nvGrpSpPr>
+            <p:grpSpPr>
+              <a:xfrm>
+                <a:off x="6470473" y="1752995"/>
+                <a:ext cx="3642424" cy="3590363"/>
+                <a:chOff x="5645353" y="2172923"/>
+                <a:chExt cx="4037662" cy="3979952"/>
+              </a:xfrm>
+            </p:grpSpPr>
+            <p:pic>
+              <p:nvPicPr>
+                <p:cNvPr id="5124" name="Picture 4" descr="Bildergebnis fÃ¼r piktogramm vorfÃ¼hrung">
+                  <a:extLst>
+                    <a:ext uri="{FF2B5EF4-FFF2-40B4-BE49-F238E27FC236}">
+                      <a16:creationId xmlns:a16="http://schemas.microsoft.com/office/drawing/2014/main" id="{3D142969-8FB1-4214-96E4-820647B44B4B}"/>
+                    </a:ext>
+                  </a:extLst>
+                </p:cNvPr>
+                <p:cNvPicPr>
+                  <a:picLocks noChangeAspect="1" noChangeArrowheads="1"/>
+                </p:cNvPicPr>
+                <p:nvPr/>
+              </p:nvPicPr>
+              <p:blipFill rotWithShape="1">
+                <a:blip r:embed="rId3">
+                  <a:extLst>
+                    <a:ext uri="{28A0092B-C50C-407E-A947-70E740481C1C}">
+                      <a14:useLocalDpi xmlns:a14="http://schemas.microsoft.com/office/drawing/2010/main" val="0"/>
+                    </a:ext>
+                  </a:extLst>
+                </a:blip>
+                <a:srcRect l="7640" t="7966" r="7579" b="8464"/>
+                <a:stretch/>
+              </p:blipFill>
+              <p:spPr bwMode="auto">
+                <a:xfrm>
+                  <a:off x="5645353" y="2172923"/>
+                  <a:ext cx="4037662" cy="3979952"/>
+                </a:xfrm>
+                <a:prstGeom prst="rect">
+                  <a:avLst/>
+                </a:prstGeom>
+                <a:noFill/>
+                <a:extLst>
+                  <a:ext uri="{909E8E84-426E-40DD-AFC4-6F175D3DCCD1}">
+                    <a14:hiddenFill xmlns:a14="http://schemas.microsoft.com/office/drawing/2010/main">
+                      <a:solidFill>
+                        <a:srgbClr val="FFFFFF"/>
+                      </a:solidFill>
+                    </a14:hiddenFill>
+                  </a:ext>
+                </a:extLst>
+              </p:spPr>
+            </p:pic>
+            <p:sp>
+              <p:nvSpPr>
+                <p:cNvPr id="41" name="Rechteck 40">
+                  <a:extLst>
+                    <a:ext uri="{FF2B5EF4-FFF2-40B4-BE49-F238E27FC236}">
+                      <a16:creationId xmlns:a16="http://schemas.microsoft.com/office/drawing/2014/main" id="{28BC826F-E862-4625-91DB-3DE7458A75D8}"/>
+                    </a:ext>
+                  </a:extLst>
+                </p:cNvPr>
+                <p:cNvSpPr/>
+                <p:nvPr/>
+              </p:nvSpPr>
+              <p:spPr>
+                <a:xfrm>
+                  <a:off x="7072794" y="3886359"/>
+                  <a:ext cx="1282091" cy="365125"/>
+                </a:xfrm>
+                <a:prstGeom prst="rect">
+                  <a:avLst/>
+                </a:prstGeom>
+                <a:solidFill>
+                  <a:schemeClr val="bg1"/>
+                </a:solidFill>
+                <a:ln>
+                  <a:solidFill>
+                    <a:schemeClr val="bg1"/>
+                  </a:solidFill>
+                </a:ln>
+              </p:spPr>
+              <p:style>
+                <a:lnRef idx="2">
+                  <a:schemeClr val="accent1">
+                    <a:shade val="50000"/>
+                  </a:schemeClr>
+                </a:lnRef>
+                <a:fillRef idx="1">
+                  <a:schemeClr val="accent1"/>
+                </a:fillRef>
+                <a:effectRef idx="0">
+                  <a:schemeClr val="accent1"/>
+                </a:effectRef>
+                <a:fontRef idx="minor">
+                  <a:schemeClr val="lt1"/>
+                </a:fontRef>
+              </p:style>
+              <p:txBody>
+                <a:bodyPr rtlCol="0" anchor="ctr"/>
+                <a:lstStyle/>
+                <a:p>
+                  <a:pPr algn="ctr"/>
+                  <a:endParaRPr lang="en-US"/>
+                </a:p>
+              </p:txBody>
+            </p:sp>
+            <p:sp>
+              <p:nvSpPr>
+                <p:cNvPr id="43" name="Rechteck: abgerundete Ecken 42">
+                  <a:extLst>
+                    <a:ext uri="{FF2B5EF4-FFF2-40B4-BE49-F238E27FC236}">
+                      <a16:creationId xmlns:a16="http://schemas.microsoft.com/office/drawing/2014/main" id="{CC8550F2-B626-438D-BA04-D23FDDFEFAB9}"/>
+                    </a:ext>
+                  </a:extLst>
+                </p:cNvPr>
+                <p:cNvSpPr/>
+                <p:nvPr/>
+              </p:nvSpPr>
+              <p:spPr>
+                <a:xfrm>
+                  <a:off x="7777212" y="3428999"/>
+                  <a:ext cx="1790299" cy="603985"/>
+                </a:xfrm>
+                <a:prstGeom prst="roundRect">
+                  <a:avLst/>
+                </a:prstGeom>
+                <a:solidFill>
+                  <a:schemeClr val="tx1"/>
+                </a:solidFill>
+                <a:ln>
+                  <a:solidFill>
+                    <a:schemeClr val="tx1"/>
+                  </a:solidFill>
+                </a:ln>
+              </p:spPr>
+              <p:style>
+                <a:lnRef idx="2">
+                  <a:schemeClr val="accent1">
+                    <a:shade val="50000"/>
+                  </a:schemeClr>
+                </a:lnRef>
+                <a:fillRef idx="1">
+                  <a:schemeClr val="accent1"/>
+                </a:fillRef>
+                <a:effectRef idx="0">
+                  <a:schemeClr val="accent1"/>
+                </a:effectRef>
+                <a:fontRef idx="minor">
+                  <a:schemeClr val="lt1"/>
+                </a:fontRef>
+              </p:style>
+              <p:txBody>
+                <a:bodyPr rtlCol="0" anchor="ctr"/>
+                <a:lstStyle/>
+                <a:p>
+                  <a:pPr algn="ctr"/>
+                  <a:endParaRPr lang="en-US"/>
+                </a:p>
+              </p:txBody>
+            </p:sp>
+          </p:grpSp>
+          <p:sp>
+            <p:nvSpPr>
+              <p:cNvPr id="48" name="Textfeld 47">
+                <a:extLst>
+                  <a:ext uri="{FF2B5EF4-FFF2-40B4-BE49-F238E27FC236}">
+                    <a16:creationId xmlns:a16="http://schemas.microsoft.com/office/drawing/2014/main" id="{5D1232F0-E3F5-47A1-AF13-6DE73C220213}"/>
+                  </a:ext>
+                </a:extLst>
+              </p:cNvPr>
+              <p:cNvSpPr txBox="1"/>
+              <p:nvPr/>
+            </p:nvSpPr>
+            <p:spPr>
+              <a:xfrm>
+                <a:off x="6752719" y="5344575"/>
+                <a:ext cx="3281860" cy="369332"/>
+              </a:xfrm>
+              <a:prstGeom prst="rect">
+                <a:avLst/>
+              </a:prstGeom>
+              <a:noFill/>
+            </p:spPr>
+            <p:txBody>
+              <a:bodyPr wrap="none" rtlCol="0">
+                <a:spAutoFit/>
+              </a:bodyPr>
+              <a:lstStyle/>
+              <a:p>
+                <a:r>
+                  <a:rPr lang="de-DE" dirty="0"/>
+                  <a:t>Final </a:t>
+                </a:r>
+                <a:r>
+                  <a:rPr lang="de-DE" dirty="0" err="1"/>
+                  <a:t>presentation</a:t>
+                </a:r>
+                <a:r>
+                  <a:rPr lang="de-DE" dirty="0"/>
+                  <a:t>/</a:t>
+                </a:r>
+                <a:r>
+                  <a:rPr lang="de-DE" dirty="0" err="1"/>
+                  <a:t>demonstration</a:t>
+                </a:r>
+                <a:endParaRPr lang="en-US" dirty="0"/>
+              </a:p>
+            </p:txBody>
+          </p:sp>
+        </p:grpSp>
+        <p:sp>
+          <p:nvSpPr>
+            <p:cNvPr id="50" name="Textfeld 49">
+              <a:extLst>
+                <a:ext uri="{FF2B5EF4-FFF2-40B4-BE49-F238E27FC236}">
+                  <a16:creationId xmlns:a16="http://schemas.microsoft.com/office/drawing/2014/main" id="{DC46BCED-6991-46B3-8353-67A072BB1ECD}"/>
+                </a:ext>
+              </a:extLst>
+            </p:cNvPr>
+            <p:cNvSpPr txBox="1"/>
+            <p:nvPr/>
+          </p:nvSpPr>
+          <p:spPr>
+            <a:xfrm>
+              <a:off x="10058562" y="1751778"/>
+              <a:ext cx="335305" cy="246221"/>
+            </a:xfrm>
+            <a:prstGeom prst="rect">
+              <a:avLst/>
+            </a:prstGeom>
+            <a:noFill/>
+          </p:spPr>
+          <p:txBody>
+            <a:bodyPr wrap="square" rtlCol="0">
+              <a:spAutoFit/>
+            </a:bodyPr>
+            <a:lstStyle/>
+            <a:p>
+              <a:r>
+                <a:rPr lang="de-DE" sz="1000" dirty="0"/>
+                <a:t>[4]</a:t>
+              </a:r>
+              <a:endParaRPr lang="en-US" sz="1000" dirty="0"/>
+            </a:p>
+          </p:txBody>
+        </p:sp>
+      </p:grpSp>
     </p:spTree>
     <p:extLst>
       <p:ext uri="{BB962C8B-B14F-4D97-AF65-F5344CB8AC3E}">
@@ -4788,31 +9572,602 @@
           </a:p>
         </p:txBody>
       </p:sp>
-      <p:sp>
-        <p:nvSpPr>
-          <p:cNvPr id="7" name="Inhaltsplatzhalter 6">
+      <p:grpSp>
+        <p:nvGrpSpPr>
+          <p:cNvPr id="9" name="Gruppieren 8">
             <a:extLst>
               <a:ext uri="{FF2B5EF4-FFF2-40B4-BE49-F238E27FC236}">
-                <a16:creationId xmlns:a16="http://schemas.microsoft.com/office/drawing/2014/main" id="{D092ED50-6D1C-4339-9E68-F083B571E1B9}"/>
+                <a16:creationId xmlns:a16="http://schemas.microsoft.com/office/drawing/2014/main" id="{144611E9-1D0B-4F7F-9AF6-9DBB59507C2C}"/>
               </a:ext>
             </a:extLst>
           </p:cNvPr>
-          <p:cNvSpPr>
-            <a:spLocks noGrp="1"/>
-          </p:cNvSpPr>
-          <p:nvPr>
-            <p:ph sz="quarter" idx="16"/>
-          </p:nvPr>
-        </p:nvSpPr>
-        <p:spPr/>
-        <p:txBody>
-          <a:bodyPr/>
-          <a:lstStyle/>
-          <a:p>
-            <a:endParaRPr lang="en-US"/>
-          </a:p>
-        </p:txBody>
-      </p:sp>
+          <p:cNvGrpSpPr/>
+          <p:nvPr/>
+        </p:nvGrpSpPr>
+        <p:grpSpPr>
+          <a:xfrm>
+            <a:off x="1001070" y="1551684"/>
+            <a:ext cx="3244170" cy="864257"/>
+            <a:chOff x="4697128" y="2851095"/>
+            <a:chExt cx="3244170" cy="864257"/>
+          </a:xfrm>
+        </p:grpSpPr>
+        <p:pic>
+          <p:nvPicPr>
+            <p:cNvPr id="4098" name="Picture 2" descr="Bildergebnis fÃ¼r python3">
+              <a:extLst>
+                <a:ext uri="{FF2B5EF4-FFF2-40B4-BE49-F238E27FC236}">
+                  <a16:creationId xmlns:a16="http://schemas.microsoft.com/office/drawing/2014/main" id="{B4BF4B27-27D8-4975-A0DB-FF976CB13BA8}"/>
+                </a:ext>
+              </a:extLst>
+            </p:cNvPr>
+            <p:cNvPicPr>
+              <a:picLocks noChangeAspect="1" noChangeArrowheads="1"/>
+            </p:cNvPicPr>
+            <p:nvPr/>
+          </p:nvPicPr>
+          <p:blipFill rotWithShape="1">
+            <a:blip r:embed="rId2">
+              <a:extLst>
+                <a:ext uri="{28A0092B-C50C-407E-A947-70E740481C1C}">
+                  <a14:useLocalDpi xmlns:a14="http://schemas.microsoft.com/office/drawing/2010/main" val="0"/>
+                </a:ext>
+              </a:extLst>
+            </a:blip>
+            <a:srcRect l="12051" t="13272" r="5435" b="26874"/>
+            <a:stretch/>
+          </p:blipFill>
+          <p:spPr bwMode="auto">
+            <a:xfrm>
+              <a:off x="4697128" y="2974206"/>
+              <a:ext cx="3041584" cy="741146"/>
+            </a:xfrm>
+            <a:prstGeom prst="rect">
+              <a:avLst/>
+            </a:prstGeom>
+            <a:noFill/>
+            <a:extLst>
+              <a:ext uri="{909E8E84-426E-40DD-AFC4-6F175D3DCCD1}">
+                <a14:hiddenFill xmlns:a14="http://schemas.microsoft.com/office/drawing/2010/main">
+                  <a:solidFill>
+                    <a:srgbClr val="FFFFFF"/>
+                  </a:solidFill>
+                </a14:hiddenFill>
+              </a:ext>
+            </a:extLst>
+          </p:spPr>
+        </p:pic>
+        <p:sp>
+          <p:nvSpPr>
+            <p:cNvPr id="8" name="Textfeld 7">
+              <a:extLst>
+                <a:ext uri="{FF2B5EF4-FFF2-40B4-BE49-F238E27FC236}">
+                  <a16:creationId xmlns:a16="http://schemas.microsoft.com/office/drawing/2014/main" id="{8AD9A44A-A3FA-4D7D-93F2-62E4EFF3FC48}"/>
+                </a:ext>
+              </a:extLst>
+            </p:cNvPr>
+            <p:cNvSpPr txBox="1"/>
+            <p:nvPr/>
+          </p:nvSpPr>
+          <p:spPr>
+            <a:xfrm>
+              <a:off x="7605950" y="2851095"/>
+              <a:ext cx="335348" cy="246221"/>
+            </a:xfrm>
+            <a:prstGeom prst="rect">
+              <a:avLst/>
+            </a:prstGeom>
+            <a:noFill/>
+          </p:spPr>
+          <p:txBody>
+            <a:bodyPr wrap="none" rtlCol="0">
+              <a:spAutoFit/>
+            </a:bodyPr>
+            <a:lstStyle/>
+            <a:p>
+              <a:r>
+                <a:rPr lang="de-DE" sz="1000" dirty="0"/>
+                <a:t>[8]</a:t>
+              </a:r>
+              <a:endParaRPr lang="en-US" sz="1000" dirty="0"/>
+            </a:p>
+          </p:txBody>
+        </p:sp>
+      </p:grpSp>
+      <p:grpSp>
+        <p:nvGrpSpPr>
+          <p:cNvPr id="10" name="Gruppieren 9">
+            <a:extLst>
+              <a:ext uri="{FF2B5EF4-FFF2-40B4-BE49-F238E27FC236}">
+                <a16:creationId xmlns:a16="http://schemas.microsoft.com/office/drawing/2014/main" id="{D0C98EE8-8821-4B0B-89FF-0200B5BA6B1E}"/>
+              </a:ext>
+            </a:extLst>
+          </p:cNvPr>
+          <p:cNvGrpSpPr/>
+          <p:nvPr/>
+        </p:nvGrpSpPr>
+        <p:grpSpPr>
+          <a:xfrm>
+            <a:off x="1847253" y="2631974"/>
+            <a:ext cx="1382868" cy="1406742"/>
+            <a:chOff x="6563890" y="2562336"/>
+            <a:chExt cx="1382868" cy="1406742"/>
+          </a:xfrm>
+        </p:grpSpPr>
+        <p:pic>
+          <p:nvPicPr>
+            <p:cNvPr id="4100" name="Picture 4" descr="Bildergebnis fÃ¼r opencv">
+              <a:extLst>
+                <a:ext uri="{FF2B5EF4-FFF2-40B4-BE49-F238E27FC236}">
+                  <a16:creationId xmlns:a16="http://schemas.microsoft.com/office/drawing/2014/main" id="{FAEC78D5-E21C-4D3A-A794-C05A97D668F9}"/>
+                </a:ext>
+              </a:extLst>
+            </p:cNvPr>
+            <p:cNvPicPr>
+              <a:picLocks noChangeAspect="1" noChangeArrowheads="1"/>
+            </p:cNvPicPr>
+            <p:nvPr/>
+          </p:nvPicPr>
+          <p:blipFill>
+            <a:blip r:embed="rId3">
+              <a:extLst>
+                <a:ext uri="{28A0092B-C50C-407E-A947-70E740481C1C}">
+                  <a14:useLocalDpi xmlns:a14="http://schemas.microsoft.com/office/drawing/2010/main" val="0"/>
+                </a:ext>
+              </a:extLst>
+            </a:blip>
+            <a:srcRect/>
+            <a:stretch>
+              <a:fillRect/>
+            </a:stretch>
+          </p:blipFill>
+          <p:spPr bwMode="auto">
+            <a:xfrm>
+              <a:off x="6563890" y="2685447"/>
+              <a:ext cx="1042059" cy="1283631"/>
+            </a:xfrm>
+            <a:prstGeom prst="rect">
+              <a:avLst/>
+            </a:prstGeom>
+            <a:noFill/>
+            <a:extLst>
+              <a:ext uri="{909E8E84-426E-40DD-AFC4-6F175D3DCCD1}">
+                <a14:hiddenFill xmlns:a14="http://schemas.microsoft.com/office/drawing/2010/main">
+                  <a:solidFill>
+                    <a:srgbClr val="FFFFFF"/>
+                  </a:solidFill>
+                </a14:hiddenFill>
+              </a:ext>
+            </a:extLst>
+          </p:spPr>
+        </p:pic>
+        <p:sp>
+          <p:nvSpPr>
+            <p:cNvPr id="13" name="Textfeld 12">
+              <a:extLst>
+                <a:ext uri="{FF2B5EF4-FFF2-40B4-BE49-F238E27FC236}">
+                  <a16:creationId xmlns:a16="http://schemas.microsoft.com/office/drawing/2014/main" id="{593CB196-92CF-49DB-8337-C5375FDFB2B0}"/>
+                </a:ext>
+              </a:extLst>
+            </p:cNvPr>
+            <p:cNvSpPr txBox="1"/>
+            <p:nvPr/>
+          </p:nvSpPr>
+          <p:spPr>
+            <a:xfrm>
+              <a:off x="7611410" y="2562336"/>
+              <a:ext cx="335348" cy="246221"/>
+            </a:xfrm>
+            <a:prstGeom prst="rect">
+              <a:avLst/>
+            </a:prstGeom>
+            <a:noFill/>
+          </p:spPr>
+          <p:txBody>
+            <a:bodyPr wrap="square" rtlCol="0">
+              <a:spAutoFit/>
+            </a:bodyPr>
+            <a:lstStyle/>
+            <a:p>
+              <a:r>
+                <a:rPr lang="de-DE" sz="1000" dirty="0"/>
+                <a:t>[9]</a:t>
+              </a:r>
+              <a:endParaRPr lang="en-US" sz="1000" dirty="0"/>
+            </a:p>
+          </p:txBody>
+        </p:sp>
+      </p:grpSp>
+      <p:grpSp>
+        <p:nvGrpSpPr>
+          <p:cNvPr id="11" name="Gruppieren 10">
+            <a:extLst>
+              <a:ext uri="{FF2B5EF4-FFF2-40B4-BE49-F238E27FC236}">
+                <a16:creationId xmlns:a16="http://schemas.microsoft.com/office/drawing/2014/main" id="{4C0E37F4-9DE5-497C-AFCA-1B01055358C5}"/>
+              </a:ext>
+            </a:extLst>
+          </p:cNvPr>
+          <p:cNvGrpSpPr/>
+          <p:nvPr/>
+        </p:nvGrpSpPr>
+        <p:grpSpPr>
+          <a:xfrm>
+            <a:off x="4273729" y="2105092"/>
+            <a:ext cx="4867038" cy="3751566"/>
+            <a:chOff x="6699183" y="3745775"/>
+            <a:chExt cx="4867038" cy="3751566"/>
+          </a:xfrm>
+        </p:grpSpPr>
+        <p:pic>
+          <p:nvPicPr>
+            <p:cNvPr id="4104" name="Picture 8" descr="Bildergebnis fÃ¼r kuka robot">
+              <a:extLst>
+                <a:ext uri="{FF2B5EF4-FFF2-40B4-BE49-F238E27FC236}">
+                  <a16:creationId xmlns:a16="http://schemas.microsoft.com/office/drawing/2014/main" id="{F270D58D-AE5D-407D-87F4-D72BC1A91AA9}"/>
+                </a:ext>
+              </a:extLst>
+            </p:cNvPr>
+            <p:cNvPicPr>
+              <a:picLocks noChangeAspect="1" noChangeArrowheads="1"/>
+            </p:cNvPicPr>
+            <p:nvPr/>
+          </p:nvPicPr>
+          <p:blipFill>
+            <a:blip r:embed="rId4">
+              <a:extLst>
+                <a:ext uri="{28A0092B-C50C-407E-A947-70E740481C1C}">
+                  <a14:useLocalDpi xmlns:a14="http://schemas.microsoft.com/office/drawing/2010/main" val="0"/>
+                </a:ext>
+              </a:extLst>
+            </a:blip>
+            <a:srcRect/>
+            <a:stretch>
+              <a:fillRect/>
+            </a:stretch>
+          </p:blipFill>
+          <p:spPr bwMode="auto">
+            <a:xfrm>
+              <a:off x="6699183" y="3745775"/>
+              <a:ext cx="3751566" cy="3751566"/>
+            </a:xfrm>
+            <a:prstGeom prst="rect">
+              <a:avLst/>
+            </a:prstGeom>
+            <a:noFill/>
+            <a:extLst>
+              <a:ext uri="{909E8E84-426E-40DD-AFC4-6F175D3DCCD1}">
+                <a14:hiddenFill xmlns:a14="http://schemas.microsoft.com/office/drawing/2010/main">
+                  <a:solidFill>
+                    <a:srgbClr val="FFFFFF"/>
+                  </a:solidFill>
+                </a14:hiddenFill>
+              </a:ext>
+            </a:extLst>
+          </p:spPr>
+        </p:pic>
+        <p:pic>
+          <p:nvPicPr>
+            <p:cNvPr id="4102" name="Picture 6" descr="Ãhnliches Foto">
+              <a:extLst>
+                <a:ext uri="{FF2B5EF4-FFF2-40B4-BE49-F238E27FC236}">
+                  <a16:creationId xmlns:a16="http://schemas.microsoft.com/office/drawing/2014/main" id="{53FD8F4C-E8E5-417E-A24E-0457951C0BE6}"/>
+                </a:ext>
+              </a:extLst>
+            </p:cNvPr>
+            <p:cNvPicPr>
+              <a:picLocks noChangeAspect="1" noChangeArrowheads="1"/>
+            </p:cNvPicPr>
+            <p:nvPr/>
+          </p:nvPicPr>
+          <p:blipFill>
+            <a:blip r:embed="rId5">
+              <a:extLst>
+                <a:ext uri="{28A0092B-C50C-407E-A947-70E740481C1C}">
+                  <a14:useLocalDpi xmlns:a14="http://schemas.microsoft.com/office/drawing/2010/main" val="0"/>
+                </a:ext>
+              </a:extLst>
+            </a:blip>
+            <a:srcRect/>
+            <a:stretch>
+              <a:fillRect/>
+            </a:stretch>
+          </p:blipFill>
+          <p:spPr bwMode="auto">
+            <a:xfrm>
+              <a:off x="9192541" y="5806512"/>
+              <a:ext cx="2084899" cy="1172213"/>
+            </a:xfrm>
+            <a:prstGeom prst="rect">
+              <a:avLst/>
+            </a:prstGeom>
+            <a:noFill/>
+            <a:extLst>
+              <a:ext uri="{909E8E84-426E-40DD-AFC4-6F175D3DCCD1}">
+                <a14:hiddenFill xmlns:a14="http://schemas.microsoft.com/office/drawing/2010/main">
+                  <a:solidFill>
+                    <a:srgbClr val="FFFFFF"/>
+                  </a:solidFill>
+                </a14:hiddenFill>
+              </a:ext>
+            </a:extLst>
+          </p:spPr>
+        </p:pic>
+        <p:sp>
+          <p:nvSpPr>
+            <p:cNvPr id="17" name="Textfeld 16">
+              <a:extLst>
+                <a:ext uri="{FF2B5EF4-FFF2-40B4-BE49-F238E27FC236}">
+                  <a16:creationId xmlns:a16="http://schemas.microsoft.com/office/drawing/2014/main" id="{55ADE5B4-D282-4199-94ED-32595CF69792}"/>
+                </a:ext>
+              </a:extLst>
+            </p:cNvPr>
+            <p:cNvSpPr txBox="1"/>
+            <p:nvPr/>
+          </p:nvSpPr>
+          <p:spPr>
+            <a:xfrm>
+              <a:off x="11230873" y="5744088"/>
+              <a:ext cx="335348" cy="246221"/>
+            </a:xfrm>
+            <a:prstGeom prst="rect">
+              <a:avLst/>
+            </a:prstGeom>
+            <a:noFill/>
+          </p:spPr>
+          <p:txBody>
+            <a:bodyPr wrap="square" rtlCol="0">
+              <a:spAutoFit/>
+            </a:bodyPr>
+            <a:lstStyle/>
+            <a:p>
+              <a:r>
+                <a:rPr lang="de-DE" sz="1000" dirty="0"/>
+                <a:t>[6]</a:t>
+              </a:r>
+              <a:endParaRPr lang="en-US" sz="1000" dirty="0"/>
+            </a:p>
+          </p:txBody>
+        </p:sp>
+        <p:sp>
+          <p:nvSpPr>
+            <p:cNvPr id="18" name="Textfeld 17">
+              <a:extLst>
+                <a:ext uri="{FF2B5EF4-FFF2-40B4-BE49-F238E27FC236}">
+                  <a16:creationId xmlns:a16="http://schemas.microsoft.com/office/drawing/2014/main" id="{5A54987A-7111-4256-8F98-ABC7849288DC}"/>
+                </a:ext>
+              </a:extLst>
+            </p:cNvPr>
+            <p:cNvSpPr txBox="1"/>
+            <p:nvPr/>
+          </p:nvSpPr>
+          <p:spPr>
+            <a:xfrm>
+              <a:off x="10067317" y="3745775"/>
+              <a:ext cx="335348" cy="246221"/>
+            </a:xfrm>
+            <a:prstGeom prst="rect">
+              <a:avLst/>
+            </a:prstGeom>
+            <a:noFill/>
+          </p:spPr>
+          <p:txBody>
+            <a:bodyPr wrap="square" rtlCol="0">
+              <a:spAutoFit/>
+            </a:bodyPr>
+            <a:lstStyle/>
+            <a:p>
+              <a:r>
+                <a:rPr lang="de-DE" sz="1000" dirty="0"/>
+                <a:t>[5]</a:t>
+              </a:r>
+              <a:endParaRPr lang="en-US" sz="1000" dirty="0"/>
+            </a:p>
+          </p:txBody>
+        </p:sp>
+      </p:grpSp>
+      <p:grpSp>
+        <p:nvGrpSpPr>
+          <p:cNvPr id="15" name="Gruppieren 14">
+            <a:extLst>
+              <a:ext uri="{FF2B5EF4-FFF2-40B4-BE49-F238E27FC236}">
+                <a16:creationId xmlns:a16="http://schemas.microsoft.com/office/drawing/2014/main" id="{919331D5-0064-4E81-9905-403C17665F19}"/>
+              </a:ext>
+            </a:extLst>
+          </p:cNvPr>
+          <p:cNvGrpSpPr/>
+          <p:nvPr/>
+        </p:nvGrpSpPr>
+        <p:grpSpPr>
+          <a:xfrm>
+            <a:off x="8304202" y="1449620"/>
+            <a:ext cx="3584579" cy="2290361"/>
+            <a:chOff x="7605950" y="710263"/>
+            <a:chExt cx="3584579" cy="2290361"/>
+          </a:xfrm>
+        </p:grpSpPr>
+        <p:pic>
+          <p:nvPicPr>
+            <p:cNvPr id="20" name="Picture 4" descr="Bildergebnis fÃ¼r ravensburger auto holz puzzle">
+              <a:extLst>
+                <a:ext uri="{FF2B5EF4-FFF2-40B4-BE49-F238E27FC236}">
+                  <a16:creationId xmlns:a16="http://schemas.microsoft.com/office/drawing/2014/main" id="{7762C1F7-0E04-49BB-A22A-C4E7DA9C540E}"/>
+                </a:ext>
+              </a:extLst>
+            </p:cNvPr>
+            <p:cNvPicPr>
+              <a:picLocks noChangeAspect="1" noChangeArrowheads="1"/>
+            </p:cNvPicPr>
+            <p:nvPr/>
+          </p:nvPicPr>
+          <p:blipFill rotWithShape="1">
+            <a:blip r:embed="rId6">
+              <a:extLst>
+                <a:ext uri="{28A0092B-C50C-407E-A947-70E740481C1C}">
+                  <a14:useLocalDpi xmlns:a14="http://schemas.microsoft.com/office/drawing/2010/main" val="0"/>
+                </a:ext>
+              </a:extLst>
+            </a:blip>
+            <a:srcRect l="4521" t="4893" r="2930" b="5892"/>
+            <a:stretch/>
+          </p:blipFill>
+          <p:spPr bwMode="auto">
+            <a:xfrm>
+              <a:off x="7605950" y="710264"/>
+              <a:ext cx="3225116" cy="2290360"/>
+            </a:xfrm>
+            <a:prstGeom prst="rect">
+              <a:avLst/>
+            </a:prstGeom>
+            <a:noFill/>
+            <a:extLst>
+              <a:ext uri="{909E8E84-426E-40DD-AFC4-6F175D3DCCD1}">
+                <a14:hiddenFill xmlns:a14="http://schemas.microsoft.com/office/drawing/2010/main">
+                  <a:solidFill>
+                    <a:srgbClr val="FFFFFF"/>
+                  </a:solidFill>
+                </a14:hiddenFill>
+              </a:ext>
+            </a:extLst>
+          </p:spPr>
+        </p:pic>
+        <p:sp>
+          <p:nvSpPr>
+            <p:cNvPr id="21" name="Rechteck 20">
+              <a:extLst>
+                <a:ext uri="{FF2B5EF4-FFF2-40B4-BE49-F238E27FC236}">
+                  <a16:creationId xmlns:a16="http://schemas.microsoft.com/office/drawing/2014/main" id="{8FAFF25C-8856-4DF4-B73E-5D99DB263ADB}"/>
+                </a:ext>
+              </a:extLst>
+            </p:cNvPr>
+            <p:cNvSpPr/>
+            <p:nvPr/>
+          </p:nvSpPr>
+          <p:spPr>
+            <a:xfrm>
+              <a:off x="10831066" y="710263"/>
+              <a:ext cx="359463" cy="246221"/>
+            </a:xfrm>
+            <a:prstGeom prst="rect">
+              <a:avLst/>
+            </a:prstGeom>
+          </p:spPr>
+          <p:txBody>
+            <a:bodyPr wrap="square">
+              <a:spAutoFit/>
+            </a:bodyPr>
+            <a:lstStyle/>
+            <a:p>
+              <a:r>
+                <a:rPr lang="de-DE" sz="1000" dirty="0"/>
+                <a:t>[2]</a:t>
+              </a:r>
+              <a:endParaRPr lang="en-US" sz="1000" dirty="0"/>
+            </a:p>
+          </p:txBody>
+        </p:sp>
+      </p:grpSp>
+      <p:grpSp>
+        <p:nvGrpSpPr>
+          <p:cNvPr id="14" name="Gruppieren 13">
+            <a:extLst>
+              <a:ext uri="{FF2B5EF4-FFF2-40B4-BE49-F238E27FC236}">
+                <a16:creationId xmlns:a16="http://schemas.microsoft.com/office/drawing/2014/main" id="{E193643A-F7EC-4326-8AB2-861F4A109870}"/>
+              </a:ext>
+            </a:extLst>
+          </p:cNvPr>
+          <p:cNvGrpSpPr/>
+          <p:nvPr/>
+        </p:nvGrpSpPr>
+        <p:grpSpPr>
+          <a:xfrm>
+            <a:off x="645756" y="4409669"/>
+            <a:ext cx="1876106" cy="1320545"/>
+            <a:chOff x="1722207" y="3926788"/>
+            <a:chExt cx="1876106" cy="1320545"/>
+          </a:xfrm>
+        </p:grpSpPr>
+        <p:sp>
+          <p:nvSpPr>
+            <p:cNvPr id="12" name="Textfeld 11">
+              <a:extLst>
+                <a:ext uri="{FF2B5EF4-FFF2-40B4-BE49-F238E27FC236}">
+                  <a16:creationId xmlns:a16="http://schemas.microsoft.com/office/drawing/2014/main" id="{05EAF8DD-B55C-4F8C-9192-4A3DD2169906}"/>
+                </a:ext>
+              </a:extLst>
+            </p:cNvPr>
+            <p:cNvSpPr txBox="1"/>
+            <p:nvPr/>
+          </p:nvSpPr>
+          <p:spPr>
+            <a:xfrm>
+              <a:off x="3262965" y="3926788"/>
+              <a:ext cx="335348" cy="246221"/>
+            </a:xfrm>
+            <a:prstGeom prst="rect">
+              <a:avLst/>
+            </a:prstGeom>
+            <a:noFill/>
+          </p:spPr>
+          <p:txBody>
+            <a:bodyPr wrap="square" rtlCol="0">
+              <a:spAutoFit/>
+            </a:bodyPr>
+            <a:lstStyle/>
+            <a:p>
+              <a:r>
+                <a:rPr lang="de-DE" sz="1000" dirty="0"/>
+                <a:t>[7]</a:t>
+              </a:r>
+              <a:endParaRPr lang="en-US" sz="1000" dirty="0"/>
+            </a:p>
+          </p:txBody>
+        </p:sp>
+        <p:pic>
+          <p:nvPicPr>
+            <p:cNvPr id="4106" name="Picture 10" descr="Bildergebnis fÃ¼r piktogramm kamera">
+              <a:extLst>
+                <a:ext uri="{FF2B5EF4-FFF2-40B4-BE49-F238E27FC236}">
+                  <a16:creationId xmlns:a16="http://schemas.microsoft.com/office/drawing/2014/main" id="{455092C7-D6E9-45AF-881F-B3CB4FC5B89F}"/>
+                </a:ext>
+              </a:extLst>
+            </p:cNvPr>
+            <p:cNvPicPr>
+              <a:picLocks noChangeAspect="1" noChangeArrowheads="1"/>
+            </p:cNvPicPr>
+            <p:nvPr/>
+          </p:nvPicPr>
+          <p:blipFill rotWithShape="1">
+            <a:blip r:embed="rId7">
+              <a:extLst>
+                <a:ext uri="{28A0092B-C50C-407E-A947-70E740481C1C}">
+                  <a14:useLocalDpi xmlns:a14="http://schemas.microsoft.com/office/drawing/2010/main" val="0"/>
+                </a:ext>
+              </a:extLst>
+            </a:blip>
+            <a:srcRect l="7798" t="14603" r="7488" b="14042"/>
+            <a:stretch/>
+          </p:blipFill>
+          <p:spPr bwMode="auto">
+            <a:xfrm>
+              <a:off x="1722207" y="3949539"/>
+              <a:ext cx="1540757" cy="1297794"/>
+            </a:xfrm>
+            <a:prstGeom prst="rect">
+              <a:avLst/>
+            </a:prstGeom>
+            <a:noFill/>
+            <a:extLst>
+              <a:ext uri="{909E8E84-426E-40DD-AFC4-6F175D3DCCD1}">
+                <a14:hiddenFill xmlns:a14="http://schemas.microsoft.com/office/drawing/2010/main">
+                  <a:solidFill>
+                    <a:srgbClr val="FFFFFF"/>
+                  </a:solidFill>
+                </a14:hiddenFill>
+              </a:ext>
+            </a:extLst>
+          </p:spPr>
+        </p:pic>
+      </p:grpSp>
     </p:spTree>
     <p:extLst>
       <p:ext uri="{BB962C8B-B14F-4D97-AF65-F5344CB8AC3E}">
@@ -4823,6 +10178,216 @@
   <p:clrMapOvr>
     <a:masterClrMapping/>
   </p:clrMapOvr>
+  <p:timing>
+    <p:tnLst>
+      <p:par>
+        <p:cTn id="1" dur="indefinite" restart="never" nodeType="tmRoot">
+          <p:childTnLst>
+            <p:seq concurrent="1" nextAc="seek">
+              <p:cTn id="2" dur="indefinite" nodeType="mainSeq">
+                <p:childTnLst>
+                  <p:par>
+                    <p:cTn id="3" fill="hold">
+                      <p:stCondLst>
+                        <p:cond delay="indefinite"/>
+                      </p:stCondLst>
+                      <p:childTnLst>
+                        <p:par>
+                          <p:cTn id="4" fill="hold">
+                            <p:stCondLst>
+                              <p:cond delay="0"/>
+                            </p:stCondLst>
+                            <p:childTnLst>
+                              <p:par>
+                                <p:cTn id="5" presetID="1" presetClass="entr" presetSubtype="0" fill="hold" nodeType="clickEffect">
+                                  <p:stCondLst>
+                                    <p:cond delay="0"/>
+                                  </p:stCondLst>
+                                  <p:childTnLst>
+                                    <p:set>
+                                      <p:cBhvr>
+                                        <p:cTn id="6" dur="1" fill="hold">
+                                          <p:stCondLst>
+                                            <p:cond delay="0"/>
+                                          </p:stCondLst>
+                                        </p:cTn>
+                                        <p:tgtEl>
+                                          <p:spTgt spid="15"/>
+                                        </p:tgtEl>
+                                        <p:attrNameLst>
+                                          <p:attrName>style.visibility</p:attrName>
+                                        </p:attrNameLst>
+                                      </p:cBhvr>
+                                      <p:to>
+                                        <p:strVal val="visible"/>
+                                      </p:to>
+                                    </p:set>
+                                  </p:childTnLst>
+                                </p:cTn>
+                              </p:par>
+                            </p:childTnLst>
+                          </p:cTn>
+                        </p:par>
+                      </p:childTnLst>
+                    </p:cTn>
+                  </p:par>
+                  <p:par>
+                    <p:cTn id="7" fill="hold">
+                      <p:stCondLst>
+                        <p:cond delay="indefinite"/>
+                      </p:stCondLst>
+                      <p:childTnLst>
+                        <p:par>
+                          <p:cTn id="8" fill="hold">
+                            <p:stCondLst>
+                              <p:cond delay="0"/>
+                            </p:stCondLst>
+                            <p:childTnLst>
+                              <p:par>
+                                <p:cTn id="9" presetID="1" presetClass="entr" presetSubtype="0" fill="hold" nodeType="clickEffect">
+                                  <p:stCondLst>
+                                    <p:cond delay="0"/>
+                                  </p:stCondLst>
+                                  <p:childTnLst>
+                                    <p:set>
+                                      <p:cBhvr>
+                                        <p:cTn id="10" dur="1" fill="hold">
+                                          <p:stCondLst>
+                                            <p:cond delay="0"/>
+                                          </p:stCondLst>
+                                        </p:cTn>
+                                        <p:tgtEl>
+                                          <p:spTgt spid="14"/>
+                                        </p:tgtEl>
+                                        <p:attrNameLst>
+                                          <p:attrName>style.visibility</p:attrName>
+                                        </p:attrNameLst>
+                                      </p:cBhvr>
+                                      <p:to>
+                                        <p:strVal val="visible"/>
+                                      </p:to>
+                                    </p:set>
+                                  </p:childTnLst>
+                                </p:cTn>
+                              </p:par>
+                            </p:childTnLst>
+                          </p:cTn>
+                        </p:par>
+                      </p:childTnLst>
+                    </p:cTn>
+                  </p:par>
+                  <p:par>
+                    <p:cTn id="11" fill="hold">
+                      <p:stCondLst>
+                        <p:cond delay="indefinite"/>
+                      </p:stCondLst>
+                      <p:childTnLst>
+                        <p:par>
+                          <p:cTn id="12" fill="hold">
+                            <p:stCondLst>
+                              <p:cond delay="0"/>
+                            </p:stCondLst>
+                            <p:childTnLst>
+                              <p:par>
+                                <p:cTn id="13" presetID="1" presetClass="entr" presetSubtype="0" fill="hold" nodeType="clickEffect">
+                                  <p:stCondLst>
+                                    <p:cond delay="0"/>
+                                  </p:stCondLst>
+                                  <p:childTnLst>
+                                    <p:set>
+                                      <p:cBhvr>
+                                        <p:cTn id="14" dur="1" fill="hold">
+                                          <p:stCondLst>
+                                            <p:cond delay="0"/>
+                                          </p:stCondLst>
+                                        </p:cTn>
+                                        <p:tgtEl>
+                                          <p:spTgt spid="9"/>
+                                        </p:tgtEl>
+                                        <p:attrNameLst>
+                                          <p:attrName>style.visibility</p:attrName>
+                                        </p:attrNameLst>
+                                      </p:cBhvr>
+                                      <p:to>
+                                        <p:strVal val="visible"/>
+                                      </p:to>
+                                    </p:set>
+                                  </p:childTnLst>
+                                </p:cTn>
+                              </p:par>
+                            </p:childTnLst>
+                          </p:cTn>
+                        </p:par>
+                      </p:childTnLst>
+                    </p:cTn>
+                  </p:par>
+                  <p:par>
+                    <p:cTn id="15" fill="hold">
+                      <p:stCondLst>
+                        <p:cond delay="indefinite"/>
+                      </p:stCondLst>
+                      <p:childTnLst>
+                        <p:par>
+                          <p:cTn id="16" fill="hold">
+                            <p:stCondLst>
+                              <p:cond delay="0"/>
+                            </p:stCondLst>
+                            <p:childTnLst>
+                              <p:par>
+                                <p:cTn id="17" presetID="1" presetClass="entr" presetSubtype="0" fill="hold" nodeType="clickEffect">
+                                  <p:stCondLst>
+                                    <p:cond delay="0"/>
+                                  </p:stCondLst>
+                                  <p:childTnLst>
+                                    <p:set>
+                                      <p:cBhvr>
+                                        <p:cTn id="18" dur="1" fill="hold">
+                                          <p:stCondLst>
+                                            <p:cond delay="0"/>
+                                          </p:stCondLst>
+                                        </p:cTn>
+                                        <p:tgtEl>
+                                          <p:spTgt spid="10"/>
+                                        </p:tgtEl>
+                                        <p:attrNameLst>
+                                          <p:attrName>style.visibility</p:attrName>
+                                        </p:attrNameLst>
+                                      </p:cBhvr>
+                                      <p:to>
+                                        <p:strVal val="visible"/>
+                                      </p:to>
+                                    </p:set>
+                                  </p:childTnLst>
+                                </p:cTn>
+                              </p:par>
+                            </p:childTnLst>
+                          </p:cTn>
+                        </p:par>
+                      </p:childTnLst>
+                    </p:cTn>
+                  </p:par>
+                </p:childTnLst>
+              </p:cTn>
+              <p:prevCondLst>
+                <p:cond evt="onPrev" delay="0">
+                  <p:tgtEl>
+                    <p:sldTgt/>
+                  </p:tgtEl>
+                </p:cond>
+              </p:prevCondLst>
+              <p:nextCondLst>
+                <p:cond evt="onNext" delay="0">
+                  <p:tgtEl>
+                    <p:sldTgt/>
+                  </p:tgtEl>
+                </p:cond>
+              </p:nextCondLst>
+            </p:seq>
+          </p:childTnLst>
+        </p:cTn>
+      </p:par>
+    </p:tnLst>
+  </p:timing>
 </p:sld>
 </file>
 
@@ -5020,29 +10585,593 @@
       </p:sp>
       <p:sp>
         <p:nvSpPr>
-          <p:cNvPr id="7" name="Inhaltsplatzhalter 6">
+          <p:cNvPr id="8" name="Rechteck 7">
             <a:extLst>
               <a:ext uri="{FF2B5EF4-FFF2-40B4-BE49-F238E27FC236}">
-                <a16:creationId xmlns:a16="http://schemas.microsoft.com/office/drawing/2014/main" id="{53DA34F1-778D-4844-8F5B-422A8F85EA3D}"/>
+                <a16:creationId xmlns:a16="http://schemas.microsoft.com/office/drawing/2014/main" id="{D2855677-87BA-45C3-BA41-A1E8AB327D7F}"/>
               </a:ext>
             </a:extLst>
           </p:cNvPr>
-          <p:cNvSpPr>
-            <a:spLocks noGrp="1"/>
-          </p:cNvSpPr>
-          <p:nvPr>
-            <p:ph sz="quarter" idx="16"/>
-          </p:nvPr>
+          <p:cNvSpPr/>
+          <p:nvPr/>
         </p:nvSpPr>
-        <p:spPr/>
+        <p:spPr>
+          <a:xfrm>
+            <a:off x="1251667" y="1604362"/>
+            <a:ext cx="2771457" cy="989901"/>
+          </a:xfrm>
+          <a:prstGeom prst="rect">
+            <a:avLst/>
+          </a:prstGeom>
+          <a:noFill/>
+          <a:ln w="28575">
+            <a:solidFill>
+              <a:schemeClr val="accent1"/>
+            </a:solidFill>
+          </a:ln>
+        </p:spPr>
+        <p:style>
+          <a:lnRef idx="2">
+            <a:schemeClr val="accent1">
+              <a:shade val="50000"/>
+            </a:schemeClr>
+          </a:lnRef>
+          <a:fillRef idx="1">
+            <a:schemeClr val="accent1"/>
+          </a:fillRef>
+          <a:effectRef idx="0">
+            <a:schemeClr val="accent1"/>
+          </a:effectRef>
+          <a:fontRef idx="minor">
+            <a:schemeClr val="lt1"/>
+          </a:fontRef>
+        </p:style>
         <p:txBody>
-          <a:bodyPr/>
+          <a:bodyPr rtlCol="0" anchor="ctr"/>
           <a:lstStyle/>
           <a:p>
-            <a:endParaRPr lang="en-US"/>
+            <a:pPr algn="ctr"/>
+            <a:r>
+              <a:rPr lang="de-DE" dirty="0">
+                <a:solidFill>
+                  <a:sysClr val="windowText" lastClr="000000"/>
+                </a:solidFill>
+              </a:rPr>
+              <a:t>Milestone 1</a:t>
+            </a:r>
+          </a:p>
+          <a:p>
+            <a:pPr algn="ctr"/>
+            <a:r>
+              <a:rPr lang="en-US" dirty="0">
+                <a:solidFill>
+                  <a:sysClr val="windowText" lastClr="000000"/>
+                </a:solidFill>
+              </a:rPr>
+              <a:t>Initial project presentation</a:t>
+            </a:r>
+          </a:p>
+          <a:p>
+            <a:pPr algn="ctr"/>
+            <a:r>
+              <a:rPr lang="en-US" dirty="0">
+                <a:solidFill>
+                  <a:sysClr val="windowText" lastClr="000000"/>
+                </a:solidFill>
+              </a:rPr>
+              <a:t>2019-04-30</a:t>
+            </a:r>
           </a:p>
         </p:txBody>
       </p:sp>
+      <p:sp>
+        <p:nvSpPr>
+          <p:cNvPr id="9" name="Rechteck 8">
+            <a:extLst>
+              <a:ext uri="{FF2B5EF4-FFF2-40B4-BE49-F238E27FC236}">
+                <a16:creationId xmlns:a16="http://schemas.microsoft.com/office/drawing/2014/main" id="{AEEDC52B-E783-4034-B405-8C86B3A899D2}"/>
+              </a:ext>
+            </a:extLst>
+          </p:cNvPr>
+          <p:cNvSpPr/>
+          <p:nvPr/>
+        </p:nvSpPr>
+        <p:spPr>
+          <a:xfrm>
+            <a:off x="2637395" y="2946321"/>
+            <a:ext cx="2771457" cy="989901"/>
+          </a:xfrm>
+          <a:prstGeom prst="rect">
+            <a:avLst/>
+          </a:prstGeom>
+          <a:noFill/>
+          <a:ln w="28575">
+            <a:solidFill>
+              <a:schemeClr val="accent1"/>
+            </a:solidFill>
+          </a:ln>
+        </p:spPr>
+        <p:style>
+          <a:lnRef idx="2">
+            <a:schemeClr val="accent1">
+              <a:shade val="50000"/>
+            </a:schemeClr>
+          </a:lnRef>
+          <a:fillRef idx="1">
+            <a:schemeClr val="accent1"/>
+          </a:fillRef>
+          <a:effectRef idx="0">
+            <a:schemeClr val="accent1"/>
+          </a:effectRef>
+          <a:fontRef idx="minor">
+            <a:schemeClr val="lt1"/>
+          </a:fontRef>
+        </p:style>
+        <p:txBody>
+          <a:bodyPr rtlCol="0" anchor="ctr"/>
+          <a:lstStyle/>
+          <a:p>
+            <a:pPr algn="ctr"/>
+            <a:r>
+              <a:rPr lang="de-DE" dirty="0">
+                <a:solidFill>
+                  <a:sysClr val="windowText" lastClr="000000"/>
+                </a:solidFill>
+              </a:rPr>
+              <a:t>Milestone 2</a:t>
+            </a:r>
+          </a:p>
+          <a:p>
+            <a:pPr algn="ctr"/>
+            <a:r>
+              <a:rPr lang="en-US" dirty="0">
+                <a:solidFill>
+                  <a:sysClr val="windowText" lastClr="000000"/>
+                </a:solidFill>
+              </a:rPr>
+              <a:t>Deﬁne basic principles 2019-05-14</a:t>
+            </a:r>
+          </a:p>
+        </p:txBody>
+      </p:sp>
+      <p:sp>
+        <p:nvSpPr>
+          <p:cNvPr id="10" name="Rechteck 9">
+            <a:extLst>
+              <a:ext uri="{FF2B5EF4-FFF2-40B4-BE49-F238E27FC236}">
+                <a16:creationId xmlns:a16="http://schemas.microsoft.com/office/drawing/2014/main" id="{2DAEFB78-FB81-4A7B-879B-3DC78A5B2065}"/>
+              </a:ext>
+            </a:extLst>
+          </p:cNvPr>
+          <p:cNvSpPr/>
+          <p:nvPr/>
+        </p:nvSpPr>
+        <p:spPr>
+          <a:xfrm>
+            <a:off x="4518074" y="4265819"/>
+            <a:ext cx="3157644" cy="989901"/>
+          </a:xfrm>
+          <a:prstGeom prst="rect">
+            <a:avLst/>
+          </a:prstGeom>
+          <a:noFill/>
+          <a:ln w="28575">
+            <a:solidFill>
+              <a:schemeClr val="accent1"/>
+            </a:solidFill>
+          </a:ln>
+        </p:spPr>
+        <p:style>
+          <a:lnRef idx="2">
+            <a:schemeClr val="accent1">
+              <a:shade val="50000"/>
+            </a:schemeClr>
+          </a:lnRef>
+          <a:fillRef idx="1">
+            <a:schemeClr val="accent1"/>
+          </a:fillRef>
+          <a:effectRef idx="0">
+            <a:schemeClr val="accent1"/>
+          </a:effectRef>
+          <a:fontRef idx="minor">
+            <a:schemeClr val="lt1"/>
+          </a:fontRef>
+        </p:style>
+        <p:txBody>
+          <a:bodyPr rtlCol="0" anchor="ctr"/>
+          <a:lstStyle/>
+          <a:p>
+            <a:pPr algn="ctr"/>
+            <a:r>
+              <a:rPr lang="de-DE" dirty="0">
+                <a:solidFill>
+                  <a:sysClr val="windowText" lastClr="000000"/>
+                </a:solidFill>
+              </a:rPr>
+              <a:t>Milestone 3</a:t>
+            </a:r>
+          </a:p>
+          <a:p>
+            <a:pPr algn="ctr"/>
+            <a:r>
+              <a:rPr lang="en-US" dirty="0">
+                <a:solidFill>
+                  <a:sysClr val="windowText" lastClr="000000"/>
+                </a:solidFill>
+              </a:rPr>
+              <a:t>Implement/Test basic principles</a:t>
+            </a:r>
+            <a:br>
+              <a:rPr lang="en-US" dirty="0">
+                <a:solidFill>
+                  <a:sysClr val="windowText" lastClr="000000"/>
+                </a:solidFill>
+              </a:rPr>
+            </a:br>
+            <a:r>
+              <a:rPr lang="en-US" dirty="0">
+                <a:solidFill>
+                  <a:sysClr val="windowText" lastClr="000000"/>
+                </a:solidFill>
+              </a:rPr>
+              <a:t>2019-06-04</a:t>
+            </a:r>
+          </a:p>
+        </p:txBody>
+      </p:sp>
+      <p:sp>
+        <p:nvSpPr>
+          <p:cNvPr id="11" name="Rechteck 10">
+            <a:extLst>
+              <a:ext uri="{FF2B5EF4-FFF2-40B4-BE49-F238E27FC236}">
+                <a16:creationId xmlns:a16="http://schemas.microsoft.com/office/drawing/2014/main" id="{D2F2258F-DFEB-4776-8AE1-D52FE00519AC}"/>
+              </a:ext>
+            </a:extLst>
+          </p:cNvPr>
+          <p:cNvSpPr/>
+          <p:nvPr/>
+        </p:nvSpPr>
+        <p:spPr>
+          <a:xfrm>
+            <a:off x="6783149" y="2946320"/>
+            <a:ext cx="2771457" cy="989901"/>
+          </a:xfrm>
+          <a:prstGeom prst="rect">
+            <a:avLst/>
+          </a:prstGeom>
+          <a:noFill/>
+          <a:ln w="28575">
+            <a:solidFill>
+              <a:schemeClr val="accent1"/>
+            </a:solidFill>
+          </a:ln>
+        </p:spPr>
+        <p:style>
+          <a:lnRef idx="2">
+            <a:schemeClr val="accent1">
+              <a:shade val="50000"/>
+            </a:schemeClr>
+          </a:lnRef>
+          <a:fillRef idx="1">
+            <a:schemeClr val="accent1"/>
+          </a:fillRef>
+          <a:effectRef idx="0">
+            <a:schemeClr val="accent1"/>
+          </a:effectRef>
+          <a:fontRef idx="minor">
+            <a:schemeClr val="lt1"/>
+          </a:fontRef>
+        </p:style>
+        <p:txBody>
+          <a:bodyPr rtlCol="0" anchor="ctr"/>
+          <a:lstStyle/>
+          <a:p>
+            <a:pPr algn="ctr"/>
+            <a:r>
+              <a:rPr lang="de-DE" dirty="0">
+                <a:solidFill>
+                  <a:sysClr val="windowText" lastClr="000000"/>
+                </a:solidFill>
+              </a:rPr>
+              <a:t>Milestone 4</a:t>
+            </a:r>
+          </a:p>
+          <a:p>
+            <a:pPr algn="ctr"/>
+            <a:r>
+              <a:rPr lang="en-US" dirty="0">
+                <a:solidFill>
+                  <a:sysClr val="windowText" lastClr="000000"/>
+                </a:solidFill>
+              </a:rPr>
+              <a:t>Working prototype</a:t>
+            </a:r>
+          </a:p>
+          <a:p>
+            <a:pPr algn="ctr"/>
+            <a:r>
+              <a:rPr lang="en-US" dirty="0">
+                <a:solidFill>
+                  <a:sysClr val="windowText" lastClr="000000"/>
+                </a:solidFill>
+              </a:rPr>
+              <a:t>2019-06-25</a:t>
+            </a:r>
+          </a:p>
+        </p:txBody>
+      </p:sp>
+      <p:sp>
+        <p:nvSpPr>
+          <p:cNvPr id="12" name="Rechteck 11">
+            <a:extLst>
+              <a:ext uri="{FF2B5EF4-FFF2-40B4-BE49-F238E27FC236}">
+                <a16:creationId xmlns:a16="http://schemas.microsoft.com/office/drawing/2014/main" id="{B46534E6-B7FA-4935-B948-C534FFCAA497}"/>
+              </a:ext>
+            </a:extLst>
+          </p:cNvPr>
+          <p:cNvSpPr/>
+          <p:nvPr/>
+        </p:nvSpPr>
+        <p:spPr>
+          <a:xfrm>
+            <a:off x="8168877" y="1602281"/>
+            <a:ext cx="2771457" cy="989901"/>
+          </a:xfrm>
+          <a:prstGeom prst="rect">
+            <a:avLst/>
+          </a:prstGeom>
+          <a:noFill/>
+          <a:ln w="28575">
+            <a:solidFill>
+              <a:schemeClr val="accent1"/>
+            </a:solidFill>
+          </a:ln>
+        </p:spPr>
+        <p:style>
+          <a:lnRef idx="2">
+            <a:schemeClr val="accent1">
+              <a:shade val="50000"/>
+            </a:schemeClr>
+          </a:lnRef>
+          <a:fillRef idx="1">
+            <a:schemeClr val="accent1"/>
+          </a:fillRef>
+          <a:effectRef idx="0">
+            <a:schemeClr val="accent1"/>
+          </a:effectRef>
+          <a:fontRef idx="minor">
+            <a:schemeClr val="lt1"/>
+          </a:fontRef>
+        </p:style>
+        <p:txBody>
+          <a:bodyPr rtlCol="0" anchor="ctr"/>
+          <a:lstStyle/>
+          <a:p>
+            <a:pPr algn="ctr"/>
+            <a:r>
+              <a:rPr lang="de-DE" dirty="0">
+                <a:solidFill>
+                  <a:sysClr val="windowText" lastClr="000000"/>
+                </a:solidFill>
+              </a:rPr>
+              <a:t>Milestone 5</a:t>
+            </a:r>
+          </a:p>
+          <a:p>
+            <a:pPr algn="ctr"/>
+            <a:r>
+              <a:rPr lang="en-US" dirty="0">
+                <a:solidFill>
+                  <a:sysClr val="windowText" lastClr="000000"/>
+                </a:solidFill>
+              </a:rPr>
+              <a:t>Final presentation</a:t>
+            </a:r>
+          </a:p>
+          <a:p>
+            <a:pPr algn="ctr"/>
+            <a:r>
+              <a:rPr lang="en-US" dirty="0">
+                <a:solidFill>
+                  <a:sysClr val="windowText" lastClr="000000"/>
+                </a:solidFill>
+              </a:rPr>
+              <a:t>2019-07-09</a:t>
+            </a:r>
+          </a:p>
+        </p:txBody>
+      </p:sp>
+      <p:cxnSp>
+        <p:nvCxnSpPr>
+          <p:cNvPr id="14" name="Verbinder: gewinkelt 13">
+            <a:extLst>
+              <a:ext uri="{FF2B5EF4-FFF2-40B4-BE49-F238E27FC236}">
+                <a16:creationId xmlns:a16="http://schemas.microsoft.com/office/drawing/2014/main" id="{588C2ED6-F513-4C34-BCFA-39EE89112E80}"/>
+              </a:ext>
+            </a:extLst>
+          </p:cNvPr>
+          <p:cNvCxnSpPr>
+            <a:stCxn id="8" idx="3"/>
+            <a:endCxn id="9" idx="3"/>
+          </p:cNvCxnSpPr>
+          <p:nvPr/>
+        </p:nvCxnSpPr>
+        <p:spPr>
+          <a:xfrm>
+            <a:off x="4023124" y="2099313"/>
+            <a:ext cx="1385728" cy="1341959"/>
+          </a:xfrm>
+          <a:prstGeom prst="bentConnector3">
+            <a:avLst>
+              <a:gd name="adj1" fmla="val 116497"/>
+            </a:avLst>
+          </a:prstGeom>
+          <a:ln w="28575">
+            <a:solidFill>
+              <a:schemeClr val="accent2"/>
+            </a:solidFill>
+            <a:tailEnd type="triangle"/>
+          </a:ln>
+        </p:spPr>
+        <p:style>
+          <a:lnRef idx="1">
+            <a:schemeClr val="accent1"/>
+          </a:lnRef>
+          <a:fillRef idx="0">
+            <a:schemeClr val="accent1"/>
+          </a:fillRef>
+          <a:effectRef idx="0">
+            <a:schemeClr val="accent1"/>
+          </a:effectRef>
+          <a:fontRef idx="minor">
+            <a:schemeClr val="tx1"/>
+          </a:fontRef>
+        </p:style>
+      </p:cxnSp>
+      <p:cxnSp>
+        <p:nvCxnSpPr>
+          <p:cNvPr id="15" name="Verbinder: gewinkelt 14">
+            <a:extLst>
+              <a:ext uri="{FF2B5EF4-FFF2-40B4-BE49-F238E27FC236}">
+                <a16:creationId xmlns:a16="http://schemas.microsoft.com/office/drawing/2014/main" id="{CE9949C5-0723-4060-A602-E785B681A299}"/>
+              </a:ext>
+            </a:extLst>
+          </p:cNvPr>
+          <p:cNvCxnSpPr>
+            <a:cxnSpLocks/>
+            <a:stCxn id="9" idx="1"/>
+            <a:endCxn id="10" idx="1"/>
+          </p:cNvCxnSpPr>
+          <p:nvPr/>
+        </p:nvCxnSpPr>
+        <p:spPr>
+          <a:xfrm rot="10800000" flipH="1" flipV="1">
+            <a:off x="2637394" y="3441272"/>
+            <a:ext cx="1880679" cy="1319498"/>
+          </a:xfrm>
+          <a:prstGeom prst="bentConnector3">
+            <a:avLst>
+              <a:gd name="adj1" fmla="val -12155"/>
+            </a:avLst>
+          </a:prstGeom>
+          <a:ln w="28575">
+            <a:solidFill>
+              <a:schemeClr val="accent2"/>
+            </a:solidFill>
+            <a:tailEnd type="triangle"/>
+          </a:ln>
+        </p:spPr>
+        <p:style>
+          <a:lnRef idx="1">
+            <a:schemeClr val="accent1"/>
+          </a:lnRef>
+          <a:fillRef idx="0">
+            <a:schemeClr val="accent1"/>
+          </a:fillRef>
+          <a:effectRef idx="0">
+            <a:schemeClr val="accent1"/>
+          </a:effectRef>
+          <a:fontRef idx="minor">
+            <a:schemeClr val="tx1"/>
+          </a:fontRef>
+        </p:style>
+      </p:cxnSp>
+      <p:cxnSp>
+        <p:nvCxnSpPr>
+          <p:cNvPr id="18" name="Verbinder: gewinkelt 17">
+            <a:extLst>
+              <a:ext uri="{FF2B5EF4-FFF2-40B4-BE49-F238E27FC236}">
+                <a16:creationId xmlns:a16="http://schemas.microsoft.com/office/drawing/2014/main" id="{812C65D5-8023-404F-9590-CDF2AE686AD1}"/>
+              </a:ext>
+            </a:extLst>
+          </p:cNvPr>
+          <p:cNvCxnSpPr>
+            <a:cxnSpLocks/>
+            <a:stCxn id="10" idx="3"/>
+            <a:endCxn id="11" idx="3"/>
+          </p:cNvCxnSpPr>
+          <p:nvPr/>
+        </p:nvCxnSpPr>
+        <p:spPr>
+          <a:xfrm flipV="1">
+            <a:off x="7675718" y="3441271"/>
+            <a:ext cx="1878888" cy="1319499"/>
+          </a:xfrm>
+          <a:prstGeom prst="bentConnector3">
+            <a:avLst>
+              <a:gd name="adj1" fmla="val 112167"/>
+            </a:avLst>
+          </a:prstGeom>
+          <a:ln w="28575">
+            <a:solidFill>
+              <a:schemeClr val="accent2"/>
+            </a:solidFill>
+            <a:tailEnd type="triangle"/>
+          </a:ln>
+        </p:spPr>
+        <p:style>
+          <a:lnRef idx="1">
+            <a:schemeClr val="accent1"/>
+          </a:lnRef>
+          <a:fillRef idx="0">
+            <a:schemeClr val="accent1"/>
+          </a:fillRef>
+          <a:effectRef idx="0">
+            <a:schemeClr val="accent1"/>
+          </a:effectRef>
+          <a:fontRef idx="minor">
+            <a:schemeClr val="tx1"/>
+          </a:fontRef>
+        </p:style>
+      </p:cxnSp>
+      <p:cxnSp>
+        <p:nvCxnSpPr>
+          <p:cNvPr id="21" name="Verbinder: gewinkelt 20">
+            <a:extLst>
+              <a:ext uri="{FF2B5EF4-FFF2-40B4-BE49-F238E27FC236}">
+                <a16:creationId xmlns:a16="http://schemas.microsoft.com/office/drawing/2014/main" id="{A5B57889-F4C0-43DF-95A3-02D4F42C5B13}"/>
+              </a:ext>
+            </a:extLst>
+          </p:cNvPr>
+          <p:cNvCxnSpPr>
+            <a:cxnSpLocks/>
+            <a:stCxn id="11" idx="1"/>
+            <a:endCxn id="12" idx="1"/>
+          </p:cNvCxnSpPr>
+          <p:nvPr/>
+        </p:nvCxnSpPr>
+        <p:spPr>
+          <a:xfrm rot="10800000" flipH="1">
+            <a:off x="6783149" y="2097233"/>
+            <a:ext cx="1385728" cy="1344039"/>
+          </a:xfrm>
+          <a:prstGeom prst="bentConnector3">
+            <a:avLst>
+              <a:gd name="adj1" fmla="val -16497"/>
+            </a:avLst>
+          </a:prstGeom>
+          <a:ln w="28575">
+            <a:solidFill>
+              <a:schemeClr val="accent2"/>
+            </a:solidFill>
+            <a:tailEnd type="triangle"/>
+          </a:ln>
+        </p:spPr>
+        <p:style>
+          <a:lnRef idx="1">
+            <a:schemeClr val="accent1"/>
+          </a:lnRef>
+          <a:fillRef idx="0">
+            <a:schemeClr val="accent1"/>
+          </a:fillRef>
+          <a:effectRef idx="0">
+            <a:schemeClr val="accent1"/>
+          </a:effectRef>
+          <a:fontRef idx="minor">
+            <a:schemeClr val="tx1"/>
+          </a:fontRef>
+        </p:style>
+      </p:cxnSp>
     </p:spTree>
     <p:extLst>
       <p:ext uri="{BB962C8B-B14F-4D97-AF65-F5344CB8AC3E}">
@@ -5053,6 +11182,330 @@
   <p:clrMapOvr>
     <a:masterClrMapping/>
   </p:clrMapOvr>
+  <p:timing>
+    <p:tnLst>
+      <p:par>
+        <p:cTn id="1" dur="indefinite" restart="never" nodeType="tmRoot">
+          <p:childTnLst>
+            <p:seq concurrent="1" nextAc="seek">
+              <p:cTn id="2" dur="indefinite" nodeType="mainSeq">
+                <p:childTnLst>
+                  <p:par>
+                    <p:cTn id="3" fill="hold">
+                      <p:stCondLst>
+                        <p:cond delay="indefinite"/>
+                      </p:stCondLst>
+                      <p:childTnLst>
+                        <p:par>
+                          <p:cTn id="4" fill="hold">
+                            <p:stCondLst>
+                              <p:cond delay="0"/>
+                            </p:stCondLst>
+                            <p:childTnLst>
+                              <p:par>
+                                <p:cTn id="5" presetID="1" presetClass="entr" presetSubtype="0" fill="hold" nodeType="clickEffect">
+                                  <p:stCondLst>
+                                    <p:cond delay="0"/>
+                                  </p:stCondLst>
+                                  <p:childTnLst>
+                                    <p:set>
+                                      <p:cBhvr>
+                                        <p:cTn id="6" dur="1" fill="hold">
+                                          <p:stCondLst>
+                                            <p:cond delay="0"/>
+                                          </p:stCondLst>
+                                        </p:cTn>
+                                        <p:tgtEl>
+                                          <p:spTgt spid="14"/>
+                                        </p:tgtEl>
+                                        <p:attrNameLst>
+                                          <p:attrName>style.visibility</p:attrName>
+                                        </p:attrNameLst>
+                                      </p:cBhvr>
+                                      <p:to>
+                                        <p:strVal val="visible"/>
+                                      </p:to>
+                                    </p:set>
+                                  </p:childTnLst>
+                                </p:cTn>
+                              </p:par>
+                              <p:par>
+                                <p:cTn id="7" presetID="1" presetClass="entr" presetSubtype="0" fill="hold" grpId="0" nodeType="withEffect">
+                                  <p:stCondLst>
+                                    <p:cond delay="0"/>
+                                  </p:stCondLst>
+                                  <p:childTnLst>
+                                    <p:set>
+                                      <p:cBhvr>
+                                        <p:cTn id="8" dur="1" fill="hold">
+                                          <p:stCondLst>
+                                            <p:cond delay="0"/>
+                                          </p:stCondLst>
+                                        </p:cTn>
+                                        <p:tgtEl>
+                                          <p:spTgt spid="9"/>
+                                        </p:tgtEl>
+                                        <p:attrNameLst>
+                                          <p:attrName>style.visibility</p:attrName>
+                                        </p:attrNameLst>
+                                      </p:cBhvr>
+                                      <p:to>
+                                        <p:strVal val="visible"/>
+                                      </p:to>
+                                    </p:set>
+                                  </p:childTnLst>
+                                </p:cTn>
+                              </p:par>
+                            </p:childTnLst>
+                          </p:cTn>
+                        </p:par>
+                      </p:childTnLst>
+                    </p:cTn>
+                  </p:par>
+                  <p:par>
+                    <p:cTn id="9" fill="hold">
+                      <p:stCondLst>
+                        <p:cond delay="indefinite"/>
+                      </p:stCondLst>
+                      <p:childTnLst>
+                        <p:par>
+                          <p:cTn id="10" fill="hold">
+                            <p:stCondLst>
+                              <p:cond delay="0"/>
+                            </p:stCondLst>
+                            <p:childTnLst>
+                              <p:par>
+                                <p:cTn id="11" presetID="1" presetClass="entr" presetSubtype="0" fill="hold" nodeType="clickEffect">
+                                  <p:stCondLst>
+                                    <p:cond delay="0"/>
+                                  </p:stCondLst>
+                                  <p:childTnLst>
+                                    <p:set>
+                                      <p:cBhvr>
+                                        <p:cTn id="12" dur="1" fill="hold">
+                                          <p:stCondLst>
+                                            <p:cond delay="0"/>
+                                          </p:stCondLst>
+                                        </p:cTn>
+                                        <p:tgtEl>
+                                          <p:spTgt spid="15"/>
+                                        </p:tgtEl>
+                                        <p:attrNameLst>
+                                          <p:attrName>style.visibility</p:attrName>
+                                        </p:attrNameLst>
+                                      </p:cBhvr>
+                                      <p:to>
+                                        <p:strVal val="visible"/>
+                                      </p:to>
+                                    </p:set>
+                                  </p:childTnLst>
+                                </p:cTn>
+                              </p:par>
+                              <p:par>
+                                <p:cTn id="13" presetID="1" presetClass="entr" presetSubtype="0" fill="hold" grpId="0" nodeType="withEffect">
+                                  <p:stCondLst>
+                                    <p:cond delay="0"/>
+                                  </p:stCondLst>
+                                  <p:childTnLst>
+                                    <p:set>
+                                      <p:cBhvr>
+                                        <p:cTn id="14" dur="1" fill="hold">
+                                          <p:stCondLst>
+                                            <p:cond delay="0"/>
+                                          </p:stCondLst>
+                                        </p:cTn>
+                                        <p:tgtEl>
+                                          <p:spTgt spid="10"/>
+                                        </p:tgtEl>
+                                        <p:attrNameLst>
+                                          <p:attrName>style.visibility</p:attrName>
+                                        </p:attrNameLst>
+                                      </p:cBhvr>
+                                      <p:to>
+                                        <p:strVal val="visible"/>
+                                      </p:to>
+                                    </p:set>
+                                  </p:childTnLst>
+                                </p:cTn>
+                              </p:par>
+                            </p:childTnLst>
+                          </p:cTn>
+                        </p:par>
+                      </p:childTnLst>
+                    </p:cTn>
+                  </p:par>
+                  <p:par>
+                    <p:cTn id="15" fill="hold">
+                      <p:stCondLst>
+                        <p:cond delay="indefinite"/>
+                      </p:stCondLst>
+                      <p:childTnLst>
+                        <p:par>
+                          <p:cTn id="16" fill="hold">
+                            <p:stCondLst>
+                              <p:cond delay="0"/>
+                            </p:stCondLst>
+                            <p:childTnLst>
+                              <p:par>
+                                <p:cTn id="17" presetID="1" presetClass="entr" presetSubtype="0" fill="hold" nodeType="clickEffect">
+                                  <p:stCondLst>
+                                    <p:cond delay="0"/>
+                                  </p:stCondLst>
+                                  <p:childTnLst>
+                                    <p:set>
+                                      <p:cBhvr>
+                                        <p:cTn id="18" dur="1" fill="hold">
+                                          <p:stCondLst>
+                                            <p:cond delay="0"/>
+                                          </p:stCondLst>
+                                        </p:cTn>
+                                        <p:tgtEl>
+                                          <p:spTgt spid="18"/>
+                                        </p:tgtEl>
+                                        <p:attrNameLst>
+                                          <p:attrName>style.visibility</p:attrName>
+                                        </p:attrNameLst>
+                                      </p:cBhvr>
+                                      <p:to>
+                                        <p:strVal val="visible"/>
+                                      </p:to>
+                                    </p:set>
+                                  </p:childTnLst>
+                                </p:cTn>
+                              </p:par>
+                              <p:par>
+                                <p:cTn id="19" presetID="1" presetClass="entr" presetSubtype="0" fill="hold" grpId="0" nodeType="withEffect">
+                                  <p:stCondLst>
+                                    <p:cond delay="0"/>
+                                  </p:stCondLst>
+                                  <p:childTnLst>
+                                    <p:set>
+                                      <p:cBhvr>
+                                        <p:cTn id="20" dur="1" fill="hold">
+                                          <p:stCondLst>
+                                            <p:cond delay="0"/>
+                                          </p:stCondLst>
+                                        </p:cTn>
+                                        <p:tgtEl>
+                                          <p:spTgt spid="11"/>
+                                        </p:tgtEl>
+                                        <p:attrNameLst>
+                                          <p:attrName>style.visibility</p:attrName>
+                                        </p:attrNameLst>
+                                      </p:cBhvr>
+                                      <p:to>
+                                        <p:strVal val="visible"/>
+                                      </p:to>
+                                    </p:set>
+                                  </p:childTnLst>
+                                </p:cTn>
+                              </p:par>
+                            </p:childTnLst>
+                          </p:cTn>
+                        </p:par>
+                      </p:childTnLst>
+                    </p:cTn>
+                  </p:par>
+                  <p:par>
+                    <p:cTn id="21" fill="hold">
+                      <p:stCondLst>
+                        <p:cond delay="indefinite"/>
+                      </p:stCondLst>
+                      <p:childTnLst>
+                        <p:par>
+                          <p:cTn id="22" fill="hold">
+                            <p:stCondLst>
+                              <p:cond delay="0"/>
+                            </p:stCondLst>
+                            <p:childTnLst>
+                              <p:par>
+                                <p:cTn id="23" presetID="1" presetClass="entr" presetSubtype="0" fill="hold" nodeType="clickEffect">
+                                  <p:stCondLst>
+                                    <p:cond delay="0"/>
+                                  </p:stCondLst>
+                                  <p:childTnLst>
+                                    <p:set>
+                                      <p:cBhvr>
+                                        <p:cTn id="24" dur="1" fill="hold">
+                                          <p:stCondLst>
+                                            <p:cond delay="0"/>
+                                          </p:stCondLst>
+                                        </p:cTn>
+                                        <p:tgtEl>
+                                          <p:spTgt spid="21"/>
+                                        </p:tgtEl>
+                                        <p:attrNameLst>
+                                          <p:attrName>style.visibility</p:attrName>
+                                        </p:attrNameLst>
+                                      </p:cBhvr>
+                                      <p:to>
+                                        <p:strVal val="visible"/>
+                                      </p:to>
+                                    </p:set>
+                                  </p:childTnLst>
+                                </p:cTn>
+                              </p:par>
+                              <p:par>
+                                <p:cTn id="25" presetID="1" presetClass="entr" presetSubtype="0" fill="hold" grpId="0" nodeType="withEffect">
+                                  <p:stCondLst>
+                                    <p:cond delay="0"/>
+                                  </p:stCondLst>
+                                  <p:childTnLst>
+                                    <p:set>
+                                      <p:cBhvr>
+                                        <p:cTn id="26" dur="1" fill="hold">
+                                          <p:stCondLst>
+                                            <p:cond delay="0"/>
+                                          </p:stCondLst>
+                                        </p:cTn>
+                                        <p:tgtEl>
+                                          <p:spTgt spid="12"/>
+                                        </p:tgtEl>
+                                        <p:attrNameLst>
+                                          <p:attrName>style.visibility</p:attrName>
+                                        </p:attrNameLst>
+                                      </p:cBhvr>
+                                      <p:to>
+                                        <p:strVal val="visible"/>
+                                      </p:to>
+                                    </p:set>
+                                  </p:childTnLst>
+                                </p:cTn>
+                              </p:par>
+                            </p:childTnLst>
+                          </p:cTn>
+                        </p:par>
+                      </p:childTnLst>
+                    </p:cTn>
+                  </p:par>
+                </p:childTnLst>
+              </p:cTn>
+              <p:prevCondLst>
+                <p:cond evt="onPrev" delay="0">
+                  <p:tgtEl>
+                    <p:sldTgt/>
+                  </p:tgtEl>
+                </p:cond>
+              </p:prevCondLst>
+              <p:nextCondLst>
+                <p:cond evt="onNext" delay="0">
+                  <p:tgtEl>
+                    <p:sldTgt/>
+                  </p:tgtEl>
+                </p:cond>
+              </p:nextCondLst>
+            </p:seq>
+          </p:childTnLst>
+        </p:cTn>
+      </p:par>
+    </p:tnLst>
+    <p:bldLst>
+      <p:bldP spid="9" grpId="0" animBg="1"/>
+      <p:bldP spid="10" grpId="0" animBg="1"/>
+      <p:bldP spid="11" grpId="0" animBg="1"/>
+      <p:bldP spid="12" grpId="0" animBg="1"/>
+    </p:bldLst>
+  </p:timing>
 </p:sld>
 </file>
 
@@ -5226,7 +11679,14 @@
             </a:r>
             <a:r>
               <a:rPr lang="en-US" dirty="0"/>
-              <a:t>https://www.welt.de/img/wirtschaft/mobile139410507/5031358457-ci16x9-w1200/KUKA-Roboter-fuer-Wams-Wirtschaft-Kontak.jpg (download 2019-04-28)</a:t>
+              <a:t>https://www.welt.de/img/wirtschaft/mobile139410507/5031358457-ci16x9-w1200/KUKA-Roboter-fuer-Wams</a:t>
+            </a:r>
+            <a:br>
+              <a:rPr lang="en-US" dirty="0"/>
+            </a:br>
+            <a:r>
+              <a:rPr lang="en-US" dirty="0"/>
+              <a:t>	-Wirtschaft-Kontak.jpg</a:t>
             </a:r>
           </a:p>
           <a:p>
@@ -5235,8 +11695,91 @@
             </a:pPr>
             <a:r>
               <a:rPr lang="en-US" dirty="0"/>
-              <a:t>[2] - https://images-na.ssl-images-amazon.com/images/I/81AlPD1WLyL._SL1500_.jpg (download at 2019-04-28)</a:t>
-            </a:r>
+              <a:t>[2] - https://images-na.ssl-images-amazon.com/images/I/81AlPD1WLyL._SL1500_.jpg </a:t>
+            </a:r>
+          </a:p>
+          <a:p>
+            <a:pPr marL="0" indent="0">
+              <a:buNone/>
+            </a:pPr>
+            <a:r>
+              <a:rPr lang="en-US" dirty="0"/>
+              <a:t>[3] - https://thumbs.dreamstime.com/z/videorahmen-film-kino-medien-d%C3%BCnne-linie-ikone-des-spielers-lineares</a:t>
+            </a:r>
+            <a:br>
+              <a:rPr lang="en-US" dirty="0"/>
+            </a:br>
+            <a:r>
+              <a:rPr lang="en-US" dirty="0"/>
+              <a:t>	-vektorsymbol-99227086.jpg</a:t>
+            </a:r>
+          </a:p>
+          <a:p>
+            <a:pPr marL="0" indent="0">
+              <a:buNone/>
+            </a:pPr>
+            <a:r>
+              <a:rPr lang="en-US" dirty="0"/>
+              <a:t>[4] - https://t4.ftcdn.net/jpg/00/36/49/45/500_F_36494561_5LXhPVnoiKL6Kc08mkChbfyeImyW82Z4.jpg</a:t>
+            </a:r>
+          </a:p>
+          <a:p>
+            <a:pPr marL="0" indent="0">
+              <a:buNone/>
+            </a:pPr>
+            <a:r>
+              <a:rPr lang="en-US" dirty="0"/>
+              <a:t>[5] - https://static.turbosquid.com/Preview/2015/05/29__08_34_09/KukaRobotKR10R1100Rigged3dmodel02.jpg </a:t>
+            </a:r>
+            <a:br>
+              <a:rPr lang="en-US" dirty="0"/>
+            </a:br>
+            <a:r>
+              <a:rPr lang="en-US" dirty="0"/>
+              <a:t>	4e9d544a-294d-4965-9ff8-8ac9642a33b5Original.jpg</a:t>
+            </a:r>
+          </a:p>
+          <a:p>
+            <a:pPr marL="0" indent="0">
+              <a:buNone/>
+            </a:pPr>
+            <a:r>
+              <a:rPr lang="en-US" dirty="0"/>
+              <a:t>[6] - https://www.kuka.com/-/media/kuka-corporate/images/products/software/kuka-workvisualgrafik-intro.jpg</a:t>
+            </a:r>
+          </a:p>
+          <a:p>
+            <a:pPr marL="0" indent="0">
+              <a:buNone/>
+            </a:pPr>
+            <a:r>
+              <a:rPr lang="en-US" dirty="0"/>
+              <a:t>[7] - https://image.freepik.com/freie-ikonen/kamera-skizzieren_318-8404.jpg</a:t>
+            </a:r>
+          </a:p>
+          <a:p>
+            <a:pPr marL="0" indent="0">
+              <a:buNone/>
+            </a:pPr>
+            <a:r>
+              <a:rPr lang="en-US" dirty="0"/>
+              <a:t>[8] - https://python.rs/pylogo.png</a:t>
+            </a:r>
+          </a:p>
+          <a:p>
+            <a:pPr marL="0" indent="0">
+              <a:buNone/>
+            </a:pPr>
+            <a:r>
+              <a:rPr lang="en-US" dirty="0"/>
+              <a:t>[9] - https://upload.wikimedia.org/wikipedia/commons/5/53/OpenCV_Logo_with_text.png</a:t>
+            </a:r>
+          </a:p>
+          <a:p>
+            <a:pPr marL="0" indent="0">
+              <a:buNone/>
+            </a:pPr>
+            <a:endParaRPr lang="en-US" dirty="0"/>
           </a:p>
         </p:txBody>
       </p:sp>
@@ -5352,6 +11895,40 @@
               <a:t>9</a:t>
             </a:fld>
             <a:endParaRPr lang="en-US" dirty="0"/>
+          </a:p>
+        </p:txBody>
+      </p:sp>
+      <p:sp>
+        <p:nvSpPr>
+          <p:cNvPr id="10" name="Rechteck 9">
+            <a:extLst>
+              <a:ext uri="{FF2B5EF4-FFF2-40B4-BE49-F238E27FC236}">
+                <a16:creationId xmlns:a16="http://schemas.microsoft.com/office/drawing/2014/main" id="{7BF972EC-CCE2-46A6-B3F2-47FB22306C2D}"/>
+              </a:ext>
+            </a:extLst>
+          </p:cNvPr>
+          <p:cNvSpPr/>
+          <p:nvPr/>
+        </p:nvSpPr>
+        <p:spPr>
+          <a:xfrm>
+            <a:off x="9598631" y="6093108"/>
+            <a:ext cx="2470420" cy="307777"/>
+          </a:xfrm>
+          <a:prstGeom prst="rect">
+            <a:avLst/>
+          </a:prstGeom>
+        </p:spPr>
+        <p:txBody>
+          <a:bodyPr wrap="none">
+            <a:spAutoFit/>
+          </a:bodyPr>
+          <a:lstStyle/>
+          <a:p>
+            <a:r>
+              <a:rPr lang="en-US" sz="1400" dirty="0"/>
+              <a:t>(all downloaded at 2019-04-28)</a:t>
+            </a:r>
           </a:p>
         </p:txBody>
       </p:sp>
